--- a/src/main/resources/Clickhouse分享.pptx
+++ b/src/main/resources/Clickhouse分享.pptx
@@ -5,7 +5,7 @@
     <p:sldMasterId id="2147483648" r:id="rId1"/>
   </p:sldMasterIdLst>
   <p:notesMasterIdLst>
-    <p:notesMasterId r:id="rId15"/>
+    <p:notesMasterId r:id="rId20"/>
   </p:notesMasterIdLst>
   <p:sldIdLst>
     <p:sldId id="258" r:id="rId2"/>
@@ -20,12 +20,17 @@
     <p:sldId id="436" r:id="rId11"/>
     <p:sldId id="438" r:id="rId12"/>
     <p:sldId id="437" r:id="rId13"/>
-    <p:sldId id="265" r:id="rId14"/>
+    <p:sldId id="439" r:id="rId14"/>
+    <p:sldId id="440" r:id="rId15"/>
+    <p:sldId id="442" r:id="rId16"/>
+    <p:sldId id="443" r:id="rId17"/>
+    <p:sldId id="444" r:id="rId18"/>
+    <p:sldId id="265" r:id="rId19"/>
   </p:sldIdLst>
   <p:sldSz cx="12192000" cy="6858000"/>
   <p:notesSz cx="6858000" cy="9144000"/>
   <p:custDataLst>
-    <p:tags r:id="rId16"/>
+    <p:tags r:id="rId21"/>
   </p:custDataLst>
   <p:defaultTextStyle>
     <a:defPPr>
@@ -223,7 +228,7 @@
           <a:p>
             <a:fld id="{2FF053C9-8990-4AE3-9369-F178EBDE3212}" type="datetimeFigureOut">
               <a:rPr lang="zh-CN" altLang="en-US" smtClean="0"/>
-              <a:t>2019/10/17</a:t>
+              <a:t>2019/11/9</a:t>
             </a:fld>
             <a:endParaRPr lang="zh-CN" altLang="en-US"/>
           </a:p>
@@ -673,6 +678,474 @@
 </p:notes>
 </file>
 
+<file path=ppt/notesSlides/notesSlide11.xml><?xml version="1.0" encoding="utf-8"?>
+<p:notes xmlns:a="http://schemas.openxmlformats.org/drawingml/2006/main" xmlns:r="http://schemas.openxmlformats.org/officeDocument/2006/relationships" xmlns:p="http://schemas.openxmlformats.org/presentationml/2006/main">
+  <p:cSld>
+    <p:spTree>
+      <p:nvGrpSpPr>
+        <p:cNvPr id="1" name=""/>
+        <p:cNvGrpSpPr/>
+        <p:nvPr/>
+      </p:nvGrpSpPr>
+      <p:grpSpPr>
+        <a:xfrm>
+          <a:off x="0" y="0"/>
+          <a:ext cx="0" cy="0"/>
+          <a:chOff x="0" y="0"/>
+          <a:chExt cx="0" cy="0"/>
+        </a:xfrm>
+      </p:grpSpPr>
+      <p:sp>
+        <p:nvSpPr>
+          <p:cNvPr id="2" name="幻灯片图像占位符 1"/>
+          <p:cNvSpPr>
+            <a:spLocks noGrp="1" noRot="1" noChangeAspect="1"/>
+          </p:cNvSpPr>
+          <p:nvPr>
+            <p:ph type="sldImg"/>
+          </p:nvPr>
+        </p:nvSpPr>
+        <p:spPr/>
+      </p:sp>
+      <p:sp>
+        <p:nvSpPr>
+          <p:cNvPr id="3" name="备注占位符 2"/>
+          <p:cNvSpPr>
+            <a:spLocks noGrp="1"/>
+          </p:cNvSpPr>
+          <p:nvPr>
+            <p:ph type="body" idx="1"/>
+          </p:nvPr>
+        </p:nvSpPr>
+        <p:spPr/>
+        <p:txBody>
+          <a:bodyPr/>
+          <a:lstStyle/>
+          <a:p>
+            <a:pPr marL="0" marR="0" lvl="0" indent="0" algn="l" defTabSz="914400" rtl="0" eaLnBrk="1" fontAlgn="auto" latinLnBrk="0" hangingPunct="1">
+              <a:lnSpc>
+                <a:spcPct val="100000"/>
+              </a:lnSpc>
+              <a:spcBef>
+                <a:spcPts val="0"/>
+              </a:spcBef>
+              <a:spcAft>
+                <a:spcPts val="0"/>
+              </a:spcAft>
+              <a:buClrTx/>
+              <a:buSzTx/>
+              <a:buFontTx/>
+              <a:buNone/>
+              <a:tabLst/>
+              <a:defRPr/>
+            </a:pPr>
+            <a:endParaRPr lang="en" altLang="zh-CN" sz="1200" b="0" kern="1200" dirty="0">
+              <a:solidFill>
+                <a:schemeClr val="tx1"/>
+              </a:solidFill>
+              <a:effectLst/>
+              <a:latin typeface="+mn-lt"/>
+              <a:ea typeface="+mn-ea"/>
+              <a:cs typeface="+mn-cs"/>
+            </a:endParaRPr>
+          </a:p>
+        </p:txBody>
+      </p:sp>
+      <p:sp>
+        <p:nvSpPr>
+          <p:cNvPr id="4" name="灯片编号占位符 3"/>
+          <p:cNvSpPr>
+            <a:spLocks noGrp="1"/>
+          </p:cNvSpPr>
+          <p:nvPr>
+            <p:ph type="sldNum" sz="quarter" idx="5"/>
+          </p:nvPr>
+        </p:nvSpPr>
+        <p:spPr/>
+        <p:txBody>
+          <a:bodyPr/>
+          <a:lstStyle/>
+          <a:p>
+            <a:fld id="{860335EA-D737-419D-9934-BEEAD5F2E261}" type="slidenum">
+              <a:rPr lang="zh-CN" altLang="en-US" smtClean="0"/>
+              <a:t>14</a:t>
+            </a:fld>
+            <a:endParaRPr lang="zh-CN" altLang="en-US"/>
+          </a:p>
+        </p:txBody>
+      </p:sp>
+    </p:spTree>
+    <p:extLst>
+      <p:ext uri="{BB962C8B-B14F-4D97-AF65-F5344CB8AC3E}">
+        <p14:creationId xmlns:p14="http://schemas.microsoft.com/office/powerpoint/2010/main" val="1781646702"/>
+      </p:ext>
+    </p:extLst>
+  </p:cSld>
+  <p:clrMapOvr>
+    <a:masterClrMapping/>
+  </p:clrMapOvr>
+</p:notes>
+</file>
+
+<file path=ppt/notesSlides/notesSlide12.xml><?xml version="1.0" encoding="utf-8"?>
+<p:notes xmlns:a="http://schemas.openxmlformats.org/drawingml/2006/main" xmlns:r="http://schemas.openxmlformats.org/officeDocument/2006/relationships" xmlns:p="http://schemas.openxmlformats.org/presentationml/2006/main">
+  <p:cSld>
+    <p:spTree>
+      <p:nvGrpSpPr>
+        <p:cNvPr id="1" name=""/>
+        <p:cNvGrpSpPr/>
+        <p:nvPr/>
+      </p:nvGrpSpPr>
+      <p:grpSpPr>
+        <a:xfrm>
+          <a:off x="0" y="0"/>
+          <a:ext cx="0" cy="0"/>
+          <a:chOff x="0" y="0"/>
+          <a:chExt cx="0" cy="0"/>
+        </a:xfrm>
+      </p:grpSpPr>
+      <p:sp>
+        <p:nvSpPr>
+          <p:cNvPr id="2" name="幻灯片图像占位符 1"/>
+          <p:cNvSpPr>
+            <a:spLocks noGrp="1" noRot="1" noChangeAspect="1"/>
+          </p:cNvSpPr>
+          <p:nvPr>
+            <p:ph type="sldImg"/>
+          </p:nvPr>
+        </p:nvSpPr>
+        <p:spPr/>
+      </p:sp>
+      <p:sp>
+        <p:nvSpPr>
+          <p:cNvPr id="3" name="备注占位符 2"/>
+          <p:cNvSpPr>
+            <a:spLocks noGrp="1"/>
+          </p:cNvSpPr>
+          <p:nvPr>
+            <p:ph type="body" idx="1"/>
+          </p:nvPr>
+        </p:nvSpPr>
+        <p:spPr/>
+        <p:txBody>
+          <a:bodyPr/>
+          <a:lstStyle/>
+          <a:p>
+            <a:r>
+              <a:rPr kumimoji="1" lang="en-US" altLang="zh-CN" dirty="0"/>
+              <a:t>11/21/31</a:t>
+            </a:r>
+            <a:r>
+              <a:rPr kumimoji="1" lang="zh-CN" altLang="en-US" dirty="0"/>
+              <a:t>为副本关系</a:t>
+            </a:r>
+          </a:p>
+        </p:txBody>
+      </p:sp>
+      <p:sp>
+        <p:nvSpPr>
+          <p:cNvPr id="4" name="灯片编号占位符 3"/>
+          <p:cNvSpPr>
+            <a:spLocks noGrp="1"/>
+          </p:cNvSpPr>
+          <p:nvPr>
+            <p:ph type="sldNum" sz="quarter" idx="5"/>
+          </p:nvPr>
+        </p:nvSpPr>
+        <p:spPr/>
+        <p:txBody>
+          <a:bodyPr/>
+          <a:lstStyle/>
+          <a:p>
+            <a:fld id="{860335EA-D737-419D-9934-BEEAD5F2E261}" type="slidenum">
+              <a:rPr lang="zh-CN" altLang="en-US" smtClean="0"/>
+              <a:t>15</a:t>
+            </a:fld>
+            <a:endParaRPr lang="zh-CN" altLang="en-US"/>
+          </a:p>
+        </p:txBody>
+      </p:sp>
+    </p:spTree>
+    <p:extLst>
+      <p:ext uri="{BB962C8B-B14F-4D97-AF65-F5344CB8AC3E}">
+        <p14:creationId xmlns:p14="http://schemas.microsoft.com/office/powerpoint/2010/main" val="1442460765"/>
+      </p:ext>
+    </p:extLst>
+  </p:cSld>
+  <p:clrMapOvr>
+    <a:masterClrMapping/>
+  </p:clrMapOvr>
+</p:notes>
+</file>
+
+<file path=ppt/notesSlides/notesSlide13.xml><?xml version="1.0" encoding="utf-8"?>
+<p:notes xmlns:a="http://schemas.openxmlformats.org/drawingml/2006/main" xmlns:r="http://schemas.openxmlformats.org/officeDocument/2006/relationships" xmlns:p="http://schemas.openxmlformats.org/presentationml/2006/main">
+  <p:cSld>
+    <p:spTree>
+      <p:nvGrpSpPr>
+        <p:cNvPr id="1" name=""/>
+        <p:cNvGrpSpPr/>
+        <p:nvPr/>
+      </p:nvGrpSpPr>
+      <p:grpSpPr>
+        <a:xfrm>
+          <a:off x="0" y="0"/>
+          <a:ext cx="0" cy="0"/>
+          <a:chOff x="0" y="0"/>
+          <a:chExt cx="0" cy="0"/>
+        </a:xfrm>
+      </p:grpSpPr>
+      <p:sp>
+        <p:nvSpPr>
+          <p:cNvPr id="2" name="幻灯片图像占位符 1"/>
+          <p:cNvSpPr>
+            <a:spLocks noGrp="1" noRot="1" noChangeAspect="1"/>
+          </p:cNvSpPr>
+          <p:nvPr>
+            <p:ph type="sldImg"/>
+          </p:nvPr>
+        </p:nvSpPr>
+        <p:spPr/>
+      </p:sp>
+      <p:sp>
+        <p:nvSpPr>
+          <p:cNvPr id="3" name="备注占位符 2"/>
+          <p:cNvSpPr>
+            <a:spLocks noGrp="1"/>
+          </p:cNvSpPr>
+          <p:nvPr>
+            <p:ph type="body" idx="1"/>
+          </p:nvPr>
+        </p:nvSpPr>
+        <p:spPr/>
+        <p:txBody>
+          <a:bodyPr/>
+          <a:lstStyle/>
+          <a:p>
+            <a:r>
+              <a:rPr kumimoji="1" lang="zh-CN" altLang="en-US" dirty="0"/>
+              <a:t>本地表：实际存放数据的表</a:t>
+            </a:r>
+          </a:p>
+        </p:txBody>
+      </p:sp>
+      <p:sp>
+        <p:nvSpPr>
+          <p:cNvPr id="4" name="灯片编号占位符 3"/>
+          <p:cNvSpPr>
+            <a:spLocks noGrp="1"/>
+          </p:cNvSpPr>
+          <p:nvPr>
+            <p:ph type="sldNum" sz="quarter" idx="5"/>
+          </p:nvPr>
+        </p:nvSpPr>
+        <p:spPr/>
+        <p:txBody>
+          <a:bodyPr/>
+          <a:lstStyle/>
+          <a:p>
+            <a:fld id="{860335EA-D737-419D-9934-BEEAD5F2E261}" type="slidenum">
+              <a:rPr lang="zh-CN" altLang="en-US" smtClean="0"/>
+              <a:t>16</a:t>
+            </a:fld>
+            <a:endParaRPr lang="zh-CN" altLang="en-US"/>
+          </a:p>
+        </p:txBody>
+      </p:sp>
+    </p:spTree>
+    <p:extLst>
+      <p:ext uri="{BB962C8B-B14F-4D97-AF65-F5344CB8AC3E}">
+        <p14:creationId xmlns:p14="http://schemas.microsoft.com/office/powerpoint/2010/main" val="2763516160"/>
+      </p:ext>
+    </p:extLst>
+  </p:cSld>
+  <p:clrMapOvr>
+    <a:masterClrMapping/>
+  </p:clrMapOvr>
+</p:notes>
+</file>
+
+<file path=ppt/notesSlides/notesSlide14.xml><?xml version="1.0" encoding="utf-8"?>
+<p:notes xmlns:a="http://schemas.openxmlformats.org/drawingml/2006/main" xmlns:r="http://schemas.openxmlformats.org/officeDocument/2006/relationships" xmlns:p="http://schemas.openxmlformats.org/presentationml/2006/main">
+  <p:cSld>
+    <p:spTree>
+      <p:nvGrpSpPr>
+        <p:cNvPr id="1" name=""/>
+        <p:cNvGrpSpPr/>
+        <p:nvPr/>
+      </p:nvGrpSpPr>
+      <p:grpSpPr>
+        <a:xfrm>
+          <a:off x="0" y="0"/>
+          <a:ext cx="0" cy="0"/>
+          <a:chOff x="0" y="0"/>
+          <a:chExt cx="0" cy="0"/>
+        </a:xfrm>
+      </p:grpSpPr>
+      <p:sp>
+        <p:nvSpPr>
+          <p:cNvPr id="2" name="幻灯片图像占位符 1"/>
+          <p:cNvSpPr>
+            <a:spLocks noGrp="1" noRot="1" noChangeAspect="1"/>
+          </p:cNvSpPr>
+          <p:nvPr>
+            <p:ph type="sldImg"/>
+          </p:nvPr>
+        </p:nvSpPr>
+        <p:spPr/>
+      </p:sp>
+      <p:sp>
+        <p:nvSpPr>
+          <p:cNvPr id="3" name="备注占位符 2"/>
+          <p:cNvSpPr>
+            <a:spLocks noGrp="1"/>
+          </p:cNvSpPr>
+          <p:nvPr>
+            <p:ph type="body" idx="1"/>
+          </p:nvPr>
+        </p:nvSpPr>
+        <p:spPr/>
+        <p:txBody>
+          <a:bodyPr/>
+          <a:lstStyle/>
+          <a:p>
+            <a:pPr marL="0" marR="0" lvl="0" indent="0" algn="l" defTabSz="914400" rtl="0" eaLnBrk="1" fontAlgn="auto" latinLnBrk="0" hangingPunct="1">
+              <a:lnSpc>
+                <a:spcPct val="100000"/>
+              </a:lnSpc>
+              <a:spcBef>
+                <a:spcPts val="0"/>
+              </a:spcBef>
+              <a:spcAft>
+                <a:spcPts val="0"/>
+              </a:spcAft>
+              <a:buClrTx/>
+              <a:buSzTx/>
+              <a:buFontTx/>
+              <a:buNone/>
+              <a:tabLst/>
+              <a:defRPr/>
+            </a:pPr>
+            <a:r>
+              <a:rPr lang="en" altLang="zh-CN" sz="1200" b="0" kern="1200" dirty="0" err="1">
+                <a:solidFill>
+                  <a:schemeClr val="tx1"/>
+                </a:solidFill>
+                <a:effectLst/>
+                <a:latin typeface="+mn-lt"/>
+                <a:ea typeface="+mn-ea"/>
+                <a:cs typeface="+mn-cs"/>
+              </a:rPr>
+              <a:t>internal_replication</a:t>
+            </a:r>
+            <a:r>
+              <a:rPr kumimoji="1" lang="zh-CN" altLang="en-US" sz="1200" b="0" kern="1200" dirty="0">
+                <a:solidFill>
+                  <a:schemeClr val="tx1"/>
+                </a:solidFill>
+                <a:effectLst/>
+                <a:latin typeface="+mn-lt"/>
+                <a:ea typeface="+mn-ea"/>
+                <a:cs typeface="+mn-cs"/>
+              </a:rPr>
+              <a:t>：设置为</a:t>
+            </a:r>
+            <a:r>
+              <a:rPr kumimoji="1" lang="en-US" altLang="zh-CN" sz="1200" b="0" kern="1200" dirty="0">
+                <a:solidFill>
+                  <a:schemeClr val="tx1"/>
+                </a:solidFill>
+                <a:effectLst/>
+                <a:latin typeface="+mn-lt"/>
+                <a:ea typeface="+mn-ea"/>
+                <a:cs typeface="+mn-cs"/>
+              </a:rPr>
+              <a:t>true</a:t>
+            </a:r>
+            <a:r>
+              <a:rPr kumimoji="1" lang="zh-CN" altLang="en-US" sz="1200" b="0" kern="1200" dirty="0">
+                <a:solidFill>
+                  <a:schemeClr val="tx1"/>
+                </a:solidFill>
+                <a:effectLst/>
+                <a:latin typeface="+mn-lt"/>
+                <a:ea typeface="+mn-ea"/>
+                <a:cs typeface="+mn-cs"/>
+              </a:rPr>
+              <a:t>表示副本之间的数据同步依赖</a:t>
+            </a:r>
+            <a:r>
+              <a:rPr kumimoji="1" lang="en-US" altLang="zh-CN" sz="1200" b="0" kern="1200" dirty="0">
+                <a:solidFill>
+                  <a:schemeClr val="tx1"/>
+                </a:solidFill>
+                <a:effectLst/>
+                <a:latin typeface="+mn-lt"/>
+                <a:ea typeface="+mn-ea"/>
+                <a:cs typeface="+mn-cs"/>
+              </a:rPr>
+              <a:t>ZK</a:t>
+            </a:r>
+            <a:r>
+              <a:rPr kumimoji="1" lang="zh-CN" altLang="en-US" sz="1200" b="0" kern="1200" dirty="0">
+                <a:solidFill>
+                  <a:schemeClr val="tx1"/>
+                </a:solidFill>
+                <a:effectLst/>
+                <a:latin typeface="+mn-lt"/>
+                <a:ea typeface="+mn-ea"/>
+                <a:cs typeface="+mn-cs"/>
+              </a:rPr>
+              <a:t>和复制表引擎实现</a:t>
+            </a:r>
+            <a:endParaRPr lang="en" altLang="zh-CN" sz="1200" b="0" kern="1200" dirty="0">
+              <a:solidFill>
+                <a:schemeClr val="tx1"/>
+              </a:solidFill>
+              <a:effectLst/>
+              <a:latin typeface="+mn-lt"/>
+              <a:ea typeface="+mn-ea"/>
+              <a:cs typeface="+mn-cs"/>
+            </a:endParaRPr>
+          </a:p>
+        </p:txBody>
+      </p:sp>
+      <p:sp>
+        <p:nvSpPr>
+          <p:cNvPr id="4" name="灯片编号占位符 3"/>
+          <p:cNvSpPr>
+            <a:spLocks noGrp="1"/>
+          </p:cNvSpPr>
+          <p:nvPr>
+            <p:ph type="sldNum" sz="quarter" idx="5"/>
+          </p:nvPr>
+        </p:nvSpPr>
+        <p:spPr/>
+        <p:txBody>
+          <a:bodyPr/>
+          <a:lstStyle/>
+          <a:p>
+            <a:fld id="{860335EA-D737-419D-9934-BEEAD5F2E261}" type="slidenum">
+              <a:rPr lang="zh-CN" altLang="en-US" smtClean="0"/>
+              <a:t>17</a:t>
+            </a:fld>
+            <a:endParaRPr lang="zh-CN" altLang="en-US"/>
+          </a:p>
+        </p:txBody>
+      </p:sp>
+    </p:spTree>
+    <p:extLst>
+      <p:ext uri="{BB962C8B-B14F-4D97-AF65-F5344CB8AC3E}">
+        <p14:creationId xmlns:p14="http://schemas.microsoft.com/office/powerpoint/2010/main" val="2568100995"/>
+      </p:ext>
+    </p:extLst>
+  </p:cSld>
+  <p:clrMapOvr>
+    <a:masterClrMapping/>
+  </p:clrMapOvr>
+</p:notes>
+</file>
+
 <file path=ppt/notesSlides/notesSlide2.xml><?xml version="1.0" encoding="utf-8"?>
 <p:notes xmlns:a="http://schemas.openxmlformats.org/drawingml/2006/main" xmlns:r="http://schemas.openxmlformats.org/officeDocument/2006/relationships" xmlns:p="http://schemas.openxmlformats.org/presentationml/2006/main">
   <p:cSld>
@@ -2085,7 +2558,7 @@
           <a:p>
             <a:fld id="{9EDB1C25-004A-40D2-A7AF-2B6BCCF2FAE3}" type="datetimeFigureOut">
               <a:rPr lang="zh-CN" altLang="en-US" smtClean="0"/>
-              <a:t>2019/10/17</a:t>
+              <a:t>2019/11/9</a:t>
             </a:fld>
             <a:endParaRPr lang="zh-CN" altLang="en-US"/>
           </a:p>
@@ -2468,7 +2941,7 @@
           <a:p>
             <a:fld id="{9EDB1C25-004A-40D2-A7AF-2B6BCCF2FAE3}" type="datetimeFigureOut">
               <a:rPr lang="zh-CN" altLang="en-US" smtClean="0"/>
-              <a:t>2019/10/17</a:t>
+              <a:t>2019/11/9</a:t>
             </a:fld>
             <a:endParaRPr lang="zh-CN" altLang="en-US"/>
           </a:p>
@@ -2582,7 +3055,7 @@
           <a:p>
             <a:fld id="{9EDB1C25-004A-40D2-A7AF-2B6BCCF2FAE3}" type="datetimeFigureOut">
               <a:rPr lang="zh-CN" altLang="en-US" smtClean="0"/>
-              <a:t>2019/10/17</a:t>
+              <a:t>2019/11/9</a:t>
             </a:fld>
             <a:endParaRPr lang="zh-CN" altLang="en-US"/>
           </a:p>
@@ -2696,7 +3169,7 @@
           <a:p>
             <a:fld id="{9EDB1C25-004A-40D2-A7AF-2B6BCCF2FAE3}" type="datetimeFigureOut">
               <a:rPr lang="zh-CN" altLang="en-US" smtClean="0"/>
-              <a:t>2019/10/17</a:t>
+              <a:t>2019/11/9</a:t>
             </a:fld>
             <a:endParaRPr lang="zh-CN" altLang="en-US"/>
           </a:p>
@@ -2810,7 +3283,7 @@
           <a:p>
             <a:fld id="{9EDB1C25-004A-40D2-A7AF-2B6BCCF2FAE3}" type="datetimeFigureOut">
               <a:rPr lang="zh-CN" altLang="en-US" smtClean="0"/>
-              <a:t>2019/10/17</a:t>
+              <a:t>2019/11/9</a:t>
             </a:fld>
             <a:endParaRPr lang="zh-CN" altLang="en-US"/>
           </a:p>
@@ -3193,7 +3666,7 @@
           <a:p>
             <a:fld id="{9EDB1C25-004A-40D2-A7AF-2B6BCCF2FAE3}" type="datetimeFigureOut">
               <a:rPr lang="zh-CN" altLang="en-US" smtClean="0"/>
-              <a:t>2019/10/17</a:t>
+              <a:t>2019/11/9</a:t>
             </a:fld>
             <a:endParaRPr lang="zh-CN" altLang="en-US"/>
           </a:p>
@@ -3307,7 +3780,7 @@
           <a:p>
             <a:fld id="{9EDB1C25-004A-40D2-A7AF-2B6BCCF2FAE3}" type="datetimeFigureOut">
               <a:rPr lang="zh-CN" altLang="en-US" smtClean="0"/>
-              <a:t>2019/10/17</a:t>
+              <a:t>2019/11/9</a:t>
             </a:fld>
             <a:endParaRPr lang="zh-CN" altLang="en-US"/>
           </a:p>
@@ -3421,7 +3894,7 @@
           <a:p>
             <a:fld id="{9EDB1C25-004A-40D2-A7AF-2B6BCCF2FAE3}" type="datetimeFigureOut">
               <a:rPr lang="zh-CN" altLang="en-US" smtClean="0"/>
-              <a:t>2019/10/17</a:t>
+              <a:t>2019/11/9</a:t>
             </a:fld>
             <a:endParaRPr lang="zh-CN" altLang="en-US"/>
           </a:p>
@@ -3535,7 +4008,7 @@
           <a:p>
             <a:fld id="{9EDB1C25-004A-40D2-A7AF-2B6BCCF2FAE3}" type="datetimeFigureOut">
               <a:rPr lang="zh-CN" altLang="en-US" smtClean="0"/>
-              <a:t>2019/10/17</a:t>
+              <a:t>2019/11/9</a:t>
             </a:fld>
             <a:endParaRPr lang="zh-CN" altLang="en-US"/>
           </a:p>
@@ -3649,7 +4122,7 @@
           <a:p>
             <a:fld id="{9EDB1C25-004A-40D2-A7AF-2B6BCCF2FAE3}" type="datetimeFigureOut">
               <a:rPr lang="zh-CN" altLang="en-US" smtClean="0"/>
-              <a:t>2019/10/17</a:t>
+              <a:t>2019/11/9</a:t>
             </a:fld>
             <a:endParaRPr lang="zh-CN" altLang="en-US"/>
           </a:p>
@@ -3763,7 +4236,7 @@
           <a:p>
             <a:fld id="{9EDB1C25-004A-40D2-A7AF-2B6BCCF2FAE3}" type="datetimeFigureOut">
               <a:rPr lang="zh-CN" altLang="en-US" smtClean="0"/>
-              <a:t>2019/10/17</a:t>
+              <a:t>2019/11/9</a:t>
             </a:fld>
             <a:endParaRPr lang="zh-CN" altLang="en-US"/>
           </a:p>
@@ -3877,7 +4350,7 @@
           <a:p>
             <a:fld id="{9EDB1C25-004A-40D2-A7AF-2B6BCCF2FAE3}" type="datetimeFigureOut">
               <a:rPr lang="zh-CN" altLang="en-US" smtClean="0"/>
-              <a:t>2019/10/17</a:t>
+              <a:t>2019/11/9</a:t>
             </a:fld>
             <a:endParaRPr lang="zh-CN" altLang="en-US"/>
           </a:p>
@@ -3996,7 +4469,7 @@
           <a:p>
             <a:fld id="{9EDB1C25-004A-40D2-A7AF-2B6BCCF2FAE3}" type="datetimeFigureOut">
               <a:rPr lang="zh-CN" altLang="en-US" smtClean="0"/>
-              <a:t>2019/10/17</a:t>
+              <a:t>2019/11/9</a:t>
             </a:fld>
             <a:endParaRPr lang="zh-CN" altLang="en-US"/>
           </a:p>
@@ -5587,7 +6060,7 @@
                 <a:ea typeface="微软雅黑" panose="020B0503020204020204" pitchFamily="34" charset="-122"/>
                 <a:sym typeface="+mn-ea"/>
               </a:rPr>
-              <a:t>08</a:t>
+              <a:t>09</a:t>
             </a:r>
           </a:p>
         </p:txBody>
@@ -5898,6 +6371,1103 @@
 </file>
 
 <file path=ppt/slides/slide13.xml><?xml version="1.0" encoding="utf-8"?>
+<p:sld xmlns:a="http://schemas.openxmlformats.org/drawingml/2006/main" xmlns:r="http://schemas.openxmlformats.org/officeDocument/2006/relationships" xmlns:p="http://schemas.openxmlformats.org/presentationml/2006/main">
+  <p:cSld>
+    <p:spTree>
+      <p:nvGrpSpPr>
+        <p:cNvPr id="1" name=""/>
+        <p:cNvGrpSpPr/>
+        <p:nvPr/>
+      </p:nvGrpSpPr>
+      <p:grpSpPr>
+        <a:xfrm>
+          <a:off x="0" y="0"/>
+          <a:ext cx="0" cy="0"/>
+          <a:chOff x="0" y="0"/>
+          <a:chExt cx="0" cy="0"/>
+        </a:xfrm>
+      </p:grpSpPr>
+      <p:pic>
+        <p:nvPicPr>
+          <p:cNvPr id="3" name="图片 2" descr="未标题-1"/>
+          <p:cNvPicPr>
+            <a:picLocks noChangeAspect="1"/>
+          </p:cNvPicPr>
+          <p:nvPr/>
+        </p:nvPicPr>
+        <p:blipFill>
+          <a:blip r:embed="rId2" cstate="print"/>
+          <a:stretch>
+            <a:fillRect/>
+          </a:stretch>
+        </p:blipFill>
+        <p:spPr>
+          <a:xfrm>
+            <a:off x="-36830" y="-28575"/>
+            <a:ext cx="12265660" cy="6915150"/>
+          </a:xfrm>
+          <a:prstGeom prst="rect">
+            <a:avLst/>
+          </a:prstGeom>
+        </p:spPr>
+      </p:pic>
+      <p:sp>
+        <p:nvSpPr>
+          <p:cNvPr id="4" name="矩形 3"/>
+          <p:cNvSpPr/>
+          <p:nvPr/>
+        </p:nvSpPr>
+        <p:spPr>
+          <a:xfrm>
+            <a:off x="6631997" y="1713730"/>
+            <a:ext cx="1620180" cy="1620180"/>
+          </a:xfrm>
+          <a:prstGeom prst="rect">
+            <a:avLst/>
+          </a:prstGeom>
+          <a:noFill/>
+          <a:ln>
+            <a:solidFill>
+              <a:schemeClr val="bg1"/>
+            </a:solidFill>
+          </a:ln>
+        </p:spPr>
+        <p:style>
+          <a:lnRef idx="2">
+            <a:schemeClr val="accent1">
+              <a:shade val="50000"/>
+            </a:schemeClr>
+          </a:lnRef>
+          <a:fillRef idx="1">
+            <a:schemeClr val="accent1"/>
+          </a:fillRef>
+          <a:effectRef idx="0">
+            <a:schemeClr val="accent1"/>
+          </a:effectRef>
+          <a:fontRef idx="minor">
+            <a:schemeClr val="lt1"/>
+          </a:fontRef>
+        </p:style>
+        <p:txBody>
+          <a:bodyPr rtlCol="0" anchor="ctr"/>
+          <a:lstStyle/>
+          <a:p>
+            <a:pPr algn="ctr"/>
+            <a:endParaRPr lang="zh-CN" altLang="en-US">
+              <a:ea typeface="微软雅黑" panose="020B0503020204020204" pitchFamily="34" charset="-122"/>
+            </a:endParaRPr>
+          </a:p>
+        </p:txBody>
+      </p:sp>
+      <p:sp>
+        <p:nvSpPr>
+          <p:cNvPr id="5" name="矩形 4"/>
+          <p:cNvSpPr/>
+          <p:nvPr/>
+        </p:nvSpPr>
+        <p:spPr>
+          <a:xfrm>
+            <a:off x="8254060" y="1713730"/>
+            <a:ext cx="1620180" cy="1620180"/>
+          </a:xfrm>
+          <a:prstGeom prst="rect">
+            <a:avLst/>
+          </a:prstGeom>
+          <a:solidFill>
+            <a:srgbClr val="0043CF"/>
+          </a:solidFill>
+          <a:ln>
+            <a:noFill/>
+          </a:ln>
+        </p:spPr>
+        <p:style>
+          <a:lnRef idx="2">
+            <a:schemeClr val="accent1">
+              <a:shade val="50000"/>
+            </a:schemeClr>
+          </a:lnRef>
+          <a:fillRef idx="1">
+            <a:schemeClr val="accent1"/>
+          </a:fillRef>
+          <a:effectRef idx="0">
+            <a:schemeClr val="accent1"/>
+          </a:effectRef>
+          <a:fontRef idx="minor">
+            <a:schemeClr val="lt1"/>
+          </a:fontRef>
+        </p:style>
+        <p:txBody>
+          <a:bodyPr rtlCol="0" anchor="ctr"/>
+          <a:lstStyle/>
+          <a:p>
+            <a:pPr algn="ctr"/>
+            <a:endParaRPr lang="zh-CN" altLang="en-US">
+              <a:ea typeface="微软雅黑" panose="020B0503020204020204" pitchFamily="34" charset="-122"/>
+            </a:endParaRPr>
+          </a:p>
+        </p:txBody>
+      </p:sp>
+      <p:sp>
+        <p:nvSpPr>
+          <p:cNvPr id="6" name="矩形 5"/>
+          <p:cNvSpPr/>
+          <p:nvPr/>
+        </p:nvSpPr>
+        <p:spPr>
+          <a:xfrm>
+            <a:off x="6785016" y="1592796"/>
+            <a:ext cx="1314142" cy="1862048"/>
+          </a:xfrm>
+          <a:prstGeom prst="rect">
+            <a:avLst/>
+          </a:prstGeom>
+        </p:spPr>
+        <p:txBody>
+          <a:bodyPr wrap="none">
+            <a:spAutoFit/>
+          </a:bodyPr>
+          <a:lstStyle/>
+          <a:p>
+            <a:r>
+              <a:rPr lang="zh-CN" altLang="en-US" sz="11500" dirty="0">
+                <a:solidFill>
+                  <a:schemeClr val="bg1"/>
+                </a:solidFill>
+                <a:ea typeface="微软雅黑" panose="020B0503020204020204" pitchFamily="34" charset="-122"/>
+              </a:rPr>
+              <a:t>P</a:t>
+            </a:r>
+            <a:r>
+              <a:rPr lang="zh-CN" altLang="en-US" dirty="0">
+                <a:solidFill>
+                  <a:schemeClr val="bg1"/>
+                </a:solidFill>
+                <a:ea typeface="微软雅黑" panose="020B0503020204020204" pitchFamily="34" charset="-122"/>
+              </a:rPr>
+              <a:t>ART</a:t>
+            </a:r>
+          </a:p>
+        </p:txBody>
+      </p:sp>
+      <p:sp>
+        <p:nvSpPr>
+          <p:cNvPr id="10" name="矩形 9"/>
+          <p:cNvSpPr/>
+          <p:nvPr/>
+        </p:nvSpPr>
+        <p:spPr>
+          <a:xfrm>
+            <a:off x="6523687" y="3771443"/>
+            <a:ext cx="1928733" cy="584775"/>
+          </a:xfrm>
+          <a:prstGeom prst="rect">
+            <a:avLst/>
+          </a:prstGeom>
+        </p:spPr>
+        <p:txBody>
+          <a:bodyPr wrap="none">
+            <a:spAutoFit/>
+          </a:bodyPr>
+          <a:lstStyle/>
+          <a:p>
+            <a:r>
+              <a:rPr lang="zh-CN" altLang="en-US" sz="3200" b="1" spc="200" dirty="0">
+                <a:solidFill>
+                  <a:schemeClr val="bg1"/>
+                </a:solidFill>
+                <a:latin typeface="微软雅黑" panose="020B0503020204020204" pitchFamily="34" charset="-122"/>
+                <a:ea typeface="微软雅黑" panose="020B0503020204020204" pitchFamily="34" charset="-122"/>
+              </a:rPr>
+              <a:t>部署架构</a:t>
+            </a:r>
+          </a:p>
+        </p:txBody>
+      </p:sp>
+      <p:cxnSp>
+        <p:nvCxnSpPr>
+          <p:cNvPr id="12" name="直接连接符 11"/>
+          <p:cNvCxnSpPr/>
+          <p:nvPr/>
+        </p:nvCxnSpPr>
+        <p:spPr>
+          <a:xfrm>
+            <a:off x="6631699" y="4441270"/>
+            <a:ext cx="504056" cy="0"/>
+          </a:xfrm>
+          <a:prstGeom prst="line">
+            <a:avLst/>
+          </a:prstGeom>
+          <a:ln>
+            <a:solidFill>
+              <a:schemeClr val="bg1"/>
+            </a:solidFill>
+          </a:ln>
+        </p:spPr>
+        <p:style>
+          <a:lnRef idx="1">
+            <a:schemeClr val="accent1"/>
+          </a:lnRef>
+          <a:fillRef idx="0">
+            <a:schemeClr val="accent1"/>
+          </a:fillRef>
+          <a:effectRef idx="0">
+            <a:schemeClr val="accent1"/>
+          </a:effectRef>
+          <a:fontRef idx="minor">
+            <a:schemeClr val="tx1"/>
+          </a:fontRef>
+        </p:style>
+      </p:cxnSp>
+      <p:sp>
+        <p:nvSpPr>
+          <p:cNvPr id="2" name="文本框 1"/>
+          <p:cNvSpPr txBox="1"/>
+          <p:nvPr/>
+        </p:nvSpPr>
+        <p:spPr>
+          <a:xfrm>
+            <a:off x="8448835" y="1862150"/>
+            <a:ext cx="1374140" cy="1322070"/>
+          </a:xfrm>
+          <a:prstGeom prst="rect">
+            <a:avLst/>
+          </a:prstGeom>
+          <a:noFill/>
+        </p:spPr>
+        <p:txBody>
+          <a:bodyPr wrap="none" rtlCol="0">
+            <a:spAutoFit/>
+          </a:bodyPr>
+          <a:lstStyle/>
+          <a:p>
+            <a:r>
+              <a:rPr lang="en-US" altLang="zh-CN" sz="8000">
+                <a:solidFill>
+                  <a:schemeClr val="bg1"/>
+                </a:solidFill>
+                <a:latin typeface="微软雅黑" panose="020B0503020204020204" pitchFamily="34" charset="-122"/>
+                <a:ea typeface="微软雅黑" panose="020B0503020204020204" pitchFamily="34" charset="-122"/>
+              </a:rPr>
+              <a:t>01</a:t>
+            </a:r>
+          </a:p>
+        </p:txBody>
+      </p:sp>
+    </p:spTree>
+    <p:extLst>
+      <p:ext uri="{BB962C8B-B14F-4D97-AF65-F5344CB8AC3E}">
+        <p14:creationId xmlns:p14="http://schemas.microsoft.com/office/powerpoint/2010/main" val="362599120"/>
+      </p:ext>
+    </p:extLst>
+  </p:cSld>
+  <p:clrMapOvr>
+    <a:masterClrMapping/>
+  </p:clrMapOvr>
+</p:sld>
+</file>
+
+<file path=ppt/slides/slide14.xml><?xml version="1.0" encoding="utf-8"?>
+<p:sld xmlns:a="http://schemas.openxmlformats.org/drawingml/2006/main" xmlns:r="http://schemas.openxmlformats.org/officeDocument/2006/relationships" xmlns:p="http://schemas.openxmlformats.org/presentationml/2006/main">
+  <p:cSld>
+    <p:spTree>
+      <p:nvGrpSpPr>
+        <p:cNvPr id="1" name=""/>
+        <p:cNvGrpSpPr/>
+        <p:nvPr/>
+      </p:nvGrpSpPr>
+      <p:grpSpPr>
+        <a:xfrm>
+          <a:off x="0" y="0"/>
+          <a:ext cx="0" cy="0"/>
+          <a:chOff x="0" y="0"/>
+          <a:chExt cx="0" cy="0"/>
+        </a:xfrm>
+      </p:grpSpPr>
+      <p:sp>
+        <p:nvSpPr>
+          <p:cNvPr id="4" name="文本框 3">
+            <a:extLst>
+              <a:ext uri="{FF2B5EF4-FFF2-40B4-BE49-F238E27FC236}">
+                <a16:creationId xmlns:a16="http://schemas.microsoft.com/office/drawing/2014/main" id="{82D3865C-9A98-4B46-A8E4-132C992C0BC9}"/>
+              </a:ext>
+            </a:extLst>
+          </p:cNvPr>
+          <p:cNvSpPr txBox="1"/>
+          <p:nvPr/>
+        </p:nvSpPr>
+        <p:spPr>
+          <a:xfrm>
+            <a:off x="1127448" y="260648"/>
+            <a:ext cx="499110" cy="369332"/>
+          </a:xfrm>
+          <a:prstGeom prst="rect">
+            <a:avLst/>
+          </a:prstGeom>
+          <a:noFill/>
+        </p:spPr>
+        <p:txBody>
+          <a:bodyPr wrap="square" rtlCol="0">
+            <a:spAutoFit/>
+          </a:bodyPr>
+          <a:lstStyle/>
+          <a:p>
+            <a:r>
+              <a:rPr lang="en-US" altLang="zh-CN" b="1" dirty="0">
+                <a:solidFill>
+                  <a:schemeClr val="bg1"/>
+                </a:solidFill>
+                <a:latin typeface="微软雅黑" panose="020B0503020204020204" pitchFamily="34" charset="-122"/>
+                <a:ea typeface="微软雅黑" panose="020B0503020204020204" pitchFamily="34" charset="-122"/>
+                <a:sym typeface="+mn-ea"/>
+              </a:rPr>
+              <a:t>10</a:t>
+            </a:r>
+          </a:p>
+        </p:txBody>
+      </p:sp>
+      <p:sp>
+        <p:nvSpPr>
+          <p:cNvPr id="6" name="文本框 5">
+            <a:extLst>
+              <a:ext uri="{FF2B5EF4-FFF2-40B4-BE49-F238E27FC236}">
+                <a16:creationId xmlns:a16="http://schemas.microsoft.com/office/drawing/2014/main" id="{B2E51DE0-023B-441B-B9F5-D129432DD7D3}"/>
+              </a:ext>
+            </a:extLst>
+          </p:cNvPr>
+          <p:cNvSpPr txBox="1"/>
+          <p:nvPr/>
+        </p:nvSpPr>
+        <p:spPr>
+          <a:xfrm>
+            <a:off x="983432" y="1484784"/>
+            <a:ext cx="184731" cy="369332"/>
+          </a:xfrm>
+          <a:prstGeom prst="rect">
+            <a:avLst/>
+          </a:prstGeom>
+          <a:noFill/>
+        </p:spPr>
+        <p:txBody>
+          <a:bodyPr wrap="none" rtlCol="0">
+            <a:spAutoFit/>
+          </a:bodyPr>
+          <a:lstStyle/>
+          <a:p>
+            <a:endParaRPr lang="zh-CN" altLang="en-US" dirty="0"/>
+          </a:p>
+        </p:txBody>
+      </p:sp>
+      <p:sp>
+        <p:nvSpPr>
+          <p:cNvPr id="8" name="文本框 7">
+            <a:extLst>
+              <a:ext uri="{FF2B5EF4-FFF2-40B4-BE49-F238E27FC236}">
+                <a16:creationId xmlns:a16="http://schemas.microsoft.com/office/drawing/2014/main" id="{FD9B844A-53DF-8C49-9554-01C1B316D898}"/>
+              </a:ext>
+            </a:extLst>
+          </p:cNvPr>
+          <p:cNvSpPr txBox="1"/>
+          <p:nvPr/>
+        </p:nvSpPr>
+        <p:spPr>
+          <a:xfrm>
+            <a:off x="191344" y="794664"/>
+            <a:ext cx="11305256" cy="923330"/>
+          </a:xfrm>
+          <a:prstGeom prst="rect">
+            <a:avLst/>
+          </a:prstGeom>
+          <a:noFill/>
+        </p:spPr>
+        <p:txBody>
+          <a:bodyPr wrap="square" rtlCol="0">
+            <a:spAutoFit/>
+          </a:bodyPr>
+          <a:lstStyle/>
+          <a:p>
+            <a:endParaRPr kumimoji="1" lang="en-US" altLang="zh-CN" dirty="0"/>
+          </a:p>
+          <a:p>
+            <a:r>
+              <a:rPr kumimoji="1" lang="en-US" altLang="zh-CN" dirty="0" err="1"/>
+              <a:t>ClickHouse</a:t>
+            </a:r>
+            <a:r>
+              <a:rPr kumimoji="1" lang="zh-CN" altLang="en-US" dirty="0"/>
+              <a:t>的高可用是依赖分片</a:t>
+            </a:r>
+            <a:r>
+              <a:rPr kumimoji="1" lang="en-US" altLang="zh-CN" dirty="0"/>
+              <a:t>+</a:t>
+            </a:r>
+            <a:r>
+              <a:rPr kumimoji="1" lang="zh-CN" altLang="en-US" dirty="0"/>
+              <a:t>副本实现的。</a:t>
+            </a:r>
+            <a:r>
+              <a:rPr kumimoji="1" lang="en" altLang="zh-CN" dirty="0"/>
+              <a:t>zookeeper + </a:t>
+            </a:r>
+            <a:r>
+              <a:rPr kumimoji="1" lang="en" altLang="zh-CN" dirty="0" err="1"/>
+              <a:t>ReplicatedMergeTree</a:t>
+            </a:r>
+            <a:r>
+              <a:rPr kumimoji="1" lang="en" altLang="zh-CN" dirty="0"/>
+              <a:t>(</a:t>
+            </a:r>
+            <a:r>
+              <a:rPr kumimoji="1" lang="zh-CN" altLang="en-US" dirty="0"/>
+              <a:t>副本表</a:t>
+            </a:r>
+            <a:r>
+              <a:rPr kumimoji="1" lang="en-US" altLang="zh-CN" dirty="0"/>
+              <a:t>) + </a:t>
+            </a:r>
+            <a:r>
+              <a:rPr kumimoji="1" lang="en" altLang="zh-CN" dirty="0"/>
+              <a:t>Distributed(</a:t>
+            </a:r>
+            <a:r>
+              <a:rPr kumimoji="1" lang="zh-CN" altLang="en-US" dirty="0"/>
+              <a:t>分布式表</a:t>
+            </a:r>
+            <a:r>
+              <a:rPr kumimoji="1" lang="en-US" altLang="zh-CN" dirty="0"/>
+              <a:t>)</a:t>
+            </a:r>
+            <a:endParaRPr kumimoji="1" lang="zh-CN" altLang="en-US" dirty="0"/>
+          </a:p>
+          <a:p>
+            <a:endParaRPr kumimoji="1" lang="en-US" altLang="zh-CN" dirty="0"/>
+          </a:p>
+        </p:txBody>
+      </p:sp>
+      <p:pic>
+        <p:nvPicPr>
+          <p:cNvPr id="9" name="图片 8">
+            <a:extLst>
+              <a:ext uri="{FF2B5EF4-FFF2-40B4-BE49-F238E27FC236}">
+                <a16:creationId xmlns:a16="http://schemas.microsoft.com/office/drawing/2014/main" id="{EAE8A878-300C-5A45-9657-A36498FBC2FE}"/>
+              </a:ext>
+            </a:extLst>
+          </p:cNvPr>
+          <p:cNvPicPr>
+            <a:picLocks noChangeAspect="1"/>
+          </p:cNvPicPr>
+          <p:nvPr/>
+        </p:nvPicPr>
+        <p:blipFill>
+          <a:blip r:embed="rId3"/>
+          <a:stretch>
+            <a:fillRect/>
+          </a:stretch>
+        </p:blipFill>
+        <p:spPr>
+          <a:xfrm>
+            <a:off x="4079776" y="608238"/>
+            <a:ext cx="4947528" cy="5989114"/>
+          </a:xfrm>
+          <a:prstGeom prst="rect">
+            <a:avLst/>
+          </a:prstGeom>
+        </p:spPr>
+      </p:pic>
+    </p:spTree>
+    <p:extLst>
+      <p:ext uri="{BB962C8B-B14F-4D97-AF65-F5344CB8AC3E}">
+        <p14:creationId xmlns:p14="http://schemas.microsoft.com/office/powerpoint/2010/main" val="1632948671"/>
+      </p:ext>
+    </p:extLst>
+  </p:cSld>
+  <p:clrMapOvr>
+    <a:masterClrMapping/>
+  </p:clrMapOvr>
+  <p:timing>
+    <p:tnLst>
+      <p:par>
+        <p:cTn id="1" dur="indefinite" restart="never" nodeType="tmRoot">
+          <p:childTnLst>
+            <p:seq concurrent="1" nextAc="seek">
+              <p:cTn id="2" dur="indefinite" nodeType="mainSeq">
+                <p:childTnLst>
+                  <p:par>
+                    <p:cTn id="3" fill="hold">
+                      <p:stCondLst>
+                        <p:cond delay="indefinite"/>
+                      </p:stCondLst>
+                      <p:childTnLst>
+                        <p:par>
+                          <p:cTn id="4" fill="hold">
+                            <p:stCondLst>
+                              <p:cond delay="0"/>
+                            </p:stCondLst>
+                            <p:childTnLst>
+                              <p:par>
+                                <p:cTn id="5" presetID="2" presetClass="entr" presetSubtype="4" fill="hold" nodeType="clickEffect">
+                                  <p:stCondLst>
+                                    <p:cond delay="0"/>
+                                  </p:stCondLst>
+                                  <p:childTnLst>
+                                    <p:set>
+                                      <p:cBhvr>
+                                        <p:cTn id="6" dur="1" fill="hold">
+                                          <p:stCondLst>
+                                            <p:cond delay="0"/>
+                                          </p:stCondLst>
+                                        </p:cTn>
+                                        <p:tgtEl>
+                                          <p:spTgt spid="9"/>
+                                        </p:tgtEl>
+                                        <p:attrNameLst>
+                                          <p:attrName>style.visibility</p:attrName>
+                                        </p:attrNameLst>
+                                      </p:cBhvr>
+                                      <p:to>
+                                        <p:strVal val="visible"/>
+                                      </p:to>
+                                    </p:set>
+                                    <p:anim calcmode="lin" valueType="num">
+                                      <p:cBhvr additive="base">
+                                        <p:cTn id="7" dur="500" fill="hold"/>
+                                        <p:tgtEl>
+                                          <p:spTgt spid="9"/>
+                                        </p:tgtEl>
+                                        <p:attrNameLst>
+                                          <p:attrName>ppt_x</p:attrName>
+                                        </p:attrNameLst>
+                                      </p:cBhvr>
+                                      <p:tavLst>
+                                        <p:tav tm="0">
+                                          <p:val>
+                                            <p:strVal val="#ppt_x"/>
+                                          </p:val>
+                                        </p:tav>
+                                        <p:tav tm="100000">
+                                          <p:val>
+                                            <p:strVal val="#ppt_x"/>
+                                          </p:val>
+                                        </p:tav>
+                                      </p:tavLst>
+                                    </p:anim>
+                                    <p:anim calcmode="lin" valueType="num">
+                                      <p:cBhvr additive="base">
+                                        <p:cTn id="8" dur="500" fill="hold"/>
+                                        <p:tgtEl>
+                                          <p:spTgt spid="9"/>
+                                        </p:tgtEl>
+                                        <p:attrNameLst>
+                                          <p:attrName>ppt_y</p:attrName>
+                                        </p:attrNameLst>
+                                      </p:cBhvr>
+                                      <p:tavLst>
+                                        <p:tav tm="0">
+                                          <p:val>
+                                            <p:strVal val="1+#ppt_h/2"/>
+                                          </p:val>
+                                        </p:tav>
+                                        <p:tav tm="100000">
+                                          <p:val>
+                                            <p:strVal val="#ppt_y"/>
+                                          </p:val>
+                                        </p:tav>
+                                      </p:tavLst>
+                                    </p:anim>
+                                  </p:childTnLst>
+                                </p:cTn>
+                              </p:par>
+                            </p:childTnLst>
+                          </p:cTn>
+                        </p:par>
+                      </p:childTnLst>
+                    </p:cTn>
+                  </p:par>
+                </p:childTnLst>
+              </p:cTn>
+              <p:prevCondLst>
+                <p:cond evt="onPrev" delay="0">
+                  <p:tgtEl>
+                    <p:sldTgt/>
+                  </p:tgtEl>
+                </p:cond>
+              </p:prevCondLst>
+              <p:nextCondLst>
+                <p:cond evt="onNext" delay="0">
+                  <p:tgtEl>
+                    <p:sldTgt/>
+                  </p:tgtEl>
+                </p:cond>
+              </p:nextCondLst>
+            </p:seq>
+          </p:childTnLst>
+        </p:cTn>
+      </p:par>
+    </p:tnLst>
+  </p:timing>
+</p:sld>
+</file>
+
+<file path=ppt/slides/slide15.xml><?xml version="1.0" encoding="utf-8"?>
+<p:sld xmlns:a="http://schemas.openxmlformats.org/drawingml/2006/main" xmlns:r="http://schemas.openxmlformats.org/officeDocument/2006/relationships" xmlns:p="http://schemas.openxmlformats.org/presentationml/2006/main">
+  <p:cSld>
+    <p:spTree>
+      <p:nvGrpSpPr>
+        <p:cNvPr id="1" name=""/>
+        <p:cNvGrpSpPr/>
+        <p:nvPr/>
+      </p:nvGrpSpPr>
+      <p:grpSpPr>
+        <a:xfrm>
+          <a:off x="0" y="0"/>
+          <a:ext cx="0" cy="0"/>
+          <a:chOff x="0" y="0"/>
+          <a:chExt cx="0" cy="0"/>
+        </a:xfrm>
+      </p:grpSpPr>
+      <p:sp>
+        <p:nvSpPr>
+          <p:cNvPr id="4" name="文本框 3">
+            <a:extLst>
+              <a:ext uri="{FF2B5EF4-FFF2-40B4-BE49-F238E27FC236}">
+                <a16:creationId xmlns:a16="http://schemas.microsoft.com/office/drawing/2014/main" id="{82D3865C-9A98-4B46-A8E4-132C992C0BC9}"/>
+              </a:ext>
+            </a:extLst>
+          </p:cNvPr>
+          <p:cNvSpPr txBox="1"/>
+          <p:nvPr/>
+        </p:nvSpPr>
+        <p:spPr>
+          <a:xfrm>
+            <a:off x="1127448" y="260648"/>
+            <a:ext cx="499110" cy="369332"/>
+          </a:xfrm>
+          <a:prstGeom prst="rect">
+            <a:avLst/>
+          </a:prstGeom>
+          <a:noFill/>
+        </p:spPr>
+        <p:txBody>
+          <a:bodyPr wrap="square" rtlCol="0">
+            <a:spAutoFit/>
+          </a:bodyPr>
+          <a:lstStyle/>
+          <a:p>
+            <a:r>
+              <a:rPr lang="en-US" altLang="zh-CN" b="1" dirty="0">
+                <a:solidFill>
+                  <a:schemeClr val="bg1"/>
+                </a:solidFill>
+                <a:latin typeface="微软雅黑" panose="020B0503020204020204" pitchFamily="34" charset="-122"/>
+                <a:ea typeface="微软雅黑" panose="020B0503020204020204" pitchFamily="34" charset="-122"/>
+                <a:sym typeface="+mn-ea"/>
+              </a:rPr>
+              <a:t>11</a:t>
+            </a:r>
+          </a:p>
+        </p:txBody>
+      </p:sp>
+      <p:sp>
+        <p:nvSpPr>
+          <p:cNvPr id="6" name="文本框 5">
+            <a:extLst>
+              <a:ext uri="{FF2B5EF4-FFF2-40B4-BE49-F238E27FC236}">
+                <a16:creationId xmlns:a16="http://schemas.microsoft.com/office/drawing/2014/main" id="{B2E51DE0-023B-441B-B9F5-D129432DD7D3}"/>
+              </a:ext>
+            </a:extLst>
+          </p:cNvPr>
+          <p:cNvSpPr txBox="1"/>
+          <p:nvPr/>
+        </p:nvSpPr>
+        <p:spPr>
+          <a:xfrm>
+            <a:off x="983432" y="1484784"/>
+            <a:ext cx="184731" cy="369332"/>
+          </a:xfrm>
+          <a:prstGeom prst="rect">
+            <a:avLst/>
+          </a:prstGeom>
+          <a:noFill/>
+        </p:spPr>
+        <p:txBody>
+          <a:bodyPr wrap="none" rtlCol="0">
+            <a:spAutoFit/>
+          </a:bodyPr>
+          <a:lstStyle/>
+          <a:p>
+            <a:endParaRPr lang="zh-CN" altLang="en-US" dirty="0"/>
+          </a:p>
+        </p:txBody>
+      </p:sp>
+      <p:pic>
+        <p:nvPicPr>
+          <p:cNvPr id="7" name="图片 6">
+            <a:extLst>
+              <a:ext uri="{FF2B5EF4-FFF2-40B4-BE49-F238E27FC236}">
+                <a16:creationId xmlns:a16="http://schemas.microsoft.com/office/drawing/2014/main" id="{C8B4E0A8-8052-3243-BED5-AF1076EE0557}"/>
+              </a:ext>
+            </a:extLst>
+          </p:cNvPr>
+          <p:cNvPicPr>
+            <a:picLocks noChangeAspect="1"/>
+          </p:cNvPicPr>
+          <p:nvPr/>
+        </p:nvPicPr>
+        <p:blipFill>
+          <a:blip r:embed="rId3"/>
+          <a:stretch>
+            <a:fillRect/>
+          </a:stretch>
+        </p:blipFill>
+        <p:spPr>
+          <a:xfrm>
+            <a:off x="1073150" y="825500"/>
+            <a:ext cx="10045700" cy="5207000"/>
+          </a:xfrm>
+          <a:prstGeom prst="rect">
+            <a:avLst/>
+          </a:prstGeom>
+        </p:spPr>
+      </p:pic>
+    </p:spTree>
+    <p:extLst>
+      <p:ext uri="{BB962C8B-B14F-4D97-AF65-F5344CB8AC3E}">
+        <p14:creationId xmlns:p14="http://schemas.microsoft.com/office/powerpoint/2010/main" val="880430764"/>
+      </p:ext>
+    </p:extLst>
+  </p:cSld>
+  <p:clrMapOvr>
+    <a:masterClrMapping/>
+  </p:clrMapOvr>
+</p:sld>
+</file>
+
+<file path=ppt/slides/slide16.xml><?xml version="1.0" encoding="utf-8"?>
+<p:sld xmlns:a="http://schemas.openxmlformats.org/drawingml/2006/main" xmlns:r="http://schemas.openxmlformats.org/officeDocument/2006/relationships" xmlns:p="http://schemas.openxmlformats.org/presentationml/2006/main">
+  <p:cSld>
+    <p:spTree>
+      <p:nvGrpSpPr>
+        <p:cNvPr id="1" name=""/>
+        <p:cNvGrpSpPr/>
+        <p:nvPr/>
+      </p:nvGrpSpPr>
+      <p:grpSpPr>
+        <a:xfrm>
+          <a:off x="0" y="0"/>
+          <a:ext cx="0" cy="0"/>
+          <a:chOff x="0" y="0"/>
+          <a:chExt cx="0" cy="0"/>
+        </a:xfrm>
+      </p:grpSpPr>
+      <p:sp>
+        <p:nvSpPr>
+          <p:cNvPr id="4" name="文本框 3">
+            <a:extLst>
+              <a:ext uri="{FF2B5EF4-FFF2-40B4-BE49-F238E27FC236}">
+                <a16:creationId xmlns:a16="http://schemas.microsoft.com/office/drawing/2014/main" id="{82D3865C-9A98-4B46-A8E4-132C992C0BC9}"/>
+              </a:ext>
+            </a:extLst>
+          </p:cNvPr>
+          <p:cNvSpPr txBox="1"/>
+          <p:nvPr/>
+        </p:nvSpPr>
+        <p:spPr>
+          <a:xfrm>
+            <a:off x="1127448" y="260648"/>
+            <a:ext cx="499110" cy="369332"/>
+          </a:xfrm>
+          <a:prstGeom prst="rect">
+            <a:avLst/>
+          </a:prstGeom>
+          <a:noFill/>
+        </p:spPr>
+        <p:txBody>
+          <a:bodyPr wrap="square" rtlCol="0">
+            <a:spAutoFit/>
+          </a:bodyPr>
+          <a:lstStyle/>
+          <a:p>
+            <a:r>
+              <a:rPr lang="en-US" altLang="zh-CN" b="1" dirty="0">
+                <a:solidFill>
+                  <a:schemeClr val="bg1"/>
+                </a:solidFill>
+                <a:latin typeface="微软雅黑" panose="020B0503020204020204" pitchFamily="34" charset="-122"/>
+                <a:ea typeface="微软雅黑" panose="020B0503020204020204" pitchFamily="34" charset="-122"/>
+                <a:sym typeface="+mn-ea"/>
+              </a:rPr>
+              <a:t>12</a:t>
+            </a:r>
+          </a:p>
+        </p:txBody>
+      </p:sp>
+      <p:sp>
+        <p:nvSpPr>
+          <p:cNvPr id="6" name="文本框 5">
+            <a:extLst>
+              <a:ext uri="{FF2B5EF4-FFF2-40B4-BE49-F238E27FC236}">
+                <a16:creationId xmlns:a16="http://schemas.microsoft.com/office/drawing/2014/main" id="{B2E51DE0-023B-441B-B9F5-D129432DD7D3}"/>
+              </a:ext>
+            </a:extLst>
+          </p:cNvPr>
+          <p:cNvSpPr txBox="1"/>
+          <p:nvPr/>
+        </p:nvSpPr>
+        <p:spPr>
+          <a:xfrm>
+            <a:off x="839416" y="1503378"/>
+            <a:ext cx="10227480" cy="1291379"/>
+          </a:xfrm>
+          <a:prstGeom prst="rect">
+            <a:avLst/>
+          </a:prstGeom>
+          <a:noFill/>
+        </p:spPr>
+        <p:txBody>
+          <a:bodyPr wrap="none" rtlCol="0">
+            <a:spAutoFit/>
+          </a:bodyPr>
+          <a:lstStyle/>
+          <a:p>
+            <a:pPr>
+              <a:lnSpc>
+                <a:spcPct val="150000"/>
+              </a:lnSpc>
+            </a:pPr>
+            <a:r>
+              <a:rPr lang="zh-CN" altLang="en-US" dirty="0"/>
+              <a:t>查询：查询数据可以通过分布式表查询，分布式表引擎会自动把整个集群数据计算后返回；</a:t>
+            </a:r>
+            <a:endParaRPr lang="en-US" altLang="zh-CN" dirty="0"/>
+          </a:p>
+          <a:p>
+            <a:pPr>
+              <a:lnSpc>
+                <a:spcPct val="150000"/>
+              </a:lnSpc>
+            </a:pPr>
+            <a:r>
+              <a:rPr lang="zh-CN" altLang="en-US" dirty="0"/>
+              <a:t>写入：</a:t>
+            </a:r>
+            <a:r>
+              <a:rPr lang="en-US" altLang="zh-CN" dirty="0"/>
+              <a:t>1</a:t>
+            </a:r>
+            <a:r>
+              <a:rPr lang="zh-CN" altLang="en-US" dirty="0"/>
+              <a:t>、可以通过分布表写入，分布式表会将数据分发到指定的节点，权重可以通过配置文件配置</a:t>
+            </a:r>
+            <a:endParaRPr lang="en-US" altLang="zh-CN" dirty="0"/>
+          </a:p>
+          <a:p>
+            <a:pPr>
+              <a:lnSpc>
+                <a:spcPct val="150000"/>
+              </a:lnSpc>
+            </a:pPr>
+            <a:r>
+              <a:rPr lang="zh-CN" altLang="en-US" dirty="0"/>
+              <a:t>             </a:t>
+            </a:r>
+            <a:r>
+              <a:rPr lang="en-US" altLang="zh-CN" dirty="0"/>
+              <a:t>2</a:t>
+            </a:r>
+            <a:r>
+              <a:rPr lang="zh-CN" altLang="en-US" dirty="0"/>
+              <a:t>、直接写入指定节点的本地表</a:t>
+            </a:r>
+          </a:p>
+        </p:txBody>
+      </p:sp>
+      <p:sp>
+        <p:nvSpPr>
+          <p:cNvPr id="2" name="文本框 1">
+            <a:extLst>
+              <a:ext uri="{FF2B5EF4-FFF2-40B4-BE49-F238E27FC236}">
+                <a16:creationId xmlns:a16="http://schemas.microsoft.com/office/drawing/2014/main" id="{8899E349-EEAD-B449-9E0C-5D0B9D6BBD38}"/>
+              </a:ext>
+            </a:extLst>
+          </p:cNvPr>
+          <p:cNvSpPr txBox="1"/>
+          <p:nvPr/>
+        </p:nvSpPr>
+        <p:spPr>
+          <a:xfrm>
+            <a:off x="696655" y="886834"/>
+            <a:ext cx="2492990" cy="369332"/>
+          </a:xfrm>
+          <a:prstGeom prst="rect">
+            <a:avLst/>
+          </a:prstGeom>
+          <a:noFill/>
+        </p:spPr>
+        <p:txBody>
+          <a:bodyPr wrap="none" rtlCol="0">
+            <a:spAutoFit/>
+          </a:bodyPr>
+          <a:lstStyle/>
+          <a:p>
+            <a:r>
+              <a:rPr kumimoji="1" lang="zh-CN" altLang="en-US" dirty="0"/>
+              <a:t>集群下数据写入、查询</a:t>
+            </a:r>
+          </a:p>
+        </p:txBody>
+      </p:sp>
+    </p:spTree>
+    <p:extLst>
+      <p:ext uri="{BB962C8B-B14F-4D97-AF65-F5344CB8AC3E}">
+        <p14:creationId xmlns:p14="http://schemas.microsoft.com/office/powerpoint/2010/main" val="3266766312"/>
+      </p:ext>
+    </p:extLst>
+  </p:cSld>
+  <p:clrMapOvr>
+    <a:masterClrMapping/>
+  </p:clrMapOvr>
+</p:sld>
+</file>
+
+<file path=ppt/slides/slide17.xml><?xml version="1.0" encoding="utf-8"?>
+<p:sld xmlns:a="http://schemas.openxmlformats.org/drawingml/2006/main" xmlns:r="http://schemas.openxmlformats.org/officeDocument/2006/relationships" xmlns:p="http://schemas.openxmlformats.org/presentationml/2006/main">
+  <p:cSld>
+    <p:spTree>
+      <p:nvGrpSpPr>
+        <p:cNvPr id="1" name=""/>
+        <p:cNvGrpSpPr/>
+        <p:nvPr/>
+      </p:nvGrpSpPr>
+      <p:grpSpPr>
+        <a:xfrm>
+          <a:off x="0" y="0"/>
+          <a:ext cx="0" cy="0"/>
+          <a:chOff x="0" y="0"/>
+          <a:chExt cx="0" cy="0"/>
+        </a:xfrm>
+      </p:grpSpPr>
+      <p:sp>
+        <p:nvSpPr>
+          <p:cNvPr id="4" name="文本框 3">
+            <a:extLst>
+              <a:ext uri="{FF2B5EF4-FFF2-40B4-BE49-F238E27FC236}">
+                <a16:creationId xmlns:a16="http://schemas.microsoft.com/office/drawing/2014/main" id="{82D3865C-9A98-4B46-A8E4-132C992C0BC9}"/>
+              </a:ext>
+            </a:extLst>
+          </p:cNvPr>
+          <p:cNvSpPr txBox="1"/>
+          <p:nvPr/>
+        </p:nvSpPr>
+        <p:spPr>
+          <a:xfrm>
+            <a:off x="1127448" y="260648"/>
+            <a:ext cx="499110" cy="369332"/>
+          </a:xfrm>
+          <a:prstGeom prst="rect">
+            <a:avLst/>
+          </a:prstGeom>
+          <a:noFill/>
+        </p:spPr>
+        <p:txBody>
+          <a:bodyPr wrap="square" rtlCol="0">
+            <a:spAutoFit/>
+          </a:bodyPr>
+          <a:lstStyle/>
+          <a:p>
+            <a:r>
+              <a:rPr lang="en-US" altLang="zh-CN" b="1" dirty="0">
+                <a:solidFill>
+                  <a:schemeClr val="bg1"/>
+                </a:solidFill>
+                <a:latin typeface="微软雅黑" panose="020B0503020204020204" pitchFamily="34" charset="-122"/>
+                <a:ea typeface="微软雅黑" panose="020B0503020204020204" pitchFamily="34" charset="-122"/>
+                <a:sym typeface="+mn-ea"/>
+              </a:rPr>
+              <a:t>13</a:t>
+            </a:r>
+          </a:p>
+        </p:txBody>
+      </p:sp>
+      <p:sp>
+        <p:nvSpPr>
+          <p:cNvPr id="6" name="文本框 5">
+            <a:extLst>
+              <a:ext uri="{FF2B5EF4-FFF2-40B4-BE49-F238E27FC236}">
+                <a16:creationId xmlns:a16="http://schemas.microsoft.com/office/drawing/2014/main" id="{B2E51DE0-023B-441B-B9F5-D129432DD7D3}"/>
+              </a:ext>
+            </a:extLst>
+          </p:cNvPr>
+          <p:cNvSpPr txBox="1"/>
+          <p:nvPr/>
+        </p:nvSpPr>
+        <p:spPr>
+          <a:xfrm>
+            <a:off x="983432" y="1484784"/>
+            <a:ext cx="184731" cy="369332"/>
+          </a:xfrm>
+          <a:prstGeom prst="rect">
+            <a:avLst/>
+          </a:prstGeom>
+          <a:noFill/>
+        </p:spPr>
+        <p:txBody>
+          <a:bodyPr wrap="none" rtlCol="0">
+            <a:spAutoFit/>
+          </a:bodyPr>
+          <a:lstStyle/>
+          <a:p>
+            <a:endParaRPr lang="zh-CN" altLang="en-US" dirty="0"/>
+          </a:p>
+        </p:txBody>
+      </p:sp>
+      <p:sp>
+        <p:nvSpPr>
+          <p:cNvPr id="2" name="文本框 1">
+            <a:extLst>
+              <a:ext uri="{FF2B5EF4-FFF2-40B4-BE49-F238E27FC236}">
+                <a16:creationId xmlns:a16="http://schemas.microsoft.com/office/drawing/2014/main" id="{8899E349-EEAD-B449-9E0C-5D0B9D6BBD38}"/>
+              </a:ext>
+            </a:extLst>
+          </p:cNvPr>
+          <p:cNvSpPr txBox="1"/>
+          <p:nvPr/>
+        </p:nvSpPr>
+        <p:spPr>
+          <a:xfrm>
+            <a:off x="518562" y="872716"/>
+            <a:ext cx="1107996" cy="369332"/>
+          </a:xfrm>
+          <a:prstGeom prst="rect">
+            <a:avLst/>
+          </a:prstGeom>
+          <a:noFill/>
+        </p:spPr>
+        <p:txBody>
+          <a:bodyPr wrap="none" rtlCol="0">
+            <a:spAutoFit/>
+          </a:bodyPr>
+          <a:lstStyle/>
+          <a:p>
+            <a:r>
+              <a:rPr kumimoji="1" lang="zh-CN" altLang="en-US" dirty="0"/>
+              <a:t>数据复制</a:t>
+            </a:r>
+          </a:p>
+        </p:txBody>
+      </p:sp>
+    </p:spTree>
+    <p:extLst>
+      <p:ext uri="{BB962C8B-B14F-4D97-AF65-F5344CB8AC3E}">
+        <p14:creationId xmlns:p14="http://schemas.microsoft.com/office/powerpoint/2010/main" val="102844659"/>
+      </p:ext>
+    </p:extLst>
+  </p:cSld>
+  <p:clrMapOvr>
+    <a:masterClrMapping/>
+  </p:clrMapOvr>
+</p:sld>
+</file>
+
+<file path=ppt/slides/slide18.xml><?xml version="1.0" encoding="utf-8"?>
 <p:sld xmlns:a="http://schemas.openxmlformats.org/drawingml/2006/main" xmlns:r="http://schemas.openxmlformats.org/officeDocument/2006/relationships" xmlns:p="http://schemas.openxmlformats.org/presentationml/2006/main">
   <p:cSld>
     <p:bg>
@@ -6251,7 +7821,7 @@
           <a:lstStyle/>
           <a:p>
             <a:pPr algn="ctr"/>
-            <a:endParaRPr lang="zh-CN" altLang="en-US">
+            <a:endParaRPr lang="zh-CN" altLang="en-US" dirty="0">
               <a:ea typeface="微软雅黑" panose="020B0503020204020204" pitchFamily="34" charset="-122"/>
             </a:endParaRPr>
           </a:p>
@@ -6422,7 +7992,7 @@
         <p:spPr>
           <a:xfrm>
             <a:off x="7004224" y="1532978"/>
-            <a:ext cx="1253869" cy="369332"/>
+            <a:ext cx="1689886" cy="369332"/>
           </a:xfrm>
           <a:prstGeom prst="rect">
             <a:avLst/>
@@ -6435,11 +8005,12 @@
           <a:lstStyle/>
           <a:p>
             <a:r>
-              <a:rPr lang="zh-CN" altLang="en-US" b="1" spc="200" dirty="0">
-                <a:latin typeface="微软雅黑" panose="020B0503020204020204" pitchFamily="34" charset="-122"/>
-                <a:ea typeface="微软雅黑" panose="020B0503020204020204" pitchFamily="34" charset="-122"/>
-              </a:rPr>
-              <a:t>基础介绍</a:t>
+              <a:rPr lang="en" altLang="zh-CN" b="1" dirty="0" err="1"/>
+              <a:t>ClickHouse</a:t>
+            </a:r>
+            <a:r>
+              <a:rPr lang="zh-CN" altLang="en-US" b="1" dirty="0"/>
+              <a:t>概述</a:t>
             </a:r>
           </a:p>
         </p:txBody>
@@ -6554,7 +8125,7 @@
         <p:spPr>
           <a:xfrm>
             <a:off x="7004224" y="3244116"/>
-            <a:ext cx="3518912" cy="369332"/>
+            <a:ext cx="1208985" cy="369332"/>
           </a:xfrm>
           <a:prstGeom prst="rect">
             <a:avLst/>
@@ -6571,7 +8142,7 @@
                 <a:latin typeface="微软雅黑" panose="020B0503020204020204" pitchFamily="34" charset="-122"/>
                 <a:ea typeface="微软雅黑" panose="020B0503020204020204" pitchFamily="34" charset="-122"/>
               </a:rPr>
-              <a:t>授信后台指标报表的使用调研</a:t>
+              <a:t>性能测试</a:t>
             </a:r>
           </a:p>
         </p:txBody>
@@ -6992,7 +8563,7 @@
           <a:lstStyle/>
           <a:p>
             <a:r>
-              <a:rPr lang="en-US" altLang="zh-CN" sz="2800" b="1">
+              <a:rPr lang="en-US" altLang="zh-CN" sz="2800" b="1" dirty="0">
                 <a:solidFill>
                   <a:srgbClr val="0043CF"/>
                 </a:solidFill>
@@ -7235,7 +8806,7 @@
         <p:spPr>
           <a:xfrm>
             <a:off x="6523687" y="3771443"/>
-            <a:ext cx="1928733" cy="584775"/>
+            <a:ext cx="3602268" cy="584775"/>
           </a:xfrm>
           <a:prstGeom prst="rect">
             <a:avLst/>
@@ -7247,6 +8818,16 @@
           </a:bodyPr>
           <a:lstStyle/>
           <a:p>
+            <a:r>
+              <a:rPr lang="en" altLang="zh-CN" sz="3200" b="1" spc="200" dirty="0" err="1">
+                <a:solidFill>
+                  <a:schemeClr val="bg1"/>
+                </a:solidFill>
+                <a:latin typeface="微软雅黑" panose="020B0503020204020204" pitchFamily="34" charset="-122"/>
+                <a:ea typeface="微软雅黑" panose="020B0503020204020204" pitchFamily="34" charset="-122"/>
+              </a:rPr>
+              <a:t>ClickHouse</a:t>
+            </a:r>
             <a:r>
               <a:rPr lang="zh-CN" altLang="en-US" sz="3200" b="1" spc="200" dirty="0">
                 <a:solidFill>
@@ -7255,7 +8836,7 @@
                 <a:latin typeface="微软雅黑" panose="020B0503020204020204" pitchFamily="34" charset="-122"/>
                 <a:ea typeface="微软雅黑" panose="020B0503020204020204" pitchFamily="34" charset="-122"/>
               </a:rPr>
-              <a:t>基础概念</a:t>
+              <a:t>概述</a:t>
             </a:r>
           </a:p>
         </p:txBody>
@@ -8015,6 +9596,14 @@
               <a:rPr lang="en-US" altLang="zh-CN" sz="1600" dirty="0"/>
               <a:t>ZSTD</a:t>
             </a:r>
+            <a:r>
+              <a:rPr lang="zh-CN" altLang="en-US" sz="1600" dirty="0"/>
+              <a:t>；默认为</a:t>
+            </a:r>
+            <a:r>
+              <a:rPr lang="en-US" altLang="zh-CN" sz="1600" dirty="0"/>
+              <a:t>LZ4</a:t>
+            </a:r>
           </a:p>
           <a:p>
             <a:pPr marL="285750" indent="-285750">
@@ -8112,15 +9701,7 @@
             </a:pPr>
             <a:r>
               <a:rPr lang="zh-CN" altLang="en-US" sz="1600" dirty="0"/>
-              <a:t>索引，非</a:t>
-            </a:r>
-            <a:r>
-              <a:rPr lang="en-US" altLang="zh-CN" sz="1600" dirty="0"/>
-              <a:t>B-Tree</a:t>
-            </a:r>
-            <a:r>
-              <a:rPr lang="zh-CN" altLang="en-US" sz="1600" dirty="0"/>
-              <a:t>索引，不需要满足最左原则</a:t>
+              <a:t>索引（稀疏索引）</a:t>
             </a:r>
             <a:endParaRPr lang="en-US" altLang="zh-CN" sz="1600" dirty="0"/>
           </a:p>
@@ -8548,7 +10129,7 @@
         </p:nvSpPr>
         <p:spPr>
           <a:xfrm>
-            <a:off x="1121900" y="1412318"/>
+            <a:off x="839416" y="1394469"/>
             <a:ext cx="10086668" cy="2034531"/>
           </a:xfrm>
           <a:prstGeom prst="rect">
@@ -9312,7 +10893,7 @@
         </p:nvSpPr>
         <p:spPr>
           <a:xfrm>
-            <a:off x="767408" y="1412776"/>
+            <a:off x="767408" y="1234616"/>
             <a:ext cx="10369152" cy="2122376"/>
           </a:xfrm>
           <a:prstGeom prst="rect">
@@ -9374,7 +10955,7 @@
             </a:r>
             <a:r>
               <a:rPr lang="zh-CN" altLang="en-US" dirty="0"/>
-              <a:t>中最强大的表引擎</a:t>
+              <a:t>中最常用、最强大的表引擎</a:t>
             </a:r>
             <a:endParaRPr lang="en-US" altLang="zh-CN" dirty="0"/>
           </a:p>
@@ -9507,7 +11088,7 @@
         </p:blipFill>
         <p:spPr>
           <a:xfrm>
-            <a:off x="1160022" y="3933056"/>
+            <a:off x="1127448" y="3717032"/>
             <a:ext cx="8207853" cy="2518903"/>
           </a:xfrm>
           <a:prstGeom prst="rect">

--- a/src/main/resources/Clickhouse分享.pptx
+++ b/src/main/resources/Clickhouse分享.pptx
@@ -5,33 +5,32 @@
     <p:sldMasterId id="2147483648" r:id="rId1"/>
   </p:sldMasterIdLst>
   <p:notesMasterIdLst>
-    <p:notesMasterId r:id="rId20"/>
+    <p:notesMasterId r:id="rId4"/>
   </p:notesMasterIdLst>
   <p:sldIdLst>
-    <p:sldId id="258" r:id="rId2"/>
-    <p:sldId id="261" r:id="rId3"/>
-    <p:sldId id="266" r:id="rId4"/>
-    <p:sldId id="375" r:id="rId5"/>
-    <p:sldId id="431" r:id="rId6"/>
-    <p:sldId id="432" r:id="rId7"/>
-    <p:sldId id="433" r:id="rId8"/>
-    <p:sldId id="434" r:id="rId9"/>
-    <p:sldId id="435" r:id="rId10"/>
-    <p:sldId id="436" r:id="rId11"/>
-    <p:sldId id="438" r:id="rId12"/>
-    <p:sldId id="437" r:id="rId13"/>
-    <p:sldId id="439" r:id="rId14"/>
-    <p:sldId id="440" r:id="rId15"/>
-    <p:sldId id="442" r:id="rId16"/>
-    <p:sldId id="443" r:id="rId17"/>
-    <p:sldId id="444" r:id="rId18"/>
-    <p:sldId id="265" r:id="rId19"/>
+    <p:sldId id="258" r:id="rId3"/>
+    <p:sldId id="261" r:id="rId5"/>
+    <p:sldId id="266" r:id="rId6"/>
+    <p:sldId id="375" r:id="rId7"/>
+    <p:sldId id="431" r:id="rId8"/>
+    <p:sldId id="432" r:id="rId9"/>
+    <p:sldId id="433" r:id="rId10"/>
+    <p:sldId id="434" r:id="rId11"/>
+    <p:sldId id="435" r:id="rId12"/>
+    <p:sldId id="436" r:id="rId13"/>
+    <p:sldId id="438" r:id="rId14"/>
+    <p:sldId id="437" r:id="rId15"/>
+    <p:sldId id="439" r:id="rId16"/>
+    <p:sldId id="440" r:id="rId17"/>
+    <p:sldId id="442" r:id="rId18"/>
+    <p:sldId id="443" r:id="rId19"/>
+    <p:sldId id="444" r:id="rId20"/>
+    <p:sldId id="445" r:id="rId21"/>
+    <p:sldId id="446" r:id="rId22"/>
+    <p:sldId id="265" r:id="rId23"/>
   </p:sldIdLst>
   <p:sldSz cx="12192000" cy="6858000"/>
   <p:notesSz cx="6858000" cy="9144000"/>
-  <p:custDataLst>
-    <p:tags r:id="rId21"/>
-  </p:custDataLst>
   <p:defaultTextStyle>
     <a:defPPr>
       <a:defRPr lang="zh-CN"/>
@@ -127,22 +126,6 @@
       </a:defRPr>
     </a:lvl9pPr>
   </p:defaultTextStyle>
-  <p:extLst>
-    <p:ext uri="{EFAFB233-063F-42B5-8137-9DF3F51BA10A}">
-      <p15:sldGuideLst xmlns:p15="http://schemas.microsoft.com/office/powerpoint/2012/main">
-        <p15:guide id="1" orient="horz" pos="2160">
-          <p15:clr>
-            <a:srgbClr val="A4A3A4"/>
-          </p15:clr>
-        </p15:guide>
-        <p15:guide id="2" pos="3828">
-          <p15:clr>
-            <a:srgbClr val="A4A3A4"/>
-          </p15:clr>
-        </p15:guide>
-      </p15:sldGuideLst>
-    </p:ext>
-  </p:extLst>
 </p:presentation>
 </file>
 
@@ -228,7 +211,6 @@
           <a:p>
             <a:fld id="{2FF053C9-8990-4AE3-9369-F178EBDE3212}" type="datetimeFigureOut">
               <a:rPr lang="zh-CN" altLang="en-US" smtClean="0"/>
-              <a:t>2019/11/9</a:t>
             </a:fld>
             <a:endParaRPr lang="zh-CN" altLang="en-US"/>
           </a:p>
@@ -295,6 +277,7 @@
               <a:rPr lang="zh-CN" altLang="en-US"/>
               <a:t>单击此处编辑母版文本样式</a:t>
             </a:r>
+            <a:endParaRPr lang="zh-CN" altLang="en-US"/>
           </a:p>
           <a:p>
             <a:pPr lvl="1"/>
@@ -302,6 +285,7 @@
               <a:rPr lang="zh-CN" altLang="en-US"/>
               <a:t>第二级</a:t>
             </a:r>
+            <a:endParaRPr lang="zh-CN" altLang="en-US"/>
           </a:p>
           <a:p>
             <a:pPr lvl="2"/>
@@ -309,6 +293,7 @@
               <a:rPr lang="zh-CN" altLang="en-US"/>
               <a:t>第三级</a:t>
             </a:r>
+            <a:endParaRPr lang="zh-CN" altLang="en-US"/>
           </a:p>
           <a:p>
             <a:pPr lvl="3"/>
@@ -316,6 +301,7 @@
               <a:rPr lang="zh-CN" altLang="en-US"/>
               <a:t>第四级</a:t>
             </a:r>
+            <a:endParaRPr lang="zh-CN" altLang="en-US"/>
           </a:p>
           <a:p>
             <a:pPr lvl="4"/>
@@ -323,6 +309,7 @@
               <a:rPr lang="zh-CN" altLang="en-US"/>
               <a:t>第五级</a:t>
             </a:r>
+            <a:endParaRPr lang="zh-CN" altLang="en-US"/>
           </a:p>
         </p:txBody>
       </p:sp>
@@ -386,7 +373,6 @@
           <a:p>
             <a:fld id="{860335EA-D737-419D-9934-BEEAD5F2E261}" type="slidenum">
               <a:rPr lang="zh-CN" altLang="en-US" smtClean="0"/>
-              <a:t>‹#›</a:t>
             </a:fld>
             <a:endParaRPr lang="zh-CN" altLang="en-US"/>
           </a:p>
@@ -555,18 +541,12 @@
           <a:p>
             <a:fld id="{860335EA-D737-419D-9934-BEEAD5F2E261}" type="slidenum">
               <a:rPr lang="zh-CN" altLang="en-US" smtClean="0"/>
-              <a:t>1</a:t>
             </a:fld>
             <a:endParaRPr lang="zh-CN" altLang="en-US"/>
           </a:p>
         </p:txBody>
       </p:sp>
     </p:spTree>
-    <p:extLst>
-      <p:ext uri="{BB962C8B-B14F-4D97-AF65-F5344CB8AC3E}">
-        <p14:creationId xmlns:p14="http://schemas.microsoft.com/office/powerpoint/2010/main" val="999813691"/>
-      </p:ext>
-    </p:extLst>
   </p:cSld>
   <p:clrMapOvr>
     <a:masterClrMapping/>
@@ -632,13 +612,179 @@
               <a:buSzTx/>
               <a:buFontTx/>
               <a:buNone/>
-              <a:tabLst/>
               <a:defRPr/>
             </a:pPr>
             <a:r>
               <a:rPr kumimoji="1" lang="zh-CN" altLang="en-US" dirty="0"/>
               <a:t>副本是表级别的，不是整个服务器级的。所以，服务器里可以同时有复制表和非复制表。</a:t>
             </a:r>
+            <a:endParaRPr kumimoji="1" lang="en-US" altLang="zh-CN" dirty="0"/>
+          </a:p>
+          <a:p>
+            <a:pPr marL="0" marR="0" lvl="0" indent="0" algn="l" defTabSz="914400" rtl="0" eaLnBrk="1" fontAlgn="auto" latinLnBrk="0" hangingPunct="1">
+              <a:lnSpc>
+                <a:spcPct val="100000"/>
+              </a:lnSpc>
+              <a:spcBef>
+                <a:spcPts val="0"/>
+              </a:spcBef>
+              <a:spcAft>
+                <a:spcPts val="0"/>
+              </a:spcAft>
+              <a:buClrTx/>
+              <a:buSzTx/>
+              <a:buFontTx/>
+              <a:buNone/>
+              <a:defRPr/>
+            </a:pPr>
+            <a:r>
+              <a:rPr lang="en-GB" altLang="zh-CN" sz="1200" b="0" i="0" kern="1200" dirty="0" err="1">
+                <a:solidFill>
+                  <a:schemeClr val="tx1"/>
+                </a:solidFill>
+                <a:effectLst/>
+                <a:latin typeface="+mn-lt"/>
+                <a:ea typeface="+mn-ea"/>
+                <a:cs typeface="+mn-cs"/>
+              </a:rPr>
+              <a:t>zoo_path</a:t>
+            </a:r>
+            <a:r>
+              <a:rPr lang="zh-CN" altLang="en-US" sz="1200" b="0" i="0" kern="1200" dirty="0">
+                <a:solidFill>
+                  <a:schemeClr val="tx1"/>
+                </a:solidFill>
+                <a:effectLst/>
+                <a:latin typeface="+mn-lt"/>
+                <a:ea typeface="+mn-ea"/>
+                <a:cs typeface="+mn-cs"/>
+              </a:rPr>
+              <a:t>：</a:t>
+            </a:r>
+            <a:r>
+              <a:rPr lang="en-GB" altLang="zh-CN" sz="1200" b="0" i="0" kern="1200" dirty="0" err="1">
+                <a:solidFill>
+                  <a:schemeClr val="tx1"/>
+                </a:solidFill>
+                <a:effectLst/>
+                <a:latin typeface="+mn-lt"/>
+                <a:ea typeface="+mn-ea"/>
+                <a:cs typeface="+mn-cs"/>
+              </a:rPr>
+              <a:t>ZooKeeper</a:t>
+            </a:r>
+            <a:r>
+              <a:rPr lang="en-GB" altLang="zh-CN" sz="1200" b="0" i="0" kern="1200" dirty="0">
+                <a:solidFill>
+                  <a:schemeClr val="tx1"/>
+                </a:solidFill>
+                <a:effectLst/>
+                <a:latin typeface="+mn-lt"/>
+                <a:ea typeface="+mn-ea"/>
+                <a:cs typeface="+mn-cs"/>
+              </a:rPr>
+              <a:t> </a:t>
+            </a:r>
+            <a:r>
+              <a:rPr lang="zh-CN" altLang="en-US" sz="1200" b="0" i="0" kern="1200" dirty="0">
+                <a:solidFill>
+                  <a:schemeClr val="tx1"/>
+                </a:solidFill>
+                <a:effectLst/>
+                <a:latin typeface="+mn-lt"/>
+                <a:ea typeface="+mn-ea"/>
+                <a:cs typeface="+mn-cs"/>
+              </a:rPr>
+              <a:t>中该表的路径</a:t>
+            </a:r>
+            <a:endParaRPr lang="en-US" altLang="zh-CN" sz="1200" b="0" i="0" kern="1200" dirty="0">
+              <a:solidFill>
+                <a:schemeClr val="tx1"/>
+              </a:solidFill>
+              <a:effectLst/>
+              <a:latin typeface="+mn-lt"/>
+              <a:ea typeface="+mn-ea"/>
+              <a:cs typeface="+mn-cs"/>
+            </a:endParaRPr>
+          </a:p>
+          <a:p>
+            <a:pPr marL="0" marR="0" lvl="0" indent="0" algn="l" defTabSz="914400" rtl="0" eaLnBrk="1" fontAlgn="auto" latinLnBrk="0" hangingPunct="1">
+              <a:lnSpc>
+                <a:spcPct val="100000"/>
+              </a:lnSpc>
+              <a:spcBef>
+                <a:spcPts val="0"/>
+              </a:spcBef>
+              <a:spcAft>
+                <a:spcPts val="0"/>
+              </a:spcAft>
+              <a:buClrTx/>
+              <a:buSzTx/>
+              <a:buFontTx/>
+              <a:buNone/>
+              <a:defRPr/>
+            </a:pPr>
+            <a:r>
+              <a:rPr lang="en-GB" altLang="zh-CN" sz="1200" b="0" i="0" kern="1200" dirty="0" err="1">
+                <a:solidFill>
+                  <a:schemeClr val="tx1"/>
+                </a:solidFill>
+                <a:effectLst/>
+                <a:latin typeface="+mn-lt"/>
+                <a:ea typeface="+mn-ea"/>
+                <a:cs typeface="+mn-cs"/>
+              </a:rPr>
+              <a:t>replica_name</a:t>
+            </a:r>
+            <a:r>
+              <a:rPr lang="zh-CN" altLang="en-US" sz="1200" b="0" i="0" kern="1200" dirty="0">
+                <a:solidFill>
+                  <a:schemeClr val="tx1"/>
+                </a:solidFill>
+                <a:effectLst/>
+                <a:latin typeface="+mn-lt"/>
+                <a:ea typeface="+mn-ea"/>
+                <a:cs typeface="+mn-cs"/>
+              </a:rPr>
+              <a:t>：</a:t>
+            </a:r>
+            <a:r>
+              <a:rPr lang="en-GB" altLang="zh-CN" sz="1200" b="0" i="0" kern="1200" dirty="0" err="1">
+                <a:solidFill>
+                  <a:schemeClr val="tx1"/>
+                </a:solidFill>
+                <a:effectLst/>
+                <a:latin typeface="+mn-lt"/>
+                <a:ea typeface="+mn-ea"/>
+                <a:cs typeface="+mn-cs"/>
+              </a:rPr>
+              <a:t>ZooKeeper</a:t>
+            </a:r>
+            <a:r>
+              <a:rPr lang="en-GB" altLang="zh-CN" sz="1200" b="0" i="0" kern="1200" dirty="0">
+                <a:solidFill>
+                  <a:schemeClr val="tx1"/>
+                </a:solidFill>
+                <a:effectLst/>
+                <a:latin typeface="+mn-lt"/>
+                <a:ea typeface="+mn-ea"/>
+                <a:cs typeface="+mn-cs"/>
+              </a:rPr>
+              <a:t> </a:t>
+            </a:r>
+            <a:r>
+              <a:rPr lang="zh-CN" altLang="en-US" sz="1200" b="0" i="0" kern="1200" dirty="0">
+                <a:solidFill>
+                  <a:schemeClr val="tx1"/>
+                </a:solidFill>
+                <a:effectLst/>
+                <a:latin typeface="+mn-lt"/>
+                <a:ea typeface="+mn-ea"/>
+                <a:cs typeface="+mn-cs"/>
+              </a:rPr>
+              <a:t>中的该表的副本名称。</a:t>
+            </a:r>
+            <a:endParaRPr kumimoji="1" lang="zh-CN" altLang="en-US" dirty="0"/>
           </a:p>
         </p:txBody>
       </p:sp>
@@ -659,18 +805,12 @@
           <a:p>
             <a:fld id="{860335EA-D737-419D-9934-BEEAD5F2E261}" type="slidenum">
               <a:rPr lang="zh-CN" altLang="en-US" smtClean="0"/>
-              <a:t>12</a:t>
             </a:fld>
             <a:endParaRPr lang="zh-CN" altLang="en-US"/>
           </a:p>
         </p:txBody>
       </p:sp>
     </p:spTree>
-    <p:extLst>
-      <p:ext uri="{BB962C8B-B14F-4D97-AF65-F5344CB8AC3E}">
-        <p14:creationId xmlns:p14="http://schemas.microsoft.com/office/powerpoint/2010/main" val="2684602508"/>
-      </p:ext>
-    </p:extLst>
   </p:cSld>
   <p:clrMapOvr>
     <a:masterClrMapping/>
@@ -736,10 +876,9 @@
               <a:buSzTx/>
               <a:buFontTx/>
               <a:buNone/>
-              <a:tabLst/>
               <a:defRPr/>
             </a:pPr>
-            <a:endParaRPr lang="en" altLang="zh-CN" sz="1200" b="0" kern="1200" dirty="0">
+            <a:endParaRPr lang="en-GB" altLang="zh-CN" sz="1200" b="0" kern="1200" dirty="0">
               <a:solidFill>
                 <a:schemeClr val="tx1"/>
               </a:solidFill>
@@ -768,18 +907,12 @@
           <a:p>
             <a:fld id="{860335EA-D737-419D-9934-BEEAD5F2E261}" type="slidenum">
               <a:rPr lang="zh-CN" altLang="en-US" smtClean="0"/>
-              <a:t>14</a:t>
             </a:fld>
             <a:endParaRPr lang="zh-CN" altLang="en-US"/>
           </a:p>
         </p:txBody>
       </p:sp>
     </p:spTree>
-    <p:extLst>
-      <p:ext uri="{BB962C8B-B14F-4D97-AF65-F5344CB8AC3E}">
-        <p14:creationId xmlns:p14="http://schemas.microsoft.com/office/powerpoint/2010/main" val="1781646702"/>
-      </p:ext>
-    </p:extLst>
   </p:cSld>
   <p:clrMapOvr>
     <a:masterClrMapping/>
@@ -839,6 +972,7 @@
               <a:rPr kumimoji="1" lang="zh-CN" altLang="en-US" dirty="0"/>
               <a:t>为副本关系</a:t>
             </a:r>
+            <a:endParaRPr kumimoji="1" lang="zh-CN" altLang="en-US" dirty="0"/>
           </a:p>
         </p:txBody>
       </p:sp>
@@ -859,18 +993,12 @@
           <a:p>
             <a:fld id="{860335EA-D737-419D-9934-BEEAD5F2E261}" type="slidenum">
               <a:rPr lang="zh-CN" altLang="en-US" smtClean="0"/>
-              <a:t>15</a:t>
             </a:fld>
             <a:endParaRPr lang="zh-CN" altLang="en-US"/>
           </a:p>
         </p:txBody>
       </p:sp>
     </p:spTree>
-    <p:extLst>
-      <p:ext uri="{BB962C8B-B14F-4D97-AF65-F5344CB8AC3E}">
-        <p14:creationId xmlns:p14="http://schemas.microsoft.com/office/powerpoint/2010/main" val="1442460765"/>
-      </p:ext>
-    </p:extLst>
   </p:cSld>
   <p:clrMapOvr>
     <a:masterClrMapping/>
@@ -926,6 +1054,7 @@
               <a:rPr kumimoji="1" lang="zh-CN" altLang="en-US" dirty="0"/>
               <a:t>本地表：实际存放数据的表</a:t>
             </a:r>
+            <a:endParaRPr kumimoji="1" lang="zh-CN" altLang="en-US" dirty="0"/>
           </a:p>
         </p:txBody>
       </p:sp>
@@ -946,18 +1075,12 @@
           <a:p>
             <a:fld id="{860335EA-D737-419D-9934-BEEAD5F2E261}" type="slidenum">
               <a:rPr lang="zh-CN" altLang="en-US" smtClean="0"/>
-              <a:t>16</a:t>
             </a:fld>
             <a:endParaRPr lang="zh-CN" altLang="en-US"/>
           </a:p>
         </p:txBody>
       </p:sp>
     </p:spTree>
-    <p:extLst>
-      <p:ext uri="{BB962C8B-B14F-4D97-AF65-F5344CB8AC3E}">
-        <p14:creationId xmlns:p14="http://schemas.microsoft.com/office/powerpoint/2010/main" val="2763516160"/>
-      </p:ext>
-    </p:extLst>
   </p:cSld>
   <p:clrMapOvr>
     <a:masterClrMapping/>
@@ -1023,11 +1146,10 @@
               <a:buSzTx/>
               <a:buFontTx/>
               <a:buNone/>
-              <a:tabLst/>
               <a:defRPr/>
             </a:pPr>
             <a:r>
-              <a:rPr lang="en" altLang="zh-CN" sz="1200" b="0" kern="1200" dirty="0" err="1">
+              <a:rPr lang="zh-CN" altLang="en-GB" sz="1200" b="0" kern="1200" dirty="0">
                 <a:solidFill>
                   <a:schemeClr val="tx1"/>
                 </a:solidFill>
@@ -1036,10 +1158,10 @@
                 <a:ea typeface="+mn-ea"/>
                 <a:cs typeface="+mn-cs"/>
               </a:rPr>
-              <a:t>internal_replication</a:t>
-            </a:r>
-            <a:r>
-              <a:rPr kumimoji="1" lang="zh-CN" altLang="en-US" sz="1200" b="0" kern="1200" dirty="0">
+              <a:t>复制</a:t>
+            </a:r>
+            <a:r>
+              <a:rPr lang="zh-CN" altLang="en-US" sz="1200" b="0" kern="1200" dirty="0">
                 <a:solidFill>
                   <a:schemeClr val="tx1"/>
                 </a:solidFill>
@@ -1048,10 +1170,10 @@
                 <a:ea typeface="+mn-ea"/>
                 <a:cs typeface="+mn-cs"/>
               </a:rPr>
-              <a:t>：设置为</a:t>
-            </a:r>
-            <a:r>
-              <a:rPr kumimoji="1" lang="en-US" altLang="zh-CN" sz="1200" b="0" kern="1200" dirty="0">
+              <a:t>是多主异步，</a:t>
+            </a:r>
+            <a:r>
+              <a:rPr lang="en-US" altLang="zh-CN" sz="1200" b="0" kern="1200" dirty="0">
                 <a:solidFill>
                   <a:schemeClr val="tx1"/>
                 </a:solidFill>
@@ -1060,10 +1182,10 @@
                 <a:ea typeface="+mn-ea"/>
                 <a:cs typeface="+mn-cs"/>
               </a:rPr>
-              <a:t>true</a:t>
-            </a:r>
-            <a:r>
-              <a:rPr kumimoji="1" lang="zh-CN" altLang="en-US" sz="1200" b="0" kern="1200" dirty="0">
+              <a:t>insert</a:t>
+            </a:r>
+            <a:r>
+              <a:rPr lang="zh-CN" altLang="en-US" sz="1200" b="0" kern="1200" dirty="0">
                 <a:solidFill>
                   <a:schemeClr val="tx1"/>
                 </a:solidFill>
@@ -1072,10 +1194,10 @@
                 <a:ea typeface="+mn-ea"/>
                 <a:cs typeface="+mn-cs"/>
               </a:rPr>
-              <a:t>表示副本之间的数据同步依赖</a:t>
-            </a:r>
-            <a:r>
-              <a:rPr kumimoji="1" lang="en-US" altLang="zh-CN" sz="1200" b="0" kern="1200" dirty="0">
+              <a:t>可以发给任意可用的服务器。</a:t>
+            </a:r>
+            <a:r>
+              <a:rPr lang="zh-CN" altLang="en-US" sz="1200" b="0" i="0" kern="1200" dirty="0">
                 <a:solidFill>
                   <a:schemeClr val="tx1"/>
                 </a:solidFill>
@@ -1084,21 +1206,9 @@
                 <a:ea typeface="+mn-ea"/>
                 <a:cs typeface="+mn-cs"/>
               </a:rPr>
-              <a:t>ZK</a:t>
-            </a:r>
-            <a:r>
-              <a:rPr kumimoji="1" lang="zh-CN" altLang="en-US" sz="1200" b="0" kern="1200" dirty="0">
-                <a:solidFill>
-                  <a:schemeClr val="tx1"/>
-                </a:solidFill>
-                <a:effectLst/>
-                <a:latin typeface="+mn-lt"/>
-                <a:ea typeface="+mn-ea"/>
-                <a:cs typeface="+mn-cs"/>
-              </a:rPr>
-              <a:t>和复制表引擎实现</a:t>
-            </a:r>
-            <a:endParaRPr lang="en" altLang="zh-CN" sz="1200" b="0" kern="1200" dirty="0">
+              <a:t>数据会先插入到执行该语句的服务器上，然后被复制到其他服务器。</a:t>
+            </a:r>
+            <a:endParaRPr lang="en-US" altLang="zh-CN" sz="1200" b="0" i="0" kern="1200" dirty="0">
               <a:solidFill>
                 <a:schemeClr val="tx1"/>
               </a:solidFill>
@@ -1127,18 +1237,114 @@
           <a:p>
             <a:fld id="{860335EA-D737-419D-9934-BEEAD5F2E261}" type="slidenum">
               <a:rPr lang="zh-CN" altLang="en-US" smtClean="0"/>
-              <a:t>17</a:t>
             </a:fld>
             <a:endParaRPr lang="zh-CN" altLang="en-US"/>
           </a:p>
         </p:txBody>
       </p:sp>
     </p:spTree>
-    <p:extLst>
-      <p:ext uri="{BB962C8B-B14F-4D97-AF65-F5344CB8AC3E}">
-        <p14:creationId xmlns:p14="http://schemas.microsoft.com/office/powerpoint/2010/main" val="2568100995"/>
-      </p:ext>
-    </p:extLst>
+  </p:cSld>
+  <p:clrMapOvr>
+    <a:masterClrMapping/>
+  </p:clrMapOvr>
+</p:notes>
+</file>
+
+<file path=ppt/notesSlides/notesSlide15.xml><?xml version="1.0" encoding="utf-8"?>
+<p:notes xmlns:a="http://schemas.openxmlformats.org/drawingml/2006/main" xmlns:r="http://schemas.openxmlformats.org/officeDocument/2006/relationships" xmlns:p="http://schemas.openxmlformats.org/presentationml/2006/main">
+  <p:cSld>
+    <p:spTree>
+      <p:nvGrpSpPr>
+        <p:cNvPr id="1" name=""/>
+        <p:cNvGrpSpPr/>
+        <p:nvPr/>
+      </p:nvGrpSpPr>
+      <p:grpSpPr>
+        <a:xfrm>
+          <a:off x="0" y="0"/>
+          <a:ext cx="0" cy="0"/>
+          <a:chOff x="0" y="0"/>
+          <a:chExt cx="0" cy="0"/>
+        </a:xfrm>
+      </p:grpSpPr>
+      <p:sp>
+        <p:nvSpPr>
+          <p:cNvPr id="2" name="幻灯片图像占位符 1"/>
+          <p:cNvSpPr>
+            <a:spLocks noGrp="1" noRot="1" noChangeAspect="1"/>
+          </p:cNvSpPr>
+          <p:nvPr>
+            <p:ph type="sldImg"/>
+          </p:nvPr>
+        </p:nvSpPr>
+        <p:spPr/>
+      </p:sp>
+      <p:sp>
+        <p:nvSpPr>
+          <p:cNvPr id="3" name="备注占位符 2"/>
+          <p:cNvSpPr>
+            <a:spLocks noGrp="1"/>
+          </p:cNvSpPr>
+          <p:nvPr>
+            <p:ph type="body" idx="1"/>
+          </p:nvPr>
+        </p:nvSpPr>
+        <p:spPr/>
+        <p:txBody>
+          <a:bodyPr/>
+          <a:lstStyle/>
+          <a:p>
+            <a:pPr marL="0" marR="0" lvl="0" indent="0" algn="l" defTabSz="914400" rtl="0" eaLnBrk="1" fontAlgn="auto" latinLnBrk="0" hangingPunct="1">
+              <a:lnSpc>
+                <a:spcPct val="100000"/>
+              </a:lnSpc>
+              <a:spcBef>
+                <a:spcPts val="0"/>
+              </a:spcBef>
+              <a:spcAft>
+                <a:spcPts val="0"/>
+              </a:spcAft>
+              <a:buClrTx/>
+              <a:buSzTx/>
+              <a:buFontTx/>
+              <a:buNone/>
+              <a:defRPr/>
+            </a:pPr>
+            <a:endParaRPr lang="en-US" altLang="zh-CN" sz="1200" b="0" i="0" kern="1200" dirty="0">
+              <a:solidFill>
+                <a:schemeClr val="tx1"/>
+              </a:solidFill>
+              <a:effectLst/>
+              <a:latin typeface="+mn-lt"/>
+              <a:ea typeface="+mn-ea"/>
+              <a:cs typeface="+mn-cs"/>
+            </a:endParaRPr>
+          </a:p>
+        </p:txBody>
+      </p:sp>
+      <p:sp>
+        <p:nvSpPr>
+          <p:cNvPr id="4" name="灯片编号占位符 3"/>
+          <p:cNvSpPr>
+            <a:spLocks noGrp="1"/>
+          </p:cNvSpPr>
+          <p:nvPr>
+            <p:ph type="sldNum" sz="quarter" idx="5"/>
+          </p:nvPr>
+        </p:nvSpPr>
+        <p:spPr/>
+        <p:txBody>
+          <a:bodyPr/>
+          <a:lstStyle/>
+          <a:p>
+            <a:fld id="{860335EA-D737-419D-9934-BEEAD5F2E261}" type="slidenum">
+              <a:rPr lang="zh-CN" altLang="en-US" smtClean="0"/>
+            </a:fld>
+            <a:endParaRPr lang="zh-CN" altLang="en-US"/>
+          </a:p>
+        </p:txBody>
+      </p:sp>
+    </p:spTree>
   </p:cSld>
   <p:clrMapOvr>
     <a:masterClrMapping/>
@@ -1246,18 +1452,12 @@
           <a:p>
             <a:fld id="{860335EA-D737-419D-9934-BEEAD5F2E261}" type="slidenum">
               <a:rPr lang="zh-CN" altLang="en-US" smtClean="0"/>
-              <a:t>4</a:t>
             </a:fld>
             <a:endParaRPr lang="zh-CN" altLang="en-US"/>
           </a:p>
         </p:txBody>
       </p:sp>
     </p:spTree>
-    <p:extLst>
-      <p:ext uri="{BB962C8B-B14F-4D97-AF65-F5344CB8AC3E}">
-        <p14:creationId xmlns:p14="http://schemas.microsoft.com/office/powerpoint/2010/main" val="2996008029"/>
-      </p:ext>
-    </p:extLst>
   </p:cSld>
   <p:clrMapOvr>
     <a:masterClrMapping/>
@@ -1310,7 +1510,7 @@
           <a:lstStyle/>
           <a:p>
             <a:r>
-              <a:rPr lang="en-US" altLang="zh-CN" sz="1200" b="0" i="0" kern="1200" dirty="0" err="1">
+              <a:rPr lang="en-US" altLang="zh-CN" sz="1400" b="0" i="0" kern="1200" dirty="0" err="1">
                 <a:solidFill>
                   <a:schemeClr val="tx1"/>
                 </a:solidFill>
@@ -1322,7 +1522,7 @@
               <a:t>ClickHouse</a:t>
             </a:r>
             <a:r>
-              <a:rPr lang="zh-CN" altLang="en-US" sz="1200" b="0" i="0" kern="1200" dirty="0">
+              <a:rPr lang="zh-CN" altLang="en-US" sz="1400" b="0" i="0" kern="1200" dirty="0">
                 <a:solidFill>
                   <a:schemeClr val="tx1"/>
                 </a:solidFill>
@@ -1334,7 +1534,7 @@
               <a:t>支持基于</a:t>
             </a:r>
             <a:r>
-              <a:rPr lang="en-US" altLang="zh-CN" sz="1200" b="0" i="0" kern="1200" dirty="0">
+              <a:rPr lang="en-US" altLang="zh-CN" sz="1400" b="0" i="0" kern="1200" dirty="0">
                 <a:solidFill>
                   <a:schemeClr val="tx1"/>
                 </a:solidFill>
@@ -1346,7 +1546,7 @@
               <a:t>SQL</a:t>
             </a:r>
             <a:r>
-              <a:rPr lang="zh-CN" altLang="en-US" sz="1200" b="0" i="0" kern="1200" dirty="0">
+              <a:rPr lang="zh-CN" altLang="en-US" sz="1400" b="0" i="0" kern="1200" dirty="0">
                 <a:solidFill>
                   <a:schemeClr val="tx1"/>
                 </a:solidFill>
@@ -1358,7 +1558,7 @@
               <a:t>的查询语言，该语言大部分情况下是与</a:t>
             </a:r>
             <a:r>
-              <a:rPr lang="en-US" altLang="zh-CN" sz="1200" b="0" i="0" kern="1200" dirty="0">
+              <a:rPr lang="en-US" altLang="zh-CN" sz="1400" b="0" i="0" kern="1200" dirty="0">
                 <a:solidFill>
                   <a:schemeClr val="tx1"/>
                 </a:solidFill>
@@ -1370,7 +1570,7 @@
               <a:t>SQL</a:t>
             </a:r>
             <a:r>
-              <a:rPr lang="zh-CN" altLang="en-US" sz="1200" b="0" i="0" kern="1200" dirty="0">
+              <a:rPr lang="zh-CN" altLang="en-US" sz="1400" b="0" i="0" kern="1200" dirty="0">
                 <a:solidFill>
                   <a:schemeClr val="tx1"/>
                 </a:solidFill>
@@ -1382,7 +1582,7 @@
               <a:t>标准兼容的。 支持的查询包括 </a:t>
             </a:r>
             <a:r>
-              <a:rPr lang="en-US" altLang="zh-CN" sz="1200" b="0" i="0" kern="1200" dirty="0">
+              <a:rPr lang="en-US" altLang="zh-CN" sz="1400" b="0" i="0" kern="1200" dirty="0">
                 <a:solidFill>
                   <a:schemeClr val="tx1"/>
                 </a:solidFill>
@@ -1394,7 +1594,7 @@
               <a:t>GROUP BY</a:t>
             </a:r>
             <a:r>
-              <a:rPr lang="zh-CN" altLang="en-US" sz="1200" b="0" i="0" kern="1200" dirty="0">
+              <a:rPr lang="zh-CN" altLang="en-US" sz="1400" b="0" i="0" kern="1200" dirty="0">
                 <a:solidFill>
                   <a:schemeClr val="tx1"/>
                 </a:solidFill>
@@ -1406,7 +1606,7 @@
               <a:t>，</a:t>
             </a:r>
             <a:r>
-              <a:rPr lang="en-US" altLang="zh-CN" sz="1200" b="0" i="0" kern="1200" dirty="0">
+              <a:rPr lang="en-US" altLang="zh-CN" sz="1400" b="0" i="0" kern="1200" dirty="0">
                 <a:solidFill>
                   <a:schemeClr val="tx1"/>
                 </a:solidFill>
@@ -1418,7 +1618,7 @@
               <a:t>ORDER BY</a:t>
             </a:r>
             <a:r>
-              <a:rPr lang="zh-CN" altLang="en-US" sz="1200" b="0" i="0" kern="1200" dirty="0">
+              <a:rPr lang="zh-CN" altLang="en-US" sz="1400" b="0" i="0" kern="1200" dirty="0">
                 <a:solidFill>
                   <a:schemeClr val="tx1"/>
                 </a:solidFill>
@@ -1430,7 +1630,7 @@
               <a:t>，</a:t>
             </a:r>
             <a:r>
-              <a:rPr lang="en-US" altLang="zh-CN" sz="1200" b="0" i="0" kern="1200" dirty="0">
+              <a:rPr lang="en-US" altLang="zh-CN" sz="1400" b="0" i="0" kern="1200" dirty="0">
                 <a:solidFill>
                   <a:schemeClr val="tx1"/>
                 </a:solidFill>
@@ -1442,7 +1642,7 @@
               <a:t>IN</a:t>
             </a:r>
             <a:r>
-              <a:rPr lang="zh-CN" altLang="en-US" sz="1200" b="0" i="0" kern="1200" dirty="0">
+              <a:rPr lang="zh-CN" altLang="en-US" sz="1400" b="0" i="0" kern="1200" dirty="0">
                 <a:solidFill>
                   <a:schemeClr val="tx1"/>
                 </a:solidFill>
@@ -1454,7 +1654,7 @@
               <a:t>，</a:t>
             </a:r>
             <a:r>
-              <a:rPr lang="en-US" altLang="zh-CN" sz="1200" b="0" i="0" kern="1200" dirty="0">
+              <a:rPr lang="en-US" altLang="zh-CN" sz="1400" b="0" i="0" kern="1200" dirty="0">
                 <a:solidFill>
                   <a:schemeClr val="tx1"/>
                 </a:solidFill>
@@ -1466,7 +1666,7 @@
               <a:t>JOIN</a:t>
             </a:r>
             <a:r>
-              <a:rPr lang="zh-CN" altLang="en-US" sz="1200" b="0" i="0" kern="1200" dirty="0">
+              <a:rPr lang="zh-CN" altLang="en-US" sz="1400" b="0" i="0" kern="1200" dirty="0">
                 <a:solidFill>
                   <a:schemeClr val="tx1"/>
                 </a:solidFill>
@@ -1477,7 +1677,7 @@
               </a:rPr>
               <a:t>以及非相关子查询。不支持窗口函数和相关子查询。</a:t>
             </a:r>
-            <a:endParaRPr lang="en-US" altLang="zh-CN" sz="1200" b="0" i="0" kern="1200" dirty="0">
+            <a:endParaRPr lang="en-US" altLang="zh-CN" sz="1400" b="0" i="0" kern="1200" dirty="0">
               <a:solidFill>
                 <a:schemeClr val="tx1"/>
               </a:solidFill>
@@ -1489,7 +1689,7 @@
           </a:p>
           <a:p>
             <a:r>
-              <a:rPr lang="zh-CN" altLang="en-US" sz="1200" b="0" i="0" kern="1200" dirty="0">
+              <a:rPr lang="zh-CN" altLang="en-US" sz="1400" b="0" i="0" kern="1200" dirty="0">
                 <a:solidFill>
                   <a:schemeClr val="tx1"/>
                 </a:solidFill>
@@ -1501,7 +1701,7 @@
               <a:t>按向量</a:t>
             </a:r>
             <a:r>
-              <a:rPr lang="en-US" altLang="zh-CN" sz="1200" b="0" i="0" kern="1200" dirty="0">
+              <a:rPr lang="en-US" altLang="zh-CN" sz="1400" b="0" i="0" kern="1200" dirty="0">
                 <a:solidFill>
                   <a:schemeClr val="tx1"/>
                 </a:solidFill>
@@ -1513,7 +1713,7 @@
               <a:t>(</a:t>
             </a:r>
             <a:r>
-              <a:rPr lang="zh-CN" altLang="en-US" sz="1200" b="0" i="0" kern="1200" dirty="0">
+              <a:rPr lang="zh-CN" altLang="en-US" sz="1400" b="0" i="0" kern="1200" dirty="0">
                 <a:solidFill>
                   <a:schemeClr val="tx1"/>
                 </a:solidFill>
@@ -1525,7 +1725,7 @@
               <a:t>列的一部分</a:t>
             </a:r>
             <a:r>
-              <a:rPr lang="en-US" altLang="zh-CN" sz="1200" b="0" i="0" kern="1200" dirty="0">
+              <a:rPr lang="en-US" altLang="zh-CN" sz="1400" b="0" i="0" kern="1200" dirty="0">
                 <a:solidFill>
                   <a:schemeClr val="tx1"/>
                 </a:solidFill>
@@ -1537,7 +1737,7 @@
               <a:t>)</a:t>
             </a:r>
             <a:r>
-              <a:rPr lang="zh-CN" altLang="en-US" sz="1200" b="0" i="0" kern="1200" dirty="0">
+              <a:rPr lang="zh-CN" altLang="en-US" sz="1400" b="0" i="0" kern="1200" dirty="0">
                 <a:solidFill>
                   <a:schemeClr val="tx1"/>
                 </a:solidFill>
@@ -1549,7 +1749,7 @@
               <a:t>进行处理。高效的利用</a:t>
             </a:r>
             <a:r>
-              <a:rPr lang="en-US" altLang="zh-CN" sz="1200" b="0" i="0" kern="1200" dirty="0">
+              <a:rPr lang="en-US" altLang="zh-CN" sz="1400" b="0" i="0" kern="1200" dirty="0">
                 <a:solidFill>
                   <a:schemeClr val="tx1"/>
                 </a:solidFill>
@@ -1561,7 +1761,7 @@
               <a:t>CPU</a:t>
             </a:r>
             <a:r>
-              <a:rPr lang="zh-CN" altLang="en-US" sz="1200" b="0" i="0" kern="1200" dirty="0">
+              <a:rPr lang="zh-CN" altLang="en-US" sz="1400" b="0" i="0" kern="1200" dirty="0">
                 <a:solidFill>
                   <a:schemeClr val="tx1"/>
                 </a:solidFill>
@@ -1572,7 +1772,7 @@
               </a:rPr>
               <a:t>。</a:t>
             </a:r>
-            <a:endParaRPr lang="en-US" altLang="zh-CN" sz="1200" b="0" i="0" kern="1200" dirty="0">
+            <a:endParaRPr lang="en-US" altLang="zh-CN" sz="1400" b="0" i="0" kern="1200" dirty="0">
               <a:solidFill>
                 <a:schemeClr val="tx1"/>
               </a:solidFill>
@@ -1584,7 +1784,7 @@
           </a:p>
           <a:p>
             <a:r>
-              <a:rPr lang="zh-CN" altLang="en-US" sz="1200" b="0" i="0" kern="1200" dirty="0">
+              <a:rPr lang="zh-CN" altLang="en-US" sz="1400" b="0" i="0" kern="1200" dirty="0">
                 <a:solidFill>
                   <a:schemeClr val="tx1"/>
                 </a:solidFill>
@@ -1595,7 +1795,7 @@
               </a:rPr>
               <a:t>实时数据更新：数据写入过程不会存在加锁行为。</a:t>
             </a:r>
-            <a:endParaRPr lang="en-US" altLang="zh-CN" sz="1200" b="0" i="0" kern="1200" dirty="0">
+            <a:endParaRPr lang="en-US" altLang="zh-CN" sz="1400" b="0" i="0" kern="1200" dirty="0">
               <a:solidFill>
                 <a:schemeClr val="tx1"/>
               </a:solidFill>
@@ -1607,22 +1807,22 @@
           </a:p>
           <a:p>
             <a:r>
-              <a:rPr kumimoji="1" lang="zh-CN" altLang="en-US" dirty="0"/>
+              <a:rPr kumimoji="1" lang="zh-CN" altLang="en-US" sz="1400" dirty="0"/>
               <a:t>按照主键对数据进行排序，这将帮助</a:t>
             </a:r>
             <a:r>
-              <a:rPr kumimoji="1" lang="en-US" altLang="zh-CN" dirty="0" err="1"/>
+              <a:rPr kumimoji="1" lang="en-US" altLang="zh-CN" sz="1400" dirty="0" err="1"/>
               <a:t>ClickHouse</a:t>
             </a:r>
             <a:r>
-              <a:rPr kumimoji="1" lang="zh-CN" altLang="en-US" dirty="0"/>
+              <a:rPr kumimoji="1" lang="zh-CN" altLang="en-US" sz="1400" dirty="0"/>
               <a:t>以几十毫秒的低延迟对数据进行特定值查找或范围查找。</a:t>
             </a:r>
-            <a:endParaRPr kumimoji="1" lang="en-US" altLang="zh-CN" dirty="0"/>
-          </a:p>
-          <a:p>
-            <a:r>
-              <a:rPr lang="en-US" altLang="zh-CN" sz="1200" b="0" i="0" kern="1200" dirty="0" err="1">
+            <a:endParaRPr kumimoji="1" lang="en-US" altLang="zh-CN" sz="1400" dirty="0"/>
+          </a:p>
+          <a:p>
+            <a:r>
+              <a:rPr lang="en-US" altLang="zh-CN" sz="1400" b="0" i="0" kern="1200" dirty="0" err="1">
                 <a:solidFill>
                   <a:schemeClr val="tx1"/>
                 </a:solidFill>
@@ -1634,7 +1834,7 @@
               <a:t>ClickHouse</a:t>
             </a:r>
             <a:r>
-              <a:rPr lang="zh-CN" altLang="en-US" sz="1200" b="0" i="0" kern="1200" dirty="0">
+              <a:rPr lang="zh-CN" altLang="en-US" sz="1400" b="0" i="0" kern="1200" dirty="0">
                 <a:solidFill>
                   <a:schemeClr val="tx1"/>
                 </a:solidFill>
@@ -1646,7 +1846,7 @@
               <a:t>使用异步的多主复制技术。当数据被写入任何一个可用副本后，系统会在后台将数据分发给其他副本，以保证系统在不同副本上保持相同的数据。在大多数情况下</a:t>
             </a:r>
             <a:r>
-              <a:rPr lang="en-US" altLang="zh-CN" sz="1200" b="0" i="0" kern="1200" dirty="0" err="1">
+              <a:rPr lang="en-US" altLang="zh-CN" sz="1400" b="0" i="0" kern="1200" dirty="0" err="1">
                 <a:solidFill>
                   <a:schemeClr val="tx1"/>
                 </a:solidFill>
@@ -1658,7 +1858,7 @@
               <a:t>ClickHouse</a:t>
             </a:r>
             <a:r>
-              <a:rPr lang="zh-CN" altLang="en-US" sz="1200" b="0" i="0" kern="1200" dirty="0">
+              <a:rPr lang="zh-CN" altLang="en-US" sz="1400" b="0" i="0" kern="1200" dirty="0">
                 <a:solidFill>
                   <a:schemeClr val="tx1"/>
                 </a:solidFill>
@@ -1669,7 +1869,7 @@
               </a:rPr>
               <a:t>能在故障后自动恢复，在一些复杂的情况下需要少量的手动恢复。</a:t>
             </a:r>
-            <a:endParaRPr kumimoji="1" lang="zh-CN" altLang="en-US" dirty="0"/>
+            <a:endParaRPr kumimoji="1" lang="zh-CN" altLang="en-US" sz="1400" dirty="0"/>
           </a:p>
         </p:txBody>
       </p:sp>
@@ -1690,18 +1890,12 @@
           <a:p>
             <a:fld id="{860335EA-D737-419D-9934-BEEAD5F2E261}" type="slidenum">
               <a:rPr lang="zh-CN" altLang="en-US" smtClean="0"/>
-              <a:t>5</a:t>
             </a:fld>
             <a:endParaRPr lang="zh-CN" altLang="en-US"/>
           </a:p>
         </p:txBody>
       </p:sp>
     </p:spTree>
-    <p:extLst>
-      <p:ext uri="{BB962C8B-B14F-4D97-AF65-F5344CB8AC3E}">
-        <p14:creationId xmlns:p14="http://schemas.microsoft.com/office/powerpoint/2010/main" val="418296037"/>
-      </p:ext>
-    </p:extLst>
   </p:cSld>
   <p:clrMapOvr>
     <a:masterClrMapping/>
@@ -1769,6 +1963,7 @@
               <a:rPr kumimoji="1" lang="zh-CN" altLang="en-US" dirty="0"/>
               <a:t>会不断的做异步的数据合并，会影响查询性能</a:t>
             </a:r>
+            <a:endParaRPr kumimoji="1" lang="zh-CN" altLang="en-US" dirty="0"/>
           </a:p>
         </p:txBody>
       </p:sp>
@@ -1789,18 +1984,12 @@
           <a:p>
             <a:fld id="{860335EA-D737-419D-9934-BEEAD5F2E261}" type="slidenum">
               <a:rPr lang="zh-CN" altLang="en-US" smtClean="0"/>
-              <a:t>6</a:t>
             </a:fld>
             <a:endParaRPr lang="zh-CN" altLang="en-US"/>
           </a:p>
         </p:txBody>
       </p:sp>
     </p:spTree>
-    <p:extLst>
-      <p:ext uri="{BB962C8B-B14F-4D97-AF65-F5344CB8AC3E}">
-        <p14:creationId xmlns:p14="http://schemas.microsoft.com/office/powerpoint/2010/main" val="118171877"/>
-      </p:ext>
-    </p:extLst>
   </p:cSld>
   <p:clrMapOvr>
     <a:masterClrMapping/>
@@ -1866,7 +2055,6 @@
               <a:buSzTx/>
               <a:buFontTx/>
               <a:buNone/>
-              <a:tabLst/>
               <a:defRPr/>
             </a:pPr>
             <a:r>
@@ -1993,18 +2181,12 @@
           <a:p>
             <a:fld id="{860335EA-D737-419D-9934-BEEAD5F2E261}" type="slidenum">
               <a:rPr lang="zh-CN" altLang="en-US" smtClean="0"/>
-              <a:t>7</a:t>
             </a:fld>
             <a:endParaRPr lang="zh-CN" altLang="en-US"/>
           </a:p>
         </p:txBody>
       </p:sp>
     </p:spTree>
-    <p:extLst>
-      <p:ext uri="{BB962C8B-B14F-4D97-AF65-F5344CB8AC3E}">
-        <p14:creationId xmlns:p14="http://schemas.microsoft.com/office/powerpoint/2010/main" val="2140961004"/>
-      </p:ext>
-    </p:extLst>
   </p:cSld>
   <p:clrMapOvr>
     <a:masterClrMapping/>
@@ -2118,7 +2300,6 @@
               <a:buSzTx/>
               <a:buFontTx/>
               <a:buNone/>
-              <a:tabLst/>
               <a:defRPr/>
             </a:pPr>
             <a:endParaRPr kumimoji="1" lang="zh-CN" altLang="en-US" dirty="0"/>
@@ -2142,18 +2323,12 @@
           <a:p>
             <a:fld id="{860335EA-D737-419D-9934-BEEAD5F2E261}" type="slidenum">
               <a:rPr lang="zh-CN" altLang="en-US" smtClean="0"/>
-              <a:t>8</a:t>
             </a:fld>
             <a:endParaRPr lang="zh-CN" altLang="en-US"/>
           </a:p>
         </p:txBody>
       </p:sp>
     </p:spTree>
-    <p:extLst>
-      <p:ext uri="{BB962C8B-B14F-4D97-AF65-F5344CB8AC3E}">
-        <p14:creationId xmlns:p14="http://schemas.microsoft.com/office/powerpoint/2010/main" val="986974916"/>
-      </p:ext>
-    </p:extLst>
   </p:cSld>
   <p:clrMapOvr>
     <a:masterClrMapping/>
@@ -2219,7 +2394,6 @@
               <a:buSzTx/>
               <a:buFontTx/>
               <a:buNone/>
-              <a:tabLst/>
               <a:defRPr/>
             </a:pPr>
             <a:endParaRPr kumimoji="1" lang="zh-CN" altLang="en-US" dirty="0"/>
@@ -2243,18 +2417,12 @@
           <a:p>
             <a:fld id="{860335EA-D737-419D-9934-BEEAD5F2E261}" type="slidenum">
               <a:rPr lang="zh-CN" altLang="en-US" smtClean="0"/>
-              <a:t>9</a:t>
             </a:fld>
             <a:endParaRPr lang="zh-CN" altLang="en-US"/>
           </a:p>
         </p:txBody>
       </p:sp>
     </p:spTree>
-    <p:extLst>
-      <p:ext uri="{BB962C8B-B14F-4D97-AF65-F5344CB8AC3E}">
-        <p14:creationId xmlns:p14="http://schemas.microsoft.com/office/powerpoint/2010/main" val="1488062911"/>
-      </p:ext>
-    </p:extLst>
   </p:cSld>
   <p:clrMapOvr>
     <a:masterClrMapping/>
@@ -2320,7 +2488,6 @@
               <a:buSzTx/>
               <a:buFontTx/>
               <a:buNone/>
-              <a:tabLst/>
               <a:defRPr/>
             </a:pPr>
             <a:r>
@@ -2344,7 +2511,6 @@
               <a:buSzTx/>
               <a:buFontTx/>
               <a:buNone/>
-              <a:tabLst/>
               <a:defRPr/>
             </a:pPr>
             <a:r>
@@ -2396,18 +2562,12 @@
           <a:p>
             <a:fld id="{860335EA-D737-419D-9934-BEEAD5F2E261}" type="slidenum">
               <a:rPr lang="zh-CN" altLang="en-US" smtClean="0"/>
-              <a:t>10</a:t>
             </a:fld>
             <a:endParaRPr lang="zh-CN" altLang="en-US"/>
           </a:p>
         </p:txBody>
       </p:sp>
     </p:spTree>
-    <p:extLst>
-      <p:ext uri="{BB962C8B-B14F-4D97-AF65-F5344CB8AC3E}">
-        <p14:creationId xmlns:p14="http://schemas.microsoft.com/office/powerpoint/2010/main" val="3734137905"/>
-      </p:ext>
-    </p:extLst>
   </p:cSld>
   <p:clrMapOvr>
     <a:masterClrMapping/>
@@ -2473,7 +2633,6 @@
               <a:buSzTx/>
               <a:buFontTx/>
               <a:buNone/>
-              <a:tabLst/>
               <a:defRPr/>
             </a:pPr>
             <a:endParaRPr kumimoji="1" lang="zh-CN" altLang="en-US" dirty="0"/>
@@ -2497,18 +2656,12 @@
           <a:p>
             <a:fld id="{860335EA-D737-419D-9934-BEEAD5F2E261}" type="slidenum">
               <a:rPr lang="zh-CN" altLang="en-US" smtClean="0"/>
-              <a:t>11</a:t>
             </a:fld>
             <a:endParaRPr lang="zh-CN" altLang="en-US"/>
           </a:p>
         </p:txBody>
       </p:sp>
     </p:spTree>
-    <p:extLst>
-      <p:ext uri="{BB962C8B-B14F-4D97-AF65-F5344CB8AC3E}">
-        <p14:creationId xmlns:p14="http://schemas.microsoft.com/office/powerpoint/2010/main" val="1249720157"/>
-      </p:ext>
-    </p:extLst>
   </p:cSld>
   <p:clrMapOvr>
     <a:masterClrMapping/>
@@ -2558,7 +2711,6 @@
           <a:p>
             <a:fld id="{9EDB1C25-004A-40D2-A7AF-2B6BCCF2FAE3}" type="datetimeFigureOut">
               <a:rPr lang="zh-CN" altLang="en-US" smtClean="0"/>
-              <a:t>2019/11/9</a:t>
             </a:fld>
             <a:endParaRPr lang="zh-CN" altLang="en-US"/>
           </a:p>
@@ -2616,7 +2768,6 @@
           <a:p>
             <a:fld id="{8ADED938-D10C-4E5A-A481-CD33C95F8A3A}" type="slidenum">
               <a:rPr lang="zh-CN" altLang="en-US" smtClean="0"/>
-              <a:t>‹#›</a:t>
             </a:fld>
             <a:endParaRPr lang="zh-CN" altLang="en-US"/>
           </a:p>
@@ -2805,6 +2956,12 @@
               </a:rPr>
               <a:t>PART</a:t>
             </a:r>
+            <a:endParaRPr lang="zh-CN" altLang="en-US" sz="2400" dirty="0">
+              <a:solidFill>
+                <a:srgbClr val="0043CF"/>
+              </a:solidFill>
+              <a:ea typeface="微软雅黑" panose="020B0503020204020204" pitchFamily="34" charset="-122"/>
+            </a:endParaRPr>
           </a:p>
         </p:txBody>
       </p:sp>
@@ -2941,7 +3098,6 @@
           <a:p>
             <a:fld id="{9EDB1C25-004A-40D2-A7AF-2B6BCCF2FAE3}" type="datetimeFigureOut">
               <a:rPr lang="zh-CN" altLang="en-US" smtClean="0"/>
-              <a:t>2019/11/9</a:t>
             </a:fld>
             <a:endParaRPr lang="zh-CN" altLang="en-US"/>
           </a:p>
@@ -2999,7 +3155,6 @@
           <a:p>
             <a:fld id="{8ADED938-D10C-4E5A-A481-CD33C95F8A3A}" type="slidenum">
               <a:rPr lang="zh-CN" altLang="en-US" smtClean="0"/>
-              <a:t>‹#›</a:t>
             </a:fld>
             <a:endParaRPr lang="zh-CN" altLang="en-US"/>
           </a:p>
@@ -3055,7 +3210,6 @@
           <a:p>
             <a:fld id="{9EDB1C25-004A-40D2-A7AF-2B6BCCF2FAE3}" type="datetimeFigureOut">
               <a:rPr lang="zh-CN" altLang="en-US" smtClean="0"/>
-              <a:t>2019/11/9</a:t>
             </a:fld>
             <a:endParaRPr lang="zh-CN" altLang="en-US"/>
           </a:p>
@@ -3113,7 +3267,6 @@
           <a:p>
             <a:fld id="{8ADED938-D10C-4E5A-A481-CD33C95F8A3A}" type="slidenum">
               <a:rPr lang="zh-CN" altLang="en-US" smtClean="0"/>
-              <a:t>‹#›</a:t>
             </a:fld>
             <a:endParaRPr lang="zh-CN" altLang="en-US"/>
           </a:p>
@@ -3169,7 +3322,6 @@
           <a:p>
             <a:fld id="{9EDB1C25-004A-40D2-A7AF-2B6BCCF2FAE3}" type="datetimeFigureOut">
               <a:rPr lang="zh-CN" altLang="en-US" smtClean="0"/>
-              <a:t>2019/11/9</a:t>
             </a:fld>
             <a:endParaRPr lang="zh-CN" altLang="en-US"/>
           </a:p>
@@ -3227,7 +3379,6 @@
           <a:p>
             <a:fld id="{8ADED938-D10C-4E5A-A481-CD33C95F8A3A}" type="slidenum">
               <a:rPr lang="zh-CN" altLang="en-US" smtClean="0"/>
-              <a:t>‹#›</a:t>
             </a:fld>
             <a:endParaRPr lang="zh-CN" altLang="en-US"/>
           </a:p>
@@ -3283,7 +3434,6 @@
           <a:p>
             <a:fld id="{9EDB1C25-004A-40D2-A7AF-2B6BCCF2FAE3}" type="datetimeFigureOut">
               <a:rPr lang="zh-CN" altLang="en-US" smtClean="0"/>
-              <a:t>2019/11/9</a:t>
             </a:fld>
             <a:endParaRPr lang="zh-CN" altLang="en-US"/>
           </a:p>
@@ -3341,7 +3491,6 @@
           <a:p>
             <a:fld id="{8ADED938-D10C-4E5A-A481-CD33C95F8A3A}" type="slidenum">
               <a:rPr lang="zh-CN" altLang="en-US" smtClean="0"/>
-              <a:t>‹#›</a:t>
             </a:fld>
             <a:endParaRPr lang="zh-CN" altLang="en-US"/>
           </a:p>
@@ -3530,6 +3679,12 @@
               </a:rPr>
               <a:t>PART</a:t>
             </a:r>
+            <a:endParaRPr lang="zh-CN" altLang="en-US" sz="2400" dirty="0">
+              <a:solidFill>
+                <a:srgbClr val="0043CF"/>
+              </a:solidFill>
+              <a:ea typeface="微软雅黑" panose="020B0503020204020204" pitchFamily="34" charset="-122"/>
+            </a:endParaRPr>
           </a:p>
         </p:txBody>
       </p:sp>
@@ -3666,7 +3821,6 @@
           <a:p>
             <a:fld id="{9EDB1C25-004A-40D2-A7AF-2B6BCCF2FAE3}" type="datetimeFigureOut">
               <a:rPr lang="zh-CN" altLang="en-US" smtClean="0"/>
-              <a:t>2019/11/9</a:t>
             </a:fld>
             <a:endParaRPr lang="zh-CN" altLang="en-US"/>
           </a:p>
@@ -3724,7 +3878,6 @@
           <a:p>
             <a:fld id="{8ADED938-D10C-4E5A-A481-CD33C95F8A3A}" type="slidenum">
               <a:rPr lang="zh-CN" altLang="en-US" smtClean="0"/>
-              <a:t>‹#›</a:t>
             </a:fld>
             <a:endParaRPr lang="zh-CN" altLang="en-US"/>
           </a:p>
@@ -3780,7 +3933,6 @@
           <a:p>
             <a:fld id="{9EDB1C25-004A-40D2-A7AF-2B6BCCF2FAE3}" type="datetimeFigureOut">
               <a:rPr lang="zh-CN" altLang="en-US" smtClean="0"/>
-              <a:t>2019/11/9</a:t>
             </a:fld>
             <a:endParaRPr lang="zh-CN" altLang="en-US"/>
           </a:p>
@@ -3838,7 +3990,6 @@
           <a:p>
             <a:fld id="{8ADED938-D10C-4E5A-A481-CD33C95F8A3A}" type="slidenum">
               <a:rPr lang="zh-CN" altLang="en-US" smtClean="0"/>
-              <a:t>‹#›</a:t>
             </a:fld>
             <a:endParaRPr lang="zh-CN" altLang="en-US"/>
           </a:p>
@@ -3894,7 +4045,6 @@
           <a:p>
             <a:fld id="{9EDB1C25-004A-40D2-A7AF-2B6BCCF2FAE3}" type="datetimeFigureOut">
               <a:rPr lang="zh-CN" altLang="en-US" smtClean="0"/>
-              <a:t>2019/11/9</a:t>
             </a:fld>
             <a:endParaRPr lang="zh-CN" altLang="en-US"/>
           </a:p>
@@ -3952,7 +4102,6 @@
           <a:p>
             <a:fld id="{8ADED938-D10C-4E5A-A481-CD33C95F8A3A}" type="slidenum">
               <a:rPr lang="zh-CN" altLang="en-US" smtClean="0"/>
-              <a:t>‹#›</a:t>
             </a:fld>
             <a:endParaRPr lang="zh-CN" altLang="en-US"/>
           </a:p>
@@ -4008,7 +4157,6 @@
           <a:p>
             <a:fld id="{9EDB1C25-004A-40D2-A7AF-2B6BCCF2FAE3}" type="datetimeFigureOut">
               <a:rPr lang="zh-CN" altLang="en-US" smtClean="0"/>
-              <a:t>2019/11/9</a:t>
             </a:fld>
             <a:endParaRPr lang="zh-CN" altLang="en-US"/>
           </a:p>
@@ -4066,7 +4214,6 @@
           <a:p>
             <a:fld id="{8ADED938-D10C-4E5A-A481-CD33C95F8A3A}" type="slidenum">
               <a:rPr lang="zh-CN" altLang="en-US" smtClean="0"/>
-              <a:t>‹#›</a:t>
             </a:fld>
             <a:endParaRPr lang="zh-CN" altLang="en-US"/>
           </a:p>
@@ -4122,7 +4269,6 @@
           <a:p>
             <a:fld id="{9EDB1C25-004A-40D2-A7AF-2B6BCCF2FAE3}" type="datetimeFigureOut">
               <a:rPr lang="zh-CN" altLang="en-US" smtClean="0"/>
-              <a:t>2019/11/9</a:t>
             </a:fld>
             <a:endParaRPr lang="zh-CN" altLang="en-US"/>
           </a:p>
@@ -4180,7 +4326,6 @@
           <a:p>
             <a:fld id="{8ADED938-D10C-4E5A-A481-CD33C95F8A3A}" type="slidenum">
               <a:rPr lang="zh-CN" altLang="en-US" smtClean="0"/>
-              <a:t>‹#›</a:t>
             </a:fld>
             <a:endParaRPr lang="zh-CN" altLang="en-US"/>
           </a:p>
@@ -4236,7 +4381,6 @@
           <a:p>
             <a:fld id="{9EDB1C25-004A-40D2-A7AF-2B6BCCF2FAE3}" type="datetimeFigureOut">
               <a:rPr lang="zh-CN" altLang="en-US" smtClean="0"/>
-              <a:t>2019/11/9</a:t>
             </a:fld>
             <a:endParaRPr lang="zh-CN" altLang="en-US"/>
           </a:p>
@@ -4294,7 +4438,6 @@
           <a:p>
             <a:fld id="{8ADED938-D10C-4E5A-A481-CD33C95F8A3A}" type="slidenum">
               <a:rPr lang="zh-CN" altLang="en-US" smtClean="0"/>
-              <a:t>‹#›</a:t>
             </a:fld>
             <a:endParaRPr lang="zh-CN" altLang="en-US"/>
           </a:p>
@@ -4350,7 +4493,6 @@
           <a:p>
             <a:fld id="{9EDB1C25-004A-40D2-A7AF-2B6BCCF2FAE3}" type="datetimeFigureOut">
               <a:rPr lang="zh-CN" altLang="en-US" smtClean="0"/>
-              <a:t>2019/11/9</a:t>
             </a:fld>
             <a:endParaRPr lang="zh-CN" altLang="en-US"/>
           </a:p>
@@ -4408,7 +4550,6 @@
           <a:p>
             <a:fld id="{8ADED938-D10C-4E5A-A481-CD33C95F8A3A}" type="slidenum">
               <a:rPr lang="zh-CN" altLang="en-US" smtClean="0"/>
-              <a:t>‹#›</a:t>
             </a:fld>
             <a:endParaRPr lang="zh-CN" altLang="en-US"/>
           </a:p>
@@ -4469,7 +4610,6 @@
           <a:p>
             <a:fld id="{9EDB1C25-004A-40D2-A7AF-2B6BCCF2FAE3}" type="datetimeFigureOut">
               <a:rPr lang="zh-CN" altLang="en-US" smtClean="0"/>
-              <a:t>2019/11/9</a:t>
             </a:fld>
             <a:endParaRPr lang="zh-CN" altLang="en-US"/>
           </a:p>
@@ -4527,7 +4667,6 @@
           <a:p>
             <a:fld id="{8ADED938-D10C-4E5A-A481-CD33C95F8A3A}" type="slidenum">
               <a:rPr lang="zh-CN" altLang="en-US" smtClean="0"/>
-              <a:t>‹#›</a:t>
             </a:fld>
             <a:endParaRPr lang="zh-CN" altLang="en-US"/>
           </a:p>
@@ -4542,11 +4681,11 @@
           <p:nvPr userDrawn="1"/>
         </p:nvPicPr>
         <p:blipFill rotWithShape="1">
-          <a:blip r:embed="rId14" cstate="print">
+          <a:blip r:embed="rId13" cstate="print">
             <a:extLst>
               <a:ext uri="{BEBA8EAE-BF5A-486C-A8C5-ECC9F3942E4B}">
                 <a14:imgProps xmlns:a14="http://schemas.microsoft.com/office/drawing/2010/main">
-                  <a14:imgLayer r:embed="rId15">
+                  <a14:imgLayer r:embed="rId14">
                     <a14:imgEffect>
                       <a14:saturation sat="400000"/>
                     </a14:imgEffect>
@@ -4716,6 +4855,12 @@
               </a:rPr>
               <a:t>PART</a:t>
             </a:r>
+            <a:endParaRPr lang="zh-CN" altLang="en-US" sz="2400" dirty="0">
+              <a:solidFill>
+                <a:srgbClr val="0043CF"/>
+              </a:solidFill>
+              <a:ea typeface="微软雅黑" panose="020B0503020204020204" pitchFamily="34" charset="-122"/>
+            </a:endParaRPr>
           </a:p>
         </p:txBody>
       </p:sp>
@@ -4847,7 +4992,7 @@
         <a:spcBef>
           <a:spcPts val="1000"/>
         </a:spcBef>
-        <a:buFont typeface="Arial" panose="020B0604020202020204" pitchFamily="34" charset="0"/>
+        <a:buFont typeface="Arial" panose="020B0604020202090204" pitchFamily="34" charset="0"/>
         <a:buChar char="•"/>
         <a:defRPr sz="2800" kern="1200">
           <a:solidFill>
@@ -4865,7 +5010,7 @@
         <a:spcBef>
           <a:spcPts val="500"/>
         </a:spcBef>
-        <a:buFont typeface="Arial" panose="020B0604020202020204" pitchFamily="34" charset="0"/>
+        <a:buFont typeface="Arial" panose="020B0604020202090204" pitchFamily="34" charset="0"/>
         <a:buChar char="•"/>
         <a:defRPr sz="2400" kern="1200">
           <a:solidFill>
@@ -4883,7 +5028,7 @@
         <a:spcBef>
           <a:spcPts val="500"/>
         </a:spcBef>
-        <a:buFont typeface="Arial" panose="020B0604020202020204" pitchFamily="34" charset="0"/>
+        <a:buFont typeface="Arial" panose="020B0604020202090204" pitchFamily="34" charset="0"/>
         <a:buChar char="•"/>
         <a:defRPr sz="2000" kern="1200">
           <a:solidFill>
@@ -4901,7 +5046,7 @@
         <a:spcBef>
           <a:spcPts val="500"/>
         </a:spcBef>
-        <a:buFont typeface="Arial" panose="020B0604020202020204" pitchFamily="34" charset="0"/>
+        <a:buFont typeface="Arial" panose="020B0604020202090204" pitchFamily="34" charset="0"/>
         <a:buChar char="•"/>
         <a:defRPr sz="1800" kern="1200">
           <a:solidFill>
@@ -4919,7 +5064,7 @@
         <a:spcBef>
           <a:spcPts val="500"/>
         </a:spcBef>
-        <a:buFont typeface="Arial" panose="020B0604020202020204" pitchFamily="34" charset="0"/>
+        <a:buFont typeface="Arial" panose="020B0604020202090204" pitchFamily="34" charset="0"/>
         <a:buChar char="•"/>
         <a:defRPr sz="1800" kern="1200">
           <a:solidFill>
@@ -4937,7 +5082,7 @@
         <a:spcBef>
           <a:spcPts val="500"/>
         </a:spcBef>
-        <a:buFont typeface="Arial" panose="020B0604020202020204" pitchFamily="34" charset="0"/>
+        <a:buFont typeface="Arial" panose="020B0604020202090204" pitchFamily="34" charset="0"/>
         <a:buChar char="•"/>
         <a:defRPr sz="1800" kern="1200">
           <a:solidFill>
@@ -4955,7 +5100,7 @@
         <a:spcBef>
           <a:spcPts val="500"/>
         </a:spcBef>
-        <a:buFont typeface="Arial" panose="020B0604020202020204" pitchFamily="34" charset="0"/>
+        <a:buFont typeface="Arial" panose="020B0604020202090204" pitchFamily="34" charset="0"/>
         <a:buChar char="•"/>
         <a:defRPr sz="1800" kern="1200">
           <a:solidFill>
@@ -4973,7 +5118,7 @@
         <a:spcBef>
           <a:spcPts val="500"/>
         </a:spcBef>
-        <a:buFont typeface="Arial" panose="020B0604020202020204" pitchFamily="34" charset="0"/>
+        <a:buFont typeface="Arial" panose="020B0604020202090204" pitchFamily="34" charset="0"/>
         <a:buChar char="•"/>
         <a:defRPr sz="1800" kern="1200">
           <a:solidFill>
@@ -4991,7 +5136,7 @@
         <a:spcBef>
           <a:spcPts val="500"/>
         </a:spcBef>
-        <a:buFont typeface="Arial" panose="020B0604020202020204" pitchFamily="34" charset="0"/>
+        <a:buFont typeface="Arial" panose="020B0604020202090204" pitchFamily="34" charset="0"/>
         <a:buChar char="•"/>
         <a:defRPr sz="1800" kern="1200">
           <a:solidFill>
@@ -5136,7 +5281,7 @@
           <p:nvPr/>
         </p:nvPicPr>
         <p:blipFill rotWithShape="1">
-          <a:blip r:embed="rId3" cstate="print">
+          <a:blip r:embed="rId1" cstate="print">
             <a:extLst>
               <a:ext uri="{28A0092B-C50C-407E-A947-70E740481C1C}">
                 <a14:useLocalDpi xmlns:a14="http://schemas.microsoft.com/office/drawing/2010/main" val="0"/>
@@ -5201,6 +5346,13 @@
               </a:rPr>
               <a:t>分享</a:t>
             </a:r>
+            <a:endParaRPr lang="zh-CN" altLang="en-US" sz="6600" b="1" dirty="0">
+              <a:solidFill>
+                <a:schemeClr val="bg1"/>
+              </a:solidFill>
+              <a:latin typeface="微软雅黑" panose="020B0503020204020204" pitchFamily="34" charset="-122"/>
+              <a:ea typeface="微软雅黑" panose="020B0503020204020204" pitchFamily="34" charset="-122"/>
+            </a:endParaRPr>
           </a:p>
         </p:txBody>
       </p:sp>
@@ -5236,6 +5388,13 @@
               </a:rPr>
               <a:t>浙江邦盛科技有限公司</a:t>
             </a:r>
+            <a:endParaRPr lang="zh-CN" altLang="en-US" b="1" dirty="0">
+              <a:solidFill>
+                <a:schemeClr val="bg1"/>
+              </a:solidFill>
+              <a:latin typeface="微软雅黑" panose="020B0503020204020204" pitchFamily="34" charset="-122"/>
+              <a:ea typeface="微软雅黑" panose="020B0503020204020204" pitchFamily="34" charset="-122"/>
+            </a:endParaRPr>
           </a:p>
         </p:txBody>
       </p:sp>
@@ -5329,6 +5488,13 @@
                 </a:rPr>
                 <a:t>2019.10.23</a:t>
               </a:r>
+              <a:endParaRPr lang="en-US" altLang="zh-CN" sz="1600" dirty="0">
+                <a:solidFill>
+                  <a:schemeClr val="bg1"/>
+                </a:solidFill>
+                <a:latin typeface="微软雅黑" panose="020B0503020204020204" pitchFamily="34" charset="-122"/>
+                <a:ea typeface="微软雅黑" panose="020B0503020204020204" pitchFamily="34" charset="-122"/>
+              </a:endParaRPr>
             </a:p>
           </p:txBody>
         </p:sp>
@@ -5360,13 +5526,7 @@
       </p:grpSpPr>
       <p:sp>
         <p:nvSpPr>
-          <p:cNvPr id="4" name="文本框 3">
-            <a:extLst>
-              <a:ext uri="{FF2B5EF4-FFF2-40B4-BE49-F238E27FC236}">
-                <a16:creationId xmlns:a16="http://schemas.microsoft.com/office/drawing/2014/main" id="{82D3865C-9A98-4B46-A8E4-132C992C0BC9}"/>
-              </a:ext>
-            </a:extLst>
-          </p:cNvPr>
+          <p:cNvPr id="4" name="文本框 3"/>
           <p:cNvSpPr txBox="1"/>
           <p:nvPr/>
         </p:nvSpPr>
@@ -5397,18 +5557,20 @@
               </a:rPr>
               <a:t>07</a:t>
             </a:r>
-          </a:p>
-        </p:txBody>
-      </p:sp>
-      <p:sp>
-        <p:nvSpPr>
-          <p:cNvPr id="5" name="矩形 4">
-            <a:extLst>
-              <a:ext uri="{FF2B5EF4-FFF2-40B4-BE49-F238E27FC236}">
-                <a16:creationId xmlns:a16="http://schemas.microsoft.com/office/drawing/2014/main" id="{894DE119-166A-714F-8FA7-0381C02A658D}"/>
-              </a:ext>
-            </a:extLst>
-          </p:cNvPr>
+            <a:endParaRPr lang="en-US" altLang="zh-CN" b="1" dirty="0">
+              <a:solidFill>
+                <a:schemeClr val="bg1"/>
+              </a:solidFill>
+              <a:latin typeface="微软雅黑" panose="020B0503020204020204" pitchFamily="34" charset="-122"/>
+              <a:ea typeface="微软雅黑" panose="020B0503020204020204" pitchFamily="34" charset="-122"/>
+              <a:sym typeface="+mn-ea"/>
+            </a:endParaRPr>
+          </a:p>
+        </p:txBody>
+      </p:sp>
+      <p:sp>
+        <p:nvSpPr>
+          <p:cNvPr id="5" name="矩形 4"/>
           <p:cNvSpPr/>
           <p:nvPr/>
         </p:nvSpPr>
@@ -5462,7 +5624,7 @@
               <a:lnSpc>
                 <a:spcPct val="150000"/>
               </a:lnSpc>
-              <a:buFont typeface="Arial" panose="020B0604020202020204" pitchFamily="34" charset="0"/>
+              <a:buFont typeface="Arial" panose="020B0604020202090204" pitchFamily="34" charset="0"/>
               <a:buChar char="•"/>
             </a:pPr>
             <a:r>
@@ -5486,7 +5648,7 @@
               <a:lnSpc>
                 <a:spcPct val="150000"/>
               </a:lnSpc>
-              <a:buFont typeface="Arial" panose="020B0604020202020204" pitchFamily="34" charset="0"/>
+              <a:buFont typeface="Arial" panose="020B0604020202090204" pitchFamily="34" charset="0"/>
               <a:buChar char="•"/>
             </a:pPr>
             <a:r>
@@ -5510,7 +5672,7 @@
               <a:lnSpc>
                 <a:spcPct val="150000"/>
               </a:lnSpc>
-              <a:buFont typeface="Arial" panose="020B0604020202020204" pitchFamily="34" charset="0"/>
+              <a:buFont typeface="Arial" panose="020B0604020202090204" pitchFamily="34" charset="0"/>
               <a:buChar char="•"/>
             </a:pPr>
             <a:r>
@@ -5534,7 +5696,7 @@
               <a:lnSpc>
                 <a:spcPct val="150000"/>
               </a:lnSpc>
-              <a:buFont typeface="Arial" panose="020B0604020202020204" pitchFamily="34" charset="0"/>
+              <a:buFont typeface="Arial" panose="020B0604020202090204" pitchFamily="34" charset="0"/>
               <a:buChar char="•"/>
             </a:pPr>
             <a:r>
@@ -5557,13 +5719,7 @@
       </p:sp>
       <p:sp>
         <p:nvSpPr>
-          <p:cNvPr id="6" name="文本框 5">
-            <a:extLst>
-              <a:ext uri="{FF2B5EF4-FFF2-40B4-BE49-F238E27FC236}">
-                <a16:creationId xmlns:a16="http://schemas.microsoft.com/office/drawing/2014/main" id="{B2E51DE0-023B-441B-B9F5-D129432DD7D3}"/>
-              </a:ext>
-            </a:extLst>
-          </p:cNvPr>
+          <p:cNvPr id="6" name="文本框 5"/>
           <p:cNvSpPr txBox="1"/>
           <p:nvPr/>
         </p:nvSpPr>
@@ -5589,20 +5745,14 @@
       </p:sp>
       <p:pic>
         <p:nvPicPr>
-          <p:cNvPr id="7" name="图片 6">
-            <a:extLst>
-              <a:ext uri="{FF2B5EF4-FFF2-40B4-BE49-F238E27FC236}">
-                <a16:creationId xmlns:a16="http://schemas.microsoft.com/office/drawing/2014/main" id="{CA65E0BB-B6DD-4F67-BC3F-35160C67C79B}"/>
-              </a:ext>
-            </a:extLst>
-          </p:cNvPr>
+          <p:cNvPr id="7" name="图片 6"/>
           <p:cNvPicPr>
             <a:picLocks noChangeAspect="1"/>
           </p:cNvPicPr>
           <p:nvPr/>
         </p:nvPicPr>
         <p:blipFill>
-          <a:blip r:embed="rId3"/>
+          <a:blip r:embed="rId1"/>
           <a:stretch>
             <a:fillRect/>
           </a:stretch>
@@ -5618,11 +5768,6 @@
         </p:spPr>
       </p:pic>
     </p:spTree>
-    <p:extLst>
-      <p:ext uri="{BB962C8B-B14F-4D97-AF65-F5344CB8AC3E}">
-        <p14:creationId xmlns:p14="http://schemas.microsoft.com/office/powerpoint/2010/main" val="1434963312"/>
-      </p:ext>
-    </p:extLst>
   </p:cSld>
   <p:clrMapOvr>
     <a:masterClrMapping/>
@@ -5778,13 +5923,7 @@
       </p:grpSpPr>
       <p:sp>
         <p:nvSpPr>
-          <p:cNvPr id="4" name="文本框 3">
-            <a:extLst>
-              <a:ext uri="{FF2B5EF4-FFF2-40B4-BE49-F238E27FC236}">
-                <a16:creationId xmlns:a16="http://schemas.microsoft.com/office/drawing/2014/main" id="{82D3865C-9A98-4B46-A8E4-132C992C0BC9}"/>
-              </a:ext>
-            </a:extLst>
-          </p:cNvPr>
+          <p:cNvPr id="4" name="文本框 3"/>
           <p:cNvSpPr txBox="1"/>
           <p:nvPr/>
         </p:nvSpPr>
@@ -5815,18 +5954,20 @@
               </a:rPr>
               <a:t>08</a:t>
             </a:r>
-          </a:p>
-        </p:txBody>
-      </p:sp>
-      <p:sp>
-        <p:nvSpPr>
-          <p:cNvPr id="5" name="矩形 4">
-            <a:extLst>
-              <a:ext uri="{FF2B5EF4-FFF2-40B4-BE49-F238E27FC236}">
-                <a16:creationId xmlns:a16="http://schemas.microsoft.com/office/drawing/2014/main" id="{894DE119-166A-714F-8FA7-0381C02A658D}"/>
-              </a:ext>
-            </a:extLst>
-          </p:cNvPr>
+            <a:endParaRPr lang="en-US" altLang="zh-CN" b="1" dirty="0">
+              <a:solidFill>
+                <a:schemeClr val="bg1"/>
+              </a:solidFill>
+              <a:latin typeface="微软雅黑" panose="020B0503020204020204" pitchFamily="34" charset="-122"/>
+              <a:ea typeface="微软雅黑" panose="020B0503020204020204" pitchFamily="34" charset="-122"/>
+              <a:sym typeface="+mn-ea"/>
+            </a:endParaRPr>
+          </a:p>
+        </p:txBody>
+      </p:sp>
+      <p:sp>
+        <p:nvSpPr>
+          <p:cNvPr id="5" name="矩形 4"/>
           <p:cNvSpPr/>
           <p:nvPr/>
         </p:nvSpPr>
@@ -5879,13 +6020,7 @@
       </p:sp>
       <p:sp>
         <p:nvSpPr>
-          <p:cNvPr id="6" name="文本框 5">
-            <a:extLst>
-              <a:ext uri="{FF2B5EF4-FFF2-40B4-BE49-F238E27FC236}">
-                <a16:creationId xmlns:a16="http://schemas.microsoft.com/office/drawing/2014/main" id="{B2E51DE0-023B-441B-B9F5-D129432DD7D3}"/>
-              </a:ext>
-            </a:extLst>
-          </p:cNvPr>
+          <p:cNvPr id="6" name="文本框 5"/>
           <p:cNvSpPr txBox="1"/>
           <p:nvPr/>
         </p:nvSpPr>
@@ -5911,13 +6046,7 @@
       </p:sp>
       <p:sp>
         <p:nvSpPr>
-          <p:cNvPr id="2" name="矩形 1">
-            <a:extLst>
-              <a:ext uri="{FF2B5EF4-FFF2-40B4-BE49-F238E27FC236}">
-                <a16:creationId xmlns:a16="http://schemas.microsoft.com/office/drawing/2014/main" id="{2009590B-F9D0-454E-9B33-8FC163AD4CCA}"/>
-              </a:ext>
-            </a:extLst>
-          </p:cNvPr>
+          <p:cNvPr id="2" name="矩形 1"/>
           <p:cNvSpPr/>
           <p:nvPr/>
         </p:nvSpPr>
@@ -5965,20 +6094,14 @@
       </p:sp>
       <p:pic>
         <p:nvPicPr>
-          <p:cNvPr id="9" name="图片 8">
-            <a:extLst>
-              <a:ext uri="{FF2B5EF4-FFF2-40B4-BE49-F238E27FC236}">
-                <a16:creationId xmlns:a16="http://schemas.microsoft.com/office/drawing/2014/main" id="{BDA5058E-B2FC-4748-B87A-D8AFB083B217}"/>
-              </a:ext>
-            </a:extLst>
-          </p:cNvPr>
+          <p:cNvPr id="9" name="图片 8"/>
           <p:cNvPicPr>
             <a:picLocks noChangeAspect="1"/>
           </p:cNvPicPr>
           <p:nvPr/>
         </p:nvPicPr>
         <p:blipFill>
-          <a:blip r:embed="rId3"/>
+          <a:blip r:embed="rId1"/>
           <a:stretch>
             <a:fillRect/>
           </a:stretch>
@@ -5994,11 +6117,6 @@
         </p:spPr>
       </p:pic>
     </p:spTree>
-    <p:extLst>
-      <p:ext uri="{BB962C8B-B14F-4D97-AF65-F5344CB8AC3E}">
-        <p14:creationId xmlns:p14="http://schemas.microsoft.com/office/powerpoint/2010/main" val="1461488223"/>
-      </p:ext>
-    </p:extLst>
   </p:cSld>
   <p:clrMapOvr>
     <a:masterClrMapping/>
@@ -6025,13 +6143,7 @@
       </p:grpSpPr>
       <p:sp>
         <p:nvSpPr>
-          <p:cNvPr id="4" name="文本框 3">
-            <a:extLst>
-              <a:ext uri="{FF2B5EF4-FFF2-40B4-BE49-F238E27FC236}">
-                <a16:creationId xmlns:a16="http://schemas.microsoft.com/office/drawing/2014/main" id="{82D3865C-9A98-4B46-A8E4-132C992C0BC9}"/>
-              </a:ext>
-            </a:extLst>
-          </p:cNvPr>
+          <p:cNvPr id="4" name="文本框 3"/>
           <p:cNvSpPr txBox="1"/>
           <p:nvPr/>
         </p:nvSpPr>
@@ -6062,18 +6174,20 @@
               </a:rPr>
               <a:t>09</a:t>
             </a:r>
-          </a:p>
-        </p:txBody>
-      </p:sp>
-      <p:sp>
-        <p:nvSpPr>
-          <p:cNvPr id="5" name="矩形 4">
-            <a:extLst>
-              <a:ext uri="{FF2B5EF4-FFF2-40B4-BE49-F238E27FC236}">
-                <a16:creationId xmlns:a16="http://schemas.microsoft.com/office/drawing/2014/main" id="{894DE119-166A-714F-8FA7-0381C02A658D}"/>
-              </a:ext>
-            </a:extLst>
-          </p:cNvPr>
+            <a:endParaRPr lang="en-US" altLang="zh-CN" b="1" dirty="0">
+              <a:solidFill>
+                <a:schemeClr val="bg1"/>
+              </a:solidFill>
+              <a:latin typeface="微软雅黑" panose="020B0503020204020204" pitchFamily="34" charset="-122"/>
+              <a:ea typeface="微软雅黑" panose="020B0503020204020204" pitchFamily="34" charset="-122"/>
+              <a:sym typeface="+mn-ea"/>
+            </a:endParaRPr>
+          </a:p>
+        </p:txBody>
+      </p:sp>
+      <p:sp>
+        <p:nvSpPr>
+          <p:cNvPr id="5" name="矩形 4"/>
           <p:cNvSpPr/>
           <p:nvPr/>
         </p:nvSpPr>
@@ -6117,13 +6231,7 @@
       </p:sp>
       <p:sp>
         <p:nvSpPr>
-          <p:cNvPr id="6" name="文本框 5">
-            <a:extLst>
-              <a:ext uri="{FF2B5EF4-FFF2-40B4-BE49-F238E27FC236}">
-                <a16:creationId xmlns:a16="http://schemas.microsoft.com/office/drawing/2014/main" id="{B2E51DE0-023B-441B-B9F5-D129432DD7D3}"/>
-              </a:ext>
-            </a:extLst>
-          </p:cNvPr>
+          <p:cNvPr id="6" name="文本框 5"/>
           <p:cNvSpPr txBox="1"/>
           <p:nvPr/>
         </p:nvSpPr>
@@ -6149,13 +6257,7 @@
       </p:sp>
       <p:sp>
         <p:nvSpPr>
-          <p:cNvPr id="2" name="矩形 1">
-            <a:extLst>
-              <a:ext uri="{FF2B5EF4-FFF2-40B4-BE49-F238E27FC236}">
-                <a16:creationId xmlns:a16="http://schemas.microsoft.com/office/drawing/2014/main" id="{436A4ADC-C1B7-496B-9E94-F4F1B12DEAEC}"/>
-              </a:ext>
-            </a:extLst>
-          </p:cNvPr>
+          <p:cNvPr id="2" name="矩形 1"/>
           <p:cNvSpPr/>
           <p:nvPr/>
         </p:nvSpPr>
@@ -6227,13 +6329,16 @@
               </a:rPr>
               <a:t>系列里的表可支持副本：</a:t>
             </a:r>
+            <a:endParaRPr lang="zh-CN" altLang="en-US" dirty="0">
+              <a:latin typeface="Yandex Sans Text Web"/>
+            </a:endParaRPr>
           </a:p>
           <a:p>
             <a:pPr marL="285750" indent="-285750">
               <a:lnSpc>
                 <a:spcPct val="150000"/>
               </a:lnSpc>
-              <a:buFont typeface="Arial" panose="020B0604020202020204" pitchFamily="34" charset="0"/>
+              <a:buFont typeface="Arial" panose="020B0604020202090204" pitchFamily="34" charset="0"/>
               <a:buChar char="•"/>
             </a:pPr>
             <a:r>
@@ -6251,7 +6356,7 @@
               <a:lnSpc>
                 <a:spcPct val="150000"/>
               </a:lnSpc>
-              <a:buFont typeface="Arial" panose="020B0604020202020204" pitchFamily="34" charset="0"/>
+              <a:buFont typeface="Arial" panose="020B0604020202090204" pitchFamily="34" charset="0"/>
               <a:buChar char="•"/>
             </a:pPr>
             <a:r>
@@ -6269,7 +6374,7 @@
               <a:lnSpc>
                 <a:spcPct val="150000"/>
               </a:lnSpc>
-              <a:buFont typeface="Arial" panose="020B0604020202020204" pitchFamily="34" charset="0"/>
+              <a:buFont typeface="Arial" panose="020B0604020202090204" pitchFamily="34" charset="0"/>
               <a:buChar char="•"/>
             </a:pPr>
             <a:r>
@@ -6287,7 +6392,7 @@
               <a:lnSpc>
                 <a:spcPct val="150000"/>
               </a:lnSpc>
-              <a:buFont typeface="Arial" panose="020B0604020202020204" pitchFamily="34" charset="0"/>
+              <a:buFont typeface="Arial" panose="020B0604020202090204" pitchFamily="34" charset="0"/>
               <a:buChar char="•"/>
             </a:pPr>
             <a:r>
@@ -6305,7 +6410,7 @@
               <a:lnSpc>
                 <a:spcPct val="150000"/>
               </a:lnSpc>
-              <a:buFont typeface="Arial" panose="020B0604020202020204" pitchFamily="34" charset="0"/>
+              <a:buFont typeface="Arial" panose="020B0604020202090204" pitchFamily="34" charset="0"/>
               <a:buChar char="•"/>
             </a:pPr>
             <a:r>
@@ -6323,7 +6428,7 @@
               <a:lnSpc>
                 <a:spcPct val="150000"/>
               </a:lnSpc>
-              <a:buFont typeface="Arial" panose="020B0604020202020204" pitchFamily="34" charset="0"/>
+              <a:buFont typeface="Arial" panose="020B0604020202090204" pitchFamily="34" charset="0"/>
               <a:buChar char="•"/>
             </a:pPr>
             <a:r>
@@ -6341,7 +6446,7 @@
               <a:lnSpc>
                 <a:spcPct val="150000"/>
               </a:lnSpc>
-              <a:buFont typeface="Arial" panose="020B0604020202020204" pitchFamily="34" charset="0"/>
+              <a:buFont typeface="Arial" panose="020B0604020202090204" pitchFamily="34" charset="0"/>
               <a:buChar char="•"/>
             </a:pPr>
             <a:r>
@@ -6357,16 +6462,156 @@
           </a:p>
         </p:txBody>
       </p:sp>
+      <p:pic>
+        <p:nvPicPr>
+          <p:cNvPr id="7" name="图片 6"/>
+          <p:cNvPicPr>
+            <a:picLocks noChangeAspect="1"/>
+          </p:cNvPicPr>
+          <p:nvPr/>
+        </p:nvPicPr>
+        <p:blipFill>
+          <a:blip r:embed="rId1"/>
+          <a:stretch>
+            <a:fillRect/>
+          </a:stretch>
+        </p:blipFill>
+        <p:spPr>
+          <a:xfrm>
+            <a:off x="2755696" y="2494073"/>
+            <a:ext cx="9074152" cy="2087055"/>
+          </a:xfrm>
+          <a:prstGeom prst="rect">
+            <a:avLst/>
+          </a:prstGeom>
+        </p:spPr>
+      </p:pic>
     </p:spTree>
-    <p:extLst>
-      <p:ext uri="{BB962C8B-B14F-4D97-AF65-F5344CB8AC3E}">
-        <p14:creationId xmlns:p14="http://schemas.microsoft.com/office/powerpoint/2010/main" val="578461153"/>
-      </p:ext>
-    </p:extLst>
   </p:cSld>
   <p:clrMapOvr>
     <a:masterClrMapping/>
   </p:clrMapOvr>
+  <p:timing>
+    <p:tnLst>
+      <p:par>
+        <p:cTn id="1" dur="indefinite" restart="never" nodeType="tmRoot">
+          <p:childTnLst>
+            <p:seq concurrent="1" nextAc="seek">
+              <p:cTn id="2" dur="indefinite" nodeType="mainSeq">
+                <p:childTnLst>
+                  <p:par>
+                    <p:cTn id="3" fill="hold">
+                      <p:stCondLst>
+                        <p:cond delay="indefinite"/>
+                      </p:stCondLst>
+                      <p:childTnLst>
+                        <p:par>
+                          <p:cTn id="4" fill="hold">
+                            <p:stCondLst>
+                              <p:cond delay="0"/>
+                            </p:stCondLst>
+                            <p:childTnLst>
+                              <p:par>
+                                <p:cTn id="5" presetID="2" presetClass="entr" presetSubtype="4" fill="hold" nodeType="clickEffect">
+                                  <p:stCondLst>
+                                    <p:cond delay="0"/>
+                                  </p:stCondLst>
+                                  <p:childTnLst>
+                                    <p:set>
+                                      <p:cBhvr>
+                                        <p:cTn id="6" dur="1" fill="hold">
+                                          <p:stCondLst>
+                                            <p:cond delay="0"/>
+                                          </p:stCondLst>
+                                        </p:cTn>
+                                        <p:tgtEl>
+                                          <p:spTgt spid="7"/>
+                                        </p:tgtEl>
+                                        <p:attrNameLst>
+                                          <p:attrName>style.visibility</p:attrName>
+                                        </p:attrNameLst>
+                                      </p:cBhvr>
+                                      <p:to>
+                                        <p:strVal val="visible"/>
+                                      </p:to>
+                                    </p:set>
+                                    <p:anim calcmode="lin" valueType="num">
+                                      <p:cBhvr additive="base">
+                                        <p:cTn id="7" dur="500" fill="hold"/>
+                                        <p:tgtEl>
+                                          <p:spTgt spid="7"/>
+                                        </p:tgtEl>
+                                        <p:attrNameLst>
+                                          <p:attrName>ppt_x</p:attrName>
+                                        </p:attrNameLst>
+                                      </p:cBhvr>
+                                      <p:tavLst>
+                                        <p:tav tm="0">
+                                          <p:val>
+                                            <p:strVal val="#ppt_x"/>
+                                          </p:val>
+                                        </p:tav>
+                                        <p:tav tm="100000">
+                                          <p:val>
+                                            <p:strVal val="#ppt_x"/>
+                                          </p:val>
+                                        </p:tav>
+                                      </p:tavLst>
+                                    </p:anim>
+                                    <p:anim calcmode="lin" valueType="num">
+                                      <p:cBhvr additive="base">
+                                        <p:cTn id="8" dur="500" fill="hold"/>
+                                        <p:tgtEl>
+                                          <p:spTgt spid="7"/>
+                                        </p:tgtEl>
+                                        <p:attrNameLst>
+                                          <p:attrName>ppt_y</p:attrName>
+                                        </p:attrNameLst>
+                                      </p:cBhvr>
+                                      <p:tavLst>
+                                        <p:tav tm="0">
+                                          <p:val>
+                                            <p:strVal val="1+#ppt_h/2"/>
+                                          </p:val>
+                                        </p:tav>
+                                        <p:tav tm="100000">
+                                          <p:val>
+                                            <p:strVal val="#ppt_y"/>
+                                          </p:val>
+                                        </p:tav>
+                                      </p:tavLst>
+                                    </p:anim>
+                                  </p:childTnLst>
+                                </p:cTn>
+                              </p:par>
+                            </p:childTnLst>
+                          </p:cTn>
+                        </p:par>
+                      </p:childTnLst>
+                    </p:cTn>
+                  </p:par>
+                </p:childTnLst>
+              </p:cTn>
+              <p:prevCondLst>
+                <p:cond evt="onPrev" delay="0">
+                  <p:tgtEl>
+                    <p:sldTgt/>
+                  </p:tgtEl>
+                </p:cond>
+              </p:prevCondLst>
+              <p:nextCondLst>
+                <p:cond evt="onNext" delay="0">
+                  <p:tgtEl>
+                    <p:sldTgt/>
+                  </p:tgtEl>
+                </p:cond>
+              </p:nextCondLst>
+            </p:seq>
+          </p:childTnLst>
+        </p:cTn>
+      </p:par>
+    </p:tnLst>
+  </p:timing>
 </p:sld>
 </file>
 
@@ -6396,7 +6641,7 @@
           <p:nvPr/>
         </p:nvPicPr>
         <p:blipFill>
-          <a:blip r:embed="rId2" cstate="print"/>
+          <a:blip r:embed="rId1" cstate="print"/>
           <a:stretch>
             <a:fillRect/>
           </a:stretch>
@@ -6546,6 +6791,12 @@
               </a:rPr>
               <a:t>ART</a:t>
             </a:r>
+            <a:endParaRPr lang="zh-CN" altLang="en-US" dirty="0">
+              <a:solidFill>
+                <a:schemeClr val="bg1"/>
+              </a:solidFill>
+              <a:ea typeface="微软雅黑" panose="020B0503020204020204" pitchFamily="34" charset="-122"/>
+            </a:endParaRPr>
           </a:p>
         </p:txBody>
       </p:sp>
@@ -6580,6 +6831,13 @@
               </a:rPr>
               <a:t>部署架构</a:t>
             </a:r>
+            <a:endParaRPr lang="zh-CN" altLang="en-US" sz="3200" b="1" spc="200" dirty="0">
+              <a:solidFill>
+                <a:schemeClr val="bg1"/>
+              </a:solidFill>
+              <a:latin typeface="微软雅黑" panose="020B0503020204020204" pitchFamily="34" charset="-122"/>
+              <a:ea typeface="微软雅黑" panose="020B0503020204020204" pitchFamily="34" charset="-122"/>
+            </a:endParaRPr>
           </a:p>
         </p:txBody>
       </p:sp>
@@ -6627,7 +6885,7 @@
         <p:spPr>
           <a:xfrm>
             <a:off x="8448835" y="1862150"/>
-            <a:ext cx="1374140" cy="1322070"/>
+            <a:ext cx="1386918" cy="1323439"/>
           </a:xfrm>
           <a:prstGeom prst="rect">
             <a:avLst/>
@@ -6641,24 +6899,26 @@
           <a:lstStyle/>
           <a:p>
             <a:r>
-              <a:rPr lang="en-US" altLang="zh-CN" sz="8000">
+              <a:rPr lang="en-US" altLang="zh-CN" sz="8000" dirty="0">
                 <a:solidFill>
                   <a:schemeClr val="bg1"/>
                 </a:solidFill>
                 <a:latin typeface="微软雅黑" panose="020B0503020204020204" pitchFamily="34" charset="-122"/>
                 <a:ea typeface="微软雅黑" panose="020B0503020204020204" pitchFamily="34" charset="-122"/>
               </a:rPr>
-              <a:t>01</a:t>
-            </a:r>
+              <a:t>02</a:t>
+            </a:r>
+            <a:endParaRPr lang="en-US" altLang="zh-CN" sz="8000" dirty="0">
+              <a:solidFill>
+                <a:schemeClr val="bg1"/>
+              </a:solidFill>
+              <a:latin typeface="微软雅黑" panose="020B0503020204020204" pitchFamily="34" charset="-122"/>
+              <a:ea typeface="微软雅黑" panose="020B0503020204020204" pitchFamily="34" charset="-122"/>
+            </a:endParaRPr>
           </a:p>
         </p:txBody>
       </p:sp>
     </p:spTree>
-    <p:extLst>
-      <p:ext uri="{BB962C8B-B14F-4D97-AF65-F5344CB8AC3E}">
-        <p14:creationId xmlns:p14="http://schemas.microsoft.com/office/powerpoint/2010/main" val="362599120"/>
-      </p:ext>
-    </p:extLst>
   </p:cSld>
   <p:clrMapOvr>
     <a:masterClrMapping/>
@@ -6685,13 +6945,7 @@
       </p:grpSpPr>
       <p:sp>
         <p:nvSpPr>
-          <p:cNvPr id="4" name="文本框 3">
-            <a:extLst>
-              <a:ext uri="{FF2B5EF4-FFF2-40B4-BE49-F238E27FC236}">
-                <a16:creationId xmlns:a16="http://schemas.microsoft.com/office/drawing/2014/main" id="{82D3865C-9A98-4B46-A8E4-132C992C0BC9}"/>
-              </a:ext>
-            </a:extLst>
-          </p:cNvPr>
+          <p:cNvPr id="4" name="文本框 3"/>
           <p:cNvSpPr txBox="1"/>
           <p:nvPr/>
         </p:nvSpPr>
@@ -6722,18 +6976,20 @@
               </a:rPr>
               <a:t>10</a:t>
             </a:r>
-          </a:p>
-        </p:txBody>
-      </p:sp>
-      <p:sp>
-        <p:nvSpPr>
-          <p:cNvPr id="6" name="文本框 5">
-            <a:extLst>
-              <a:ext uri="{FF2B5EF4-FFF2-40B4-BE49-F238E27FC236}">
-                <a16:creationId xmlns:a16="http://schemas.microsoft.com/office/drawing/2014/main" id="{B2E51DE0-023B-441B-B9F5-D129432DD7D3}"/>
-              </a:ext>
-            </a:extLst>
-          </p:cNvPr>
+            <a:endParaRPr lang="en-US" altLang="zh-CN" b="1" dirty="0">
+              <a:solidFill>
+                <a:schemeClr val="bg1"/>
+              </a:solidFill>
+              <a:latin typeface="微软雅黑" panose="020B0503020204020204" pitchFamily="34" charset="-122"/>
+              <a:ea typeface="微软雅黑" panose="020B0503020204020204" pitchFamily="34" charset="-122"/>
+              <a:sym typeface="+mn-ea"/>
+            </a:endParaRPr>
+          </a:p>
+        </p:txBody>
+      </p:sp>
+      <p:sp>
+        <p:nvSpPr>
+          <p:cNvPr id="6" name="文本框 5"/>
           <p:cNvSpPr txBox="1"/>
           <p:nvPr/>
         </p:nvSpPr>
@@ -6759,13 +7015,7 @@
       </p:sp>
       <p:sp>
         <p:nvSpPr>
-          <p:cNvPr id="8" name="文本框 7">
-            <a:extLst>
-              <a:ext uri="{FF2B5EF4-FFF2-40B4-BE49-F238E27FC236}">
-                <a16:creationId xmlns:a16="http://schemas.microsoft.com/office/drawing/2014/main" id="{FD9B844A-53DF-8C49-9554-01C1B316D898}"/>
-              </a:ext>
-            </a:extLst>
-          </p:cNvPr>
+          <p:cNvPr id="8" name="文本框 7"/>
           <p:cNvSpPr txBox="1"/>
           <p:nvPr/>
         </p:nvSpPr>
@@ -6805,15 +7055,15 @@
               <a:t>副本实现的。</a:t>
             </a:r>
             <a:r>
-              <a:rPr kumimoji="1" lang="en" altLang="zh-CN" dirty="0"/>
+              <a:rPr kumimoji="1" lang="en-GB" altLang="zh-CN" dirty="0"/>
               <a:t>zookeeper + </a:t>
             </a:r>
             <a:r>
-              <a:rPr kumimoji="1" lang="en" altLang="zh-CN" dirty="0" err="1"/>
+              <a:rPr kumimoji="1" lang="en-GB" altLang="zh-CN" dirty="0" err="1"/>
               <a:t>ReplicatedMergeTree</a:t>
             </a:r>
             <a:r>
-              <a:rPr kumimoji="1" lang="en" altLang="zh-CN" dirty="0"/>
+              <a:rPr kumimoji="1" lang="en-GB" altLang="zh-CN" dirty="0"/>
               <a:t>(</a:t>
             </a:r>
             <a:r>
@@ -6825,7 +7075,7 @@
               <a:t>) + </a:t>
             </a:r>
             <a:r>
-              <a:rPr kumimoji="1" lang="en" altLang="zh-CN" dirty="0"/>
+              <a:rPr kumimoji="1" lang="en-GB" altLang="zh-CN" dirty="0"/>
               <a:t>Distributed(</a:t>
             </a:r>
             <a:r>
@@ -6845,20 +7095,14 @@
       </p:sp>
       <p:pic>
         <p:nvPicPr>
-          <p:cNvPr id="9" name="图片 8">
-            <a:extLst>
-              <a:ext uri="{FF2B5EF4-FFF2-40B4-BE49-F238E27FC236}">
-                <a16:creationId xmlns:a16="http://schemas.microsoft.com/office/drawing/2014/main" id="{EAE8A878-300C-5A45-9657-A36498FBC2FE}"/>
-              </a:ext>
-            </a:extLst>
-          </p:cNvPr>
+          <p:cNvPr id="9" name="图片 8"/>
           <p:cNvPicPr>
             <a:picLocks noChangeAspect="1"/>
           </p:cNvPicPr>
           <p:nvPr/>
         </p:nvPicPr>
         <p:blipFill>
-          <a:blip r:embed="rId3"/>
+          <a:blip r:embed="rId1"/>
           <a:stretch>
             <a:fillRect/>
           </a:stretch>
@@ -6874,11 +7118,6 @@
         </p:spPr>
       </p:pic>
     </p:spTree>
-    <p:extLst>
-      <p:ext uri="{BB962C8B-B14F-4D97-AF65-F5344CB8AC3E}">
-        <p14:creationId xmlns:p14="http://schemas.microsoft.com/office/powerpoint/2010/main" val="1632948671"/>
-      </p:ext>
-    </p:extLst>
   </p:cSld>
   <p:clrMapOvr>
     <a:masterClrMapping/>
@@ -7026,13 +7265,7 @@
       </p:grpSpPr>
       <p:sp>
         <p:nvSpPr>
-          <p:cNvPr id="4" name="文本框 3">
-            <a:extLst>
-              <a:ext uri="{FF2B5EF4-FFF2-40B4-BE49-F238E27FC236}">
-                <a16:creationId xmlns:a16="http://schemas.microsoft.com/office/drawing/2014/main" id="{82D3865C-9A98-4B46-A8E4-132C992C0BC9}"/>
-              </a:ext>
-            </a:extLst>
-          </p:cNvPr>
+          <p:cNvPr id="4" name="文本框 3"/>
           <p:cNvSpPr txBox="1"/>
           <p:nvPr/>
         </p:nvSpPr>
@@ -7063,18 +7296,20 @@
               </a:rPr>
               <a:t>11</a:t>
             </a:r>
-          </a:p>
-        </p:txBody>
-      </p:sp>
-      <p:sp>
-        <p:nvSpPr>
-          <p:cNvPr id="6" name="文本框 5">
-            <a:extLst>
-              <a:ext uri="{FF2B5EF4-FFF2-40B4-BE49-F238E27FC236}">
-                <a16:creationId xmlns:a16="http://schemas.microsoft.com/office/drawing/2014/main" id="{B2E51DE0-023B-441B-B9F5-D129432DD7D3}"/>
-              </a:ext>
-            </a:extLst>
-          </p:cNvPr>
+            <a:endParaRPr lang="en-US" altLang="zh-CN" b="1" dirty="0">
+              <a:solidFill>
+                <a:schemeClr val="bg1"/>
+              </a:solidFill>
+              <a:latin typeface="微软雅黑" panose="020B0503020204020204" pitchFamily="34" charset="-122"/>
+              <a:ea typeface="微软雅黑" panose="020B0503020204020204" pitchFamily="34" charset="-122"/>
+              <a:sym typeface="+mn-ea"/>
+            </a:endParaRPr>
+          </a:p>
+        </p:txBody>
+      </p:sp>
+      <p:sp>
+        <p:nvSpPr>
+          <p:cNvPr id="6" name="文本框 5"/>
           <p:cNvSpPr txBox="1"/>
           <p:nvPr/>
         </p:nvSpPr>
@@ -7100,20 +7335,14 @@
       </p:sp>
       <p:pic>
         <p:nvPicPr>
-          <p:cNvPr id="7" name="图片 6">
-            <a:extLst>
-              <a:ext uri="{FF2B5EF4-FFF2-40B4-BE49-F238E27FC236}">
-                <a16:creationId xmlns:a16="http://schemas.microsoft.com/office/drawing/2014/main" id="{C8B4E0A8-8052-3243-BED5-AF1076EE0557}"/>
-              </a:ext>
-            </a:extLst>
-          </p:cNvPr>
+          <p:cNvPr id="7" name="图片 6"/>
           <p:cNvPicPr>
             <a:picLocks noChangeAspect="1"/>
           </p:cNvPicPr>
           <p:nvPr/>
         </p:nvPicPr>
         <p:blipFill>
-          <a:blip r:embed="rId3"/>
+          <a:blip r:embed="rId1"/>
           <a:stretch>
             <a:fillRect/>
           </a:stretch>
@@ -7129,11 +7358,6 @@
         </p:spPr>
       </p:pic>
     </p:spTree>
-    <p:extLst>
-      <p:ext uri="{BB962C8B-B14F-4D97-AF65-F5344CB8AC3E}">
-        <p14:creationId xmlns:p14="http://schemas.microsoft.com/office/powerpoint/2010/main" val="880430764"/>
-      </p:ext>
-    </p:extLst>
   </p:cSld>
   <p:clrMapOvr>
     <a:masterClrMapping/>
@@ -7160,13 +7384,7 @@
       </p:grpSpPr>
       <p:sp>
         <p:nvSpPr>
-          <p:cNvPr id="4" name="文本框 3">
-            <a:extLst>
-              <a:ext uri="{FF2B5EF4-FFF2-40B4-BE49-F238E27FC236}">
-                <a16:creationId xmlns:a16="http://schemas.microsoft.com/office/drawing/2014/main" id="{82D3865C-9A98-4B46-A8E4-132C992C0BC9}"/>
-              </a:ext>
-            </a:extLst>
-          </p:cNvPr>
+          <p:cNvPr id="4" name="文本框 3"/>
           <p:cNvSpPr txBox="1"/>
           <p:nvPr/>
         </p:nvSpPr>
@@ -7197,18 +7415,20 @@
               </a:rPr>
               <a:t>12</a:t>
             </a:r>
-          </a:p>
-        </p:txBody>
-      </p:sp>
-      <p:sp>
-        <p:nvSpPr>
-          <p:cNvPr id="6" name="文本框 5">
-            <a:extLst>
-              <a:ext uri="{FF2B5EF4-FFF2-40B4-BE49-F238E27FC236}">
-                <a16:creationId xmlns:a16="http://schemas.microsoft.com/office/drawing/2014/main" id="{B2E51DE0-023B-441B-B9F5-D129432DD7D3}"/>
-              </a:ext>
-            </a:extLst>
-          </p:cNvPr>
+            <a:endParaRPr lang="en-US" altLang="zh-CN" b="1" dirty="0">
+              <a:solidFill>
+                <a:schemeClr val="bg1"/>
+              </a:solidFill>
+              <a:latin typeface="微软雅黑" panose="020B0503020204020204" pitchFamily="34" charset="-122"/>
+              <a:ea typeface="微软雅黑" panose="020B0503020204020204" pitchFamily="34" charset="-122"/>
+              <a:sym typeface="+mn-ea"/>
+            </a:endParaRPr>
+          </a:p>
+        </p:txBody>
+      </p:sp>
+      <p:sp>
+        <p:nvSpPr>
+          <p:cNvPr id="6" name="文本框 5"/>
           <p:cNvSpPr txBox="1"/>
           <p:nvPr/>
         </p:nvSpPr>
@@ -7277,25 +7497,20 @@
               <a:rPr lang="zh-CN" altLang="en-US" dirty="0"/>
               <a:t>、直接写入指定节点的本地表</a:t>
             </a:r>
-          </a:p>
-        </p:txBody>
-      </p:sp>
-      <p:sp>
-        <p:nvSpPr>
-          <p:cNvPr id="2" name="文本框 1">
-            <a:extLst>
-              <a:ext uri="{FF2B5EF4-FFF2-40B4-BE49-F238E27FC236}">
-                <a16:creationId xmlns:a16="http://schemas.microsoft.com/office/drawing/2014/main" id="{8899E349-EEAD-B449-9E0C-5D0B9D6BBD38}"/>
-              </a:ext>
-            </a:extLst>
-          </p:cNvPr>
+            <a:endParaRPr lang="zh-CN" altLang="en-US" dirty="0"/>
+          </a:p>
+        </p:txBody>
+      </p:sp>
+      <p:sp>
+        <p:nvSpPr>
+          <p:cNvPr id="2" name="文本框 1"/>
           <p:cNvSpPr txBox="1"/>
           <p:nvPr/>
         </p:nvSpPr>
         <p:spPr>
           <a:xfrm>
             <a:off x="696655" y="886834"/>
-            <a:ext cx="2492990" cy="369332"/>
+            <a:ext cx="3185487" cy="369332"/>
           </a:xfrm>
           <a:prstGeom prst="rect">
             <a:avLst/>
@@ -7309,18 +7524,18 @@
           <a:lstStyle/>
           <a:p>
             <a:r>
+              <a:rPr lang="zh-CN" altLang="en-US" dirty="0"/>
+              <a:t>分布式</a:t>
+            </a:r>
+            <a:r>
               <a:rPr kumimoji="1" lang="zh-CN" altLang="en-US" dirty="0"/>
               <a:t>集群下数据写入、查询</a:t>
             </a:r>
+            <a:endParaRPr kumimoji="1" lang="zh-CN" altLang="en-US" dirty="0"/>
           </a:p>
         </p:txBody>
       </p:sp>
     </p:spTree>
-    <p:extLst>
-      <p:ext uri="{BB962C8B-B14F-4D97-AF65-F5344CB8AC3E}">
-        <p14:creationId xmlns:p14="http://schemas.microsoft.com/office/powerpoint/2010/main" val="3266766312"/>
-      </p:ext>
-    </p:extLst>
   </p:cSld>
   <p:clrMapOvr>
     <a:masterClrMapping/>
@@ -7347,13 +7562,7 @@
       </p:grpSpPr>
       <p:sp>
         <p:nvSpPr>
-          <p:cNvPr id="4" name="文本框 3">
-            <a:extLst>
-              <a:ext uri="{FF2B5EF4-FFF2-40B4-BE49-F238E27FC236}">
-                <a16:creationId xmlns:a16="http://schemas.microsoft.com/office/drawing/2014/main" id="{82D3865C-9A98-4B46-A8E4-132C992C0BC9}"/>
-              </a:ext>
-            </a:extLst>
-          </p:cNvPr>
+          <p:cNvPr id="4" name="文本框 3"/>
           <p:cNvSpPr txBox="1"/>
           <p:nvPr/>
         </p:nvSpPr>
@@ -7384,18 +7593,20 @@
               </a:rPr>
               <a:t>13</a:t>
             </a:r>
-          </a:p>
-        </p:txBody>
-      </p:sp>
-      <p:sp>
-        <p:nvSpPr>
-          <p:cNvPr id="6" name="文本框 5">
-            <a:extLst>
-              <a:ext uri="{FF2B5EF4-FFF2-40B4-BE49-F238E27FC236}">
-                <a16:creationId xmlns:a16="http://schemas.microsoft.com/office/drawing/2014/main" id="{B2E51DE0-023B-441B-B9F5-D129432DD7D3}"/>
-              </a:ext>
-            </a:extLst>
-          </p:cNvPr>
+            <a:endParaRPr lang="en-US" altLang="zh-CN" b="1" dirty="0">
+              <a:solidFill>
+                <a:schemeClr val="bg1"/>
+              </a:solidFill>
+              <a:latin typeface="微软雅黑" panose="020B0503020204020204" pitchFamily="34" charset="-122"/>
+              <a:ea typeface="微软雅黑" panose="020B0503020204020204" pitchFamily="34" charset="-122"/>
+              <a:sym typeface="+mn-ea"/>
+            </a:endParaRPr>
+          </a:p>
+        </p:txBody>
+      </p:sp>
+      <p:sp>
+        <p:nvSpPr>
+          <p:cNvPr id="6" name="文本框 5"/>
           <p:cNvSpPr txBox="1"/>
           <p:nvPr/>
         </p:nvSpPr>
@@ -7421,13 +7632,7 @@
       </p:sp>
       <p:sp>
         <p:nvSpPr>
-          <p:cNvPr id="2" name="文本框 1">
-            <a:extLst>
-              <a:ext uri="{FF2B5EF4-FFF2-40B4-BE49-F238E27FC236}">
-                <a16:creationId xmlns:a16="http://schemas.microsoft.com/office/drawing/2014/main" id="{8899E349-EEAD-B449-9E0C-5D0B9D6BBD38}"/>
-              </a:ext>
-            </a:extLst>
-          </p:cNvPr>
+          <p:cNvPr id="2" name="文本框 1"/>
           <p:cNvSpPr txBox="1"/>
           <p:nvPr/>
         </p:nvSpPr>
@@ -7451,15 +7656,198 @@
               <a:rPr kumimoji="1" lang="zh-CN" altLang="en-US" dirty="0"/>
               <a:t>数据复制</a:t>
             </a:r>
+            <a:endParaRPr kumimoji="1" lang="zh-CN" altLang="en-US" dirty="0"/>
+          </a:p>
+        </p:txBody>
+      </p:sp>
+      <p:sp>
+        <p:nvSpPr>
+          <p:cNvPr id="3" name="文本框 2"/>
+          <p:cNvSpPr txBox="1"/>
+          <p:nvPr/>
+        </p:nvSpPr>
+        <p:spPr>
+          <a:xfrm>
+            <a:off x="1967023" y="2424223"/>
+            <a:ext cx="184731" cy="369332"/>
+          </a:xfrm>
+          <a:prstGeom prst="rect">
+            <a:avLst/>
+          </a:prstGeom>
+          <a:noFill/>
+        </p:spPr>
+        <p:txBody>
+          <a:bodyPr wrap="none" rtlCol="0">
+            <a:spAutoFit/>
+          </a:bodyPr>
+          <a:lstStyle/>
+          <a:p>
+            <a:endParaRPr kumimoji="1" lang="zh-CN" altLang="en-US" dirty="0"/>
+          </a:p>
+        </p:txBody>
+      </p:sp>
+      <p:sp>
+        <p:nvSpPr>
+          <p:cNvPr id="5" name="文本框 4"/>
+          <p:cNvSpPr txBox="1"/>
+          <p:nvPr/>
+        </p:nvSpPr>
+        <p:spPr>
+          <a:xfrm>
+            <a:off x="1127051" y="1329070"/>
+            <a:ext cx="9247788" cy="369332"/>
+          </a:xfrm>
+          <a:prstGeom prst="rect">
+            <a:avLst/>
+          </a:prstGeom>
+          <a:noFill/>
+        </p:spPr>
+        <p:txBody>
+          <a:bodyPr wrap="none" rtlCol="0">
+            <a:spAutoFit/>
+          </a:bodyPr>
+          <a:lstStyle/>
+          <a:p>
+            <a:r>
+              <a:rPr lang="en-GB" altLang="zh-CN" dirty="0" err="1"/>
+              <a:t>ClickHouse</a:t>
+            </a:r>
+            <a:r>
+              <a:rPr lang="zh-CN" altLang="en-US" dirty="0"/>
+              <a:t>提供了非常高级的基于</a:t>
+            </a:r>
+            <a:r>
+              <a:rPr lang="en-GB" altLang="zh-CN" dirty="0"/>
+              <a:t>ZK</a:t>
+            </a:r>
+            <a:r>
+              <a:rPr lang="zh-CN" altLang="en-US" dirty="0"/>
+              <a:t>的表复制方式，同时也提供了基于</a:t>
+            </a:r>
+            <a:r>
+              <a:rPr lang="en-GB" altLang="zh-CN" dirty="0"/>
+              <a:t>Cluster</a:t>
+            </a:r>
+            <a:r>
+              <a:rPr lang="zh-CN" altLang="en-US" dirty="0"/>
+              <a:t>的复制方式</a:t>
+            </a:r>
+            <a:endParaRPr lang="en-US" altLang="zh-CN" dirty="0"/>
+          </a:p>
+        </p:txBody>
+      </p:sp>
+      <p:pic>
+        <p:nvPicPr>
+          <p:cNvPr id="7" name="图片 6"/>
+          <p:cNvPicPr>
+            <a:picLocks noChangeAspect="1"/>
+          </p:cNvPicPr>
+          <p:nvPr/>
+        </p:nvPicPr>
+        <p:blipFill>
+          <a:blip r:embed="rId1"/>
+          <a:stretch>
+            <a:fillRect/>
+          </a:stretch>
+        </p:blipFill>
+        <p:spPr>
+          <a:xfrm>
+            <a:off x="1847528" y="1785424"/>
+            <a:ext cx="7488832" cy="3325157"/>
+          </a:xfrm>
+          <a:prstGeom prst="rect">
+            <a:avLst/>
+          </a:prstGeom>
+        </p:spPr>
+      </p:pic>
+      <p:sp>
+        <p:nvSpPr>
+          <p:cNvPr id="8" name="文本框 7"/>
+          <p:cNvSpPr txBox="1"/>
+          <p:nvPr/>
+        </p:nvSpPr>
+        <p:spPr>
+          <a:xfrm>
+            <a:off x="935665" y="5571460"/>
+            <a:ext cx="184731" cy="369332"/>
+          </a:xfrm>
+          <a:prstGeom prst="rect">
+            <a:avLst/>
+          </a:prstGeom>
+          <a:noFill/>
+        </p:spPr>
+        <p:txBody>
+          <a:bodyPr wrap="none" rtlCol="0">
+            <a:spAutoFit/>
+          </a:bodyPr>
+          <a:lstStyle/>
+          <a:p>
+            <a:endParaRPr kumimoji="1" lang="zh-CN" altLang="en-US" dirty="0"/>
+          </a:p>
+        </p:txBody>
+      </p:sp>
+      <p:sp>
+        <p:nvSpPr>
+          <p:cNvPr id="10" name="文本框 9"/>
+          <p:cNvSpPr txBox="1"/>
+          <p:nvPr/>
+        </p:nvSpPr>
+        <p:spPr>
+          <a:xfrm>
+            <a:off x="801513" y="5432960"/>
+            <a:ext cx="9746579" cy="646331"/>
+          </a:xfrm>
+          <a:prstGeom prst="rect">
+            <a:avLst/>
+          </a:prstGeom>
+          <a:noFill/>
+        </p:spPr>
+        <p:txBody>
+          <a:bodyPr wrap="none" rtlCol="0">
+            <a:spAutoFit/>
+          </a:bodyPr>
+          <a:lstStyle/>
+          <a:p>
+            <a:r>
+              <a:rPr kumimoji="1" lang="en-US" altLang="zh-CN" dirty="0"/>
+              <a:t>1</a:t>
+            </a:r>
+            <a:r>
+              <a:rPr kumimoji="1" lang="zh-CN" altLang="en-US" dirty="0"/>
+              <a:t>、使用复制表，相同</a:t>
+            </a:r>
+            <a:r>
+              <a:rPr kumimoji="1" lang="en-US" altLang="zh-CN" dirty="0" err="1"/>
+              <a:t>Zk</a:t>
+            </a:r>
+            <a:r>
+              <a:rPr kumimoji="1" lang="zh-CN" altLang="en-US" dirty="0"/>
+              <a:t>路径的表会自动复制；相互复制会进行数据校验，自动确保数据一致性</a:t>
+            </a:r>
+            <a:endParaRPr kumimoji="1" lang="en-US" altLang="zh-CN" dirty="0"/>
+          </a:p>
+          <a:p>
+            <a:r>
+              <a:rPr kumimoji="1" lang="en-US" altLang="zh-CN" dirty="0"/>
+              <a:t>2</a:t>
+            </a:r>
+            <a:r>
+              <a:rPr kumimoji="1" lang="zh-CN" altLang="en-US" dirty="0"/>
+              <a:t>、使用分布式表写入，需要设置</a:t>
+            </a:r>
+            <a:r>
+              <a:rPr kumimoji="1" lang="en-US" altLang="zh-CN" dirty="0" err="1"/>
+              <a:t>internal_replication:false</a:t>
+            </a:r>
+            <a:r>
+              <a:rPr kumimoji="1" lang="zh-CN" altLang="en-US" dirty="0"/>
+              <a:t>，写全部的分片。</a:t>
+            </a:r>
+            <a:endParaRPr kumimoji="1" lang="zh-CN" altLang="en-US" dirty="0"/>
           </a:p>
         </p:txBody>
       </p:sp>
     </p:spTree>
-    <p:extLst>
-      <p:ext uri="{BB962C8B-B14F-4D97-AF65-F5344CB8AC3E}">
-        <p14:creationId xmlns:p14="http://schemas.microsoft.com/office/powerpoint/2010/main" val="102844659"/>
-      </p:ext>
-    </p:extLst>
   </p:cSld>
   <p:clrMapOvr>
     <a:masterClrMapping/>
@@ -7470,14 +7858,6 @@
 <file path=ppt/slides/slide18.xml><?xml version="1.0" encoding="utf-8"?>
 <p:sld xmlns:a="http://schemas.openxmlformats.org/drawingml/2006/main" xmlns:r="http://schemas.openxmlformats.org/officeDocument/2006/relationships" xmlns:p="http://schemas.openxmlformats.org/presentationml/2006/main">
   <p:cSld>
-    <p:bg>
-      <p:bgPr>
-        <a:solidFill>
-          <a:schemeClr val="bg1"/>
-        </a:solidFill>
-        <a:effectLst/>
-      </p:bgPr>
-    </p:bg>
     <p:spTree>
       <p:nvGrpSpPr>
         <p:cNvPr id="1" name=""/>
@@ -7494,58 +7874,47 @@
       </p:grpSpPr>
       <p:pic>
         <p:nvPicPr>
-          <p:cNvPr id="2" name="图片 1"/>
+          <p:cNvPr id="3" name="图片 2" descr="未标题-1"/>
           <p:cNvPicPr>
             <a:picLocks noChangeAspect="1"/>
           </p:cNvPicPr>
           <p:nvPr/>
         </p:nvPicPr>
-        <p:blipFill rotWithShape="1">
-          <a:blip r:embed="rId2" cstate="print">
-            <a:extLst>
-              <a:ext uri="{28A0092B-C50C-407E-A947-70E740481C1C}">
-                <a14:useLocalDpi xmlns:a14="http://schemas.microsoft.com/office/drawing/2010/main" val="0"/>
-              </a:ext>
-            </a:extLst>
-          </a:blip>
-          <a:srcRect l="6508" r="4336"/>
+        <p:blipFill>
+          <a:blip r:embed="rId1" cstate="print"/>
           <a:stretch>
             <a:fillRect/>
           </a:stretch>
         </p:blipFill>
         <p:spPr>
           <a:xfrm>
-            <a:off x="-24680" y="0"/>
-            <a:ext cx="12205356" cy="6858000"/>
-          </a:xfrm>
-          <a:prstGeom prst="rect">
-            <a:avLst/>
-          </a:prstGeom>
-          <a:ln>
-            <a:noFill/>
-          </a:ln>
+            <a:off x="-36830" y="-28575"/>
+            <a:ext cx="12265660" cy="6915150"/>
+          </a:xfrm>
+          <a:prstGeom prst="rect">
+            <a:avLst/>
+          </a:prstGeom>
         </p:spPr>
       </p:pic>
       <p:sp>
         <p:nvSpPr>
-          <p:cNvPr id="11" name="椭圆 10"/>
+          <p:cNvPr id="4" name="矩形 3"/>
           <p:cNvSpPr/>
           <p:nvPr/>
         </p:nvSpPr>
         <p:spPr>
           <a:xfrm>
-            <a:off x="4259796" y="1448780"/>
-            <a:ext cx="3672408" cy="3672408"/>
-          </a:xfrm>
-          <a:prstGeom prst="ellipse">
+            <a:off x="6631997" y="1713730"/>
+            <a:ext cx="1620180" cy="1620180"/>
+          </a:xfrm>
+          <a:prstGeom prst="rect">
             <a:avLst/>
           </a:prstGeom>
           <a:noFill/>
-          <a:ln w="28575">
+          <a:ln>
             <a:solidFill>
               <a:schemeClr val="bg1"/>
             </a:solidFill>
-            <a:prstDash val="sysDot"/>
           </a:ln>
         </p:spPr>
         <p:style>
@@ -7577,23 +7946,23 @@
       </p:sp>
       <p:sp>
         <p:nvSpPr>
-          <p:cNvPr id="12" name="椭圆 11"/>
+          <p:cNvPr id="5" name="矩形 4"/>
           <p:cNvSpPr/>
           <p:nvPr/>
         </p:nvSpPr>
         <p:spPr>
           <a:xfrm>
-            <a:off x="4358807" y="1565793"/>
-            <a:ext cx="3438382" cy="3438382"/>
-          </a:xfrm>
-          <a:prstGeom prst="ellipse">
-            <a:avLst/>
-          </a:prstGeom>
-          <a:noFill/>
+            <a:off x="8254060" y="1713730"/>
+            <a:ext cx="1620180" cy="1620180"/>
+          </a:xfrm>
+          <a:prstGeom prst="rect">
+            <a:avLst/>
+          </a:prstGeom>
+          <a:solidFill>
+            <a:srgbClr val="0043CF"/>
+          </a:solidFill>
           <a:ln>
-            <a:solidFill>
-              <a:schemeClr val="bg1"/>
-            </a:solidFill>
+            <a:noFill/>
           </a:ln>
         </p:spPr>
         <p:style>
@@ -7625,81 +7994,84 @@
       </p:sp>
       <p:sp>
         <p:nvSpPr>
-          <p:cNvPr id="13" name="文本框 12"/>
-          <p:cNvSpPr txBox="1"/>
+          <p:cNvPr id="6" name="矩形 5"/>
+          <p:cNvSpPr/>
           <p:nvPr/>
         </p:nvSpPr>
         <p:spPr>
           <a:xfrm>
-            <a:off x="4772561" y="3291170"/>
-            <a:ext cx="2646878" cy="830997"/>
-          </a:xfrm>
-          <a:prstGeom prst="rect">
-            <a:avLst/>
-          </a:prstGeom>
-          <a:noFill/>
-        </p:spPr>
-        <p:txBody>
-          <a:bodyPr wrap="none" rtlCol="0">
+            <a:off x="6785016" y="1592796"/>
+            <a:ext cx="1314142" cy="1862048"/>
+          </a:xfrm>
+          <a:prstGeom prst="rect">
+            <a:avLst/>
+          </a:prstGeom>
+        </p:spPr>
+        <p:txBody>
+          <a:bodyPr wrap="none">
             <a:spAutoFit/>
           </a:bodyPr>
           <a:lstStyle/>
           <a:p>
             <a:r>
-              <a:rPr lang="zh-CN" altLang="en-US" sz="4800" b="1" dirty="0">
+              <a:rPr lang="zh-CN" altLang="en-US" sz="11500" dirty="0">
+                <a:solidFill>
+                  <a:schemeClr val="bg1"/>
+                </a:solidFill>
+                <a:ea typeface="微软雅黑" panose="020B0503020204020204" pitchFamily="34" charset="-122"/>
+              </a:rPr>
+              <a:t>P</a:t>
+            </a:r>
+            <a:r>
+              <a:rPr lang="zh-CN" altLang="en-US" dirty="0">
+                <a:solidFill>
+                  <a:schemeClr val="bg1"/>
+                </a:solidFill>
+                <a:ea typeface="微软雅黑" panose="020B0503020204020204" pitchFamily="34" charset="-122"/>
+              </a:rPr>
+              <a:t>ART</a:t>
+            </a:r>
+            <a:endParaRPr lang="zh-CN" altLang="en-US" dirty="0">
+              <a:solidFill>
+                <a:schemeClr val="bg1"/>
+              </a:solidFill>
+              <a:ea typeface="微软雅黑" panose="020B0503020204020204" pitchFamily="34" charset="-122"/>
+            </a:endParaRPr>
+          </a:p>
+        </p:txBody>
+      </p:sp>
+      <p:sp>
+        <p:nvSpPr>
+          <p:cNvPr id="10" name="矩形 9"/>
+          <p:cNvSpPr/>
+          <p:nvPr/>
+        </p:nvSpPr>
+        <p:spPr>
+          <a:xfrm>
+            <a:off x="6523687" y="3771443"/>
+            <a:ext cx="1056700" cy="584775"/>
+          </a:xfrm>
+          <a:prstGeom prst="rect">
+            <a:avLst/>
+          </a:prstGeom>
+        </p:spPr>
+        <p:txBody>
+          <a:bodyPr wrap="none">
+            <a:spAutoFit/>
+          </a:bodyPr>
+          <a:lstStyle/>
+          <a:p>
+            <a:r>
+              <a:rPr lang="zh-CN" altLang="en-US" sz="3200" b="1" spc="200" dirty="0">
                 <a:solidFill>
                   <a:schemeClr val="bg1"/>
                 </a:solidFill>
                 <a:latin typeface="微软雅黑" panose="020B0503020204020204" pitchFamily="34" charset="-122"/>
                 <a:ea typeface="微软雅黑" panose="020B0503020204020204" pitchFamily="34" charset="-122"/>
               </a:rPr>
-              <a:t>谢谢关注</a:t>
-            </a:r>
-          </a:p>
-        </p:txBody>
-      </p:sp>
-      <p:sp>
-        <p:nvSpPr>
-          <p:cNvPr id="14" name="矩形 13"/>
-          <p:cNvSpPr/>
-          <p:nvPr/>
-        </p:nvSpPr>
-        <p:spPr>
-          <a:xfrm>
-            <a:off x="4760169" y="2659559"/>
-            <a:ext cx="2635658" cy="769441"/>
-          </a:xfrm>
-          <a:prstGeom prst="rect">
-            <a:avLst/>
-          </a:prstGeom>
-        </p:spPr>
-        <p:txBody>
-          <a:bodyPr wrap="none">
-            <a:spAutoFit/>
-          </a:bodyPr>
-          <a:lstStyle/>
-          <a:p>
-            <a:r>
-              <a:rPr lang="zh-CN" altLang="en-US" sz="4400" b="1" dirty="0">
-                <a:solidFill>
-                  <a:schemeClr val="bg1"/>
-                </a:solidFill>
-                <a:latin typeface="微软雅黑" panose="020B0503020204020204" pitchFamily="34" charset="-122"/>
-                <a:ea typeface="微软雅黑" panose="020B0503020204020204" pitchFamily="34" charset="-122"/>
-              </a:rPr>
-              <a:t>THANK</a:t>
-            </a:r>
-            <a:r>
-              <a:rPr lang="en-US" altLang="zh-CN" sz="4400" b="1" dirty="0">
-                <a:solidFill>
-                  <a:schemeClr val="bg1"/>
-                </a:solidFill>
-                <a:latin typeface="微软雅黑" panose="020B0503020204020204" pitchFamily="34" charset="-122"/>
-                <a:ea typeface="微软雅黑" panose="020B0503020204020204" pitchFamily="34" charset="-122"/>
-              </a:rPr>
-              <a:t>S</a:t>
-            </a:r>
-            <a:endParaRPr lang="zh-CN" altLang="en-US" sz="4400" b="1" dirty="0">
+              <a:t>性能</a:t>
+            </a:r>
+            <a:endParaRPr lang="en-US" altLang="zh-CN" sz="3200" b="1" spc="200" dirty="0">
               <a:solidFill>
                 <a:schemeClr val="bg1"/>
               </a:solidFill>
@@ -7709,38 +8081,324 @@
           </a:p>
         </p:txBody>
       </p:sp>
-      <p:sp>
-        <p:nvSpPr>
-          <p:cNvPr id="15" name="矩形 14"/>
-          <p:cNvSpPr/>
+      <p:cxnSp>
+        <p:nvCxnSpPr>
+          <p:cNvPr id="12" name="直接连接符 11"/>
+          <p:cNvCxnSpPr/>
           <p:nvPr/>
-        </p:nvSpPr>
-        <p:spPr>
-          <a:xfrm>
-            <a:off x="4222389" y="5853021"/>
-            <a:ext cx="3711218" cy="337185"/>
-          </a:xfrm>
-          <a:prstGeom prst="rect">
-            <a:avLst/>
-          </a:prstGeom>
-        </p:spPr>
-        <p:txBody>
-          <a:bodyPr wrap="square">
+        </p:nvCxnSpPr>
+        <p:spPr>
+          <a:xfrm>
+            <a:off x="6631699" y="4441270"/>
+            <a:ext cx="504056" cy="0"/>
+          </a:xfrm>
+          <a:prstGeom prst="line">
+            <a:avLst/>
+          </a:prstGeom>
+          <a:ln>
+            <a:solidFill>
+              <a:schemeClr val="bg1"/>
+            </a:solidFill>
+          </a:ln>
+        </p:spPr>
+        <p:style>
+          <a:lnRef idx="1">
+            <a:schemeClr val="accent1"/>
+          </a:lnRef>
+          <a:fillRef idx="0">
+            <a:schemeClr val="accent1"/>
+          </a:fillRef>
+          <a:effectRef idx="0">
+            <a:schemeClr val="accent1"/>
+          </a:effectRef>
+          <a:fontRef idx="minor">
+            <a:schemeClr val="tx1"/>
+          </a:fontRef>
+        </p:style>
+      </p:cxnSp>
+      <p:sp>
+        <p:nvSpPr>
+          <p:cNvPr id="2" name="文本框 1"/>
+          <p:cNvSpPr txBox="1"/>
+          <p:nvPr/>
+        </p:nvSpPr>
+        <p:spPr>
+          <a:xfrm>
+            <a:off x="8448835" y="1862150"/>
+            <a:ext cx="1386918" cy="1323439"/>
+          </a:xfrm>
+          <a:prstGeom prst="rect">
+            <a:avLst/>
+          </a:prstGeom>
+          <a:noFill/>
+        </p:spPr>
+        <p:txBody>
+          <a:bodyPr wrap="none" rtlCol="0">
             <a:spAutoFit/>
           </a:bodyPr>
           <a:lstStyle/>
           <a:p>
-            <a:pPr algn="ctr"/>
-            <a:r>
-              <a:rPr lang="zh-CN" altLang="en-US" sz="1600" b="1" dirty="0">
+            <a:r>
+              <a:rPr lang="en-US" altLang="zh-CN" sz="8000" dirty="0">
                 <a:solidFill>
                   <a:schemeClr val="bg1"/>
                 </a:solidFill>
                 <a:latin typeface="微软雅黑" panose="020B0503020204020204" pitchFamily="34" charset="-122"/>
                 <a:ea typeface="微软雅黑" panose="020B0503020204020204" pitchFamily="34" charset="-122"/>
               </a:rPr>
-              <a:t>浙江邦盛科技有限公司</a:t>
-            </a:r>
+              <a:t>03</a:t>
+            </a:r>
+            <a:endParaRPr lang="en-US" altLang="zh-CN" sz="8000" dirty="0">
+              <a:solidFill>
+                <a:schemeClr val="bg1"/>
+              </a:solidFill>
+              <a:latin typeface="微软雅黑" panose="020B0503020204020204" pitchFamily="34" charset="-122"/>
+              <a:ea typeface="微软雅黑" panose="020B0503020204020204" pitchFamily="34" charset="-122"/>
+            </a:endParaRPr>
+          </a:p>
+        </p:txBody>
+      </p:sp>
+    </p:spTree>
+  </p:cSld>
+  <p:clrMapOvr>
+    <a:masterClrMapping/>
+  </p:clrMapOvr>
+</p:sld>
+</file>
+
+<file path=ppt/slides/slide19.xml><?xml version="1.0" encoding="utf-8"?>
+<p:sld xmlns:a="http://schemas.openxmlformats.org/drawingml/2006/main" xmlns:r="http://schemas.openxmlformats.org/officeDocument/2006/relationships" xmlns:p="http://schemas.openxmlformats.org/presentationml/2006/main">
+  <p:cSld>
+    <p:spTree>
+      <p:nvGrpSpPr>
+        <p:cNvPr id="1" name=""/>
+        <p:cNvGrpSpPr/>
+        <p:nvPr/>
+      </p:nvGrpSpPr>
+      <p:grpSpPr>
+        <a:xfrm>
+          <a:off x="0" y="0"/>
+          <a:ext cx="0" cy="0"/>
+          <a:chOff x="0" y="0"/>
+          <a:chExt cx="0" cy="0"/>
+        </a:xfrm>
+      </p:grpSpPr>
+      <p:sp>
+        <p:nvSpPr>
+          <p:cNvPr id="4" name="文本框 3"/>
+          <p:cNvSpPr txBox="1"/>
+          <p:nvPr/>
+        </p:nvSpPr>
+        <p:spPr>
+          <a:xfrm>
+            <a:off x="1127448" y="260648"/>
+            <a:ext cx="499110" cy="369332"/>
+          </a:xfrm>
+          <a:prstGeom prst="rect">
+            <a:avLst/>
+          </a:prstGeom>
+          <a:noFill/>
+        </p:spPr>
+        <p:txBody>
+          <a:bodyPr wrap="square" rtlCol="0">
+            <a:spAutoFit/>
+          </a:bodyPr>
+          <a:lstStyle/>
+          <a:p>
+            <a:r>
+              <a:rPr lang="en-US" altLang="zh-CN" b="1" dirty="0">
+                <a:solidFill>
+                  <a:schemeClr val="bg1"/>
+                </a:solidFill>
+                <a:latin typeface="微软雅黑" panose="020B0503020204020204" pitchFamily="34" charset="-122"/>
+                <a:ea typeface="微软雅黑" panose="020B0503020204020204" pitchFamily="34" charset="-122"/>
+                <a:sym typeface="+mn-ea"/>
+              </a:rPr>
+              <a:t>14</a:t>
+            </a:r>
+            <a:endParaRPr lang="en-US" altLang="zh-CN" b="1" dirty="0">
+              <a:solidFill>
+                <a:schemeClr val="bg1"/>
+              </a:solidFill>
+              <a:latin typeface="微软雅黑" panose="020B0503020204020204" pitchFamily="34" charset="-122"/>
+              <a:ea typeface="微软雅黑" panose="020B0503020204020204" pitchFamily="34" charset="-122"/>
+              <a:sym typeface="+mn-ea"/>
+            </a:endParaRPr>
+          </a:p>
+        </p:txBody>
+      </p:sp>
+      <p:sp>
+        <p:nvSpPr>
+          <p:cNvPr id="6" name="文本框 5"/>
+          <p:cNvSpPr txBox="1"/>
+          <p:nvPr/>
+        </p:nvSpPr>
+        <p:spPr>
+          <a:xfrm>
+            <a:off x="983432" y="1484784"/>
+            <a:ext cx="184731" cy="369332"/>
+          </a:xfrm>
+          <a:prstGeom prst="rect">
+            <a:avLst/>
+          </a:prstGeom>
+          <a:noFill/>
+        </p:spPr>
+        <p:txBody>
+          <a:bodyPr wrap="none" rtlCol="0">
+            <a:spAutoFit/>
+          </a:bodyPr>
+          <a:lstStyle/>
+          <a:p>
+            <a:endParaRPr lang="zh-CN" altLang="en-US" dirty="0"/>
+          </a:p>
+        </p:txBody>
+      </p:sp>
+      <p:sp>
+        <p:nvSpPr>
+          <p:cNvPr id="3" name="文本框 2"/>
+          <p:cNvSpPr txBox="1"/>
+          <p:nvPr/>
+        </p:nvSpPr>
+        <p:spPr>
+          <a:xfrm>
+            <a:off x="1967023" y="2424223"/>
+            <a:ext cx="184731" cy="369332"/>
+          </a:xfrm>
+          <a:prstGeom prst="rect">
+            <a:avLst/>
+          </a:prstGeom>
+          <a:noFill/>
+        </p:spPr>
+        <p:txBody>
+          <a:bodyPr wrap="none" rtlCol="0">
+            <a:spAutoFit/>
+          </a:bodyPr>
+          <a:lstStyle/>
+          <a:p>
+            <a:endParaRPr kumimoji="1" lang="zh-CN" altLang="en-US" dirty="0"/>
+          </a:p>
+        </p:txBody>
+      </p:sp>
+      <p:sp>
+        <p:nvSpPr>
+          <p:cNvPr id="8" name="文本框 7"/>
+          <p:cNvSpPr txBox="1"/>
+          <p:nvPr/>
+        </p:nvSpPr>
+        <p:spPr>
+          <a:xfrm>
+            <a:off x="935665" y="5571460"/>
+            <a:ext cx="184731" cy="369332"/>
+          </a:xfrm>
+          <a:prstGeom prst="rect">
+            <a:avLst/>
+          </a:prstGeom>
+          <a:noFill/>
+        </p:spPr>
+        <p:txBody>
+          <a:bodyPr wrap="none" rtlCol="0">
+            <a:spAutoFit/>
+          </a:bodyPr>
+          <a:lstStyle/>
+          <a:p>
+            <a:endParaRPr kumimoji="1" lang="zh-CN" altLang="en-US" dirty="0"/>
+          </a:p>
+        </p:txBody>
+      </p:sp>
+      <p:sp>
+        <p:nvSpPr>
+          <p:cNvPr id="9" name="文本框 8"/>
+          <p:cNvSpPr txBox="1"/>
+          <p:nvPr/>
+        </p:nvSpPr>
+        <p:spPr>
+          <a:xfrm>
+            <a:off x="695400" y="980728"/>
+            <a:ext cx="9954895" cy="1337945"/>
+          </a:xfrm>
+          <a:prstGeom prst="rect">
+            <a:avLst/>
+          </a:prstGeom>
+          <a:noFill/>
+        </p:spPr>
+        <p:txBody>
+          <a:bodyPr wrap="none" rtlCol="0">
+            <a:spAutoFit/>
+          </a:bodyPr>
+          <a:lstStyle/>
+          <a:p>
+            <a:pPr>
+              <a:lnSpc>
+                <a:spcPct val="150000"/>
+              </a:lnSpc>
+            </a:pPr>
+            <a:r>
+              <a:rPr kumimoji="1" lang="en-US" altLang="zh-CN" dirty="0"/>
+              <a:t>1</a:t>
+            </a:r>
+            <a:r>
+              <a:rPr kumimoji="1" lang="zh-CN" altLang="en-US" dirty="0"/>
+              <a:t>、官方测试：</a:t>
+            </a:r>
+            <a:r>
+              <a:rPr lang="en-GB" altLang="zh-CN" dirty="0">
+                <a:hlinkClick r:id="rId1"/>
+              </a:rPr>
+              <a:t> https://clickhouse.yandex/benchmark.html</a:t>
+            </a:r>
+            <a:endParaRPr lang="en-GB" altLang="zh-CN" dirty="0"/>
+          </a:p>
+          <a:p>
+            <a:pPr>
+              <a:lnSpc>
+                <a:spcPct val="150000"/>
+              </a:lnSpc>
+            </a:pPr>
+            <a:r>
+              <a:rPr kumimoji="1" lang="en-US" altLang="zh-CN" dirty="0"/>
+              <a:t>2</a:t>
+            </a:r>
+            <a:r>
+              <a:rPr kumimoji="1" lang="zh-CN" altLang="en-US" dirty="0"/>
+              <a:t>、开源</a:t>
+            </a:r>
+            <a:r>
+              <a:rPr kumimoji="1" lang="en-GB" altLang="zh-CN" dirty="0"/>
+              <a:t>OLAP</a:t>
+            </a:r>
+            <a:r>
+              <a:rPr kumimoji="1" lang="zh-CN" altLang="en-US" dirty="0"/>
+              <a:t>引擎测评报告</a:t>
+            </a:r>
+            <a:r>
+              <a:rPr kumimoji="1" lang="zh-CN" dirty="0"/>
+              <a:t>：</a:t>
+            </a:r>
+            <a:r>
+              <a:rPr lang="en-GB" altLang="zh-CN" dirty="0">
+                <a:hlinkClick r:id="rId2"/>
+              </a:rPr>
+              <a:t>http://www.clickhouse.com.cn/topic/5c453371389ad55f127768ea</a:t>
+            </a:r>
+            <a:endParaRPr lang="en-GB" altLang="zh-CN" dirty="0">
+              <a:hlinkClick r:id="rId2"/>
+            </a:endParaRPr>
+          </a:p>
+          <a:p>
+            <a:pPr>
+              <a:lnSpc>
+                <a:spcPct val="150000"/>
+              </a:lnSpc>
+            </a:pPr>
+            <a:r>
+              <a:rPr kumimoji="1" lang="en-US" altLang="zh-CN" dirty="0"/>
+              <a:t>3</a:t>
+            </a:r>
+            <a:r>
+              <a:rPr kumimoji="1" lang="zh-CN" altLang="en-US" dirty="0"/>
+              <a:t>、授信后台指标分析统计</a:t>
+            </a:r>
+            <a:endParaRPr kumimoji="1" lang="zh-CN" altLang="en-US" dirty="0"/>
           </a:p>
         </p:txBody>
       </p:sp>
@@ -7992,7 +8650,7 @@
         <p:spPr>
           <a:xfrm>
             <a:off x="7004224" y="1532978"/>
-            <a:ext cx="1689886" cy="369332"/>
+            <a:ext cx="649537" cy="369332"/>
           </a:xfrm>
           <a:prstGeom prst="rect">
             <a:avLst/>
@@ -8005,13 +8663,16 @@
           <a:lstStyle/>
           <a:p>
             <a:r>
-              <a:rPr lang="en" altLang="zh-CN" b="1" dirty="0" err="1"/>
-              <a:t>ClickHouse</a:t>
-            </a:r>
-            <a:r>
-              <a:rPr lang="zh-CN" altLang="en-US" b="1" dirty="0"/>
+              <a:rPr lang="zh-CN" altLang="en-US" b="1" dirty="0">
+                <a:latin typeface="Microsoft YaHei" panose="020B0503020204020204" pitchFamily="34" charset="-122"/>
+                <a:ea typeface="Microsoft YaHei" panose="020B0503020204020204" pitchFamily="34" charset="-122"/>
+              </a:rPr>
               <a:t>概述</a:t>
             </a:r>
+            <a:endParaRPr lang="zh-CN" altLang="en-US" b="1" dirty="0">
+              <a:latin typeface="Microsoft YaHei" panose="020B0503020204020204" pitchFamily="34" charset="-122"/>
+              <a:ea typeface="Microsoft YaHei" panose="020B0503020204020204" pitchFamily="34" charset="-122"/>
+            </a:endParaRPr>
           </a:p>
         </p:txBody>
       </p:sp>
@@ -8059,7 +8720,7 @@
         <p:spPr>
           <a:xfrm>
             <a:off x="7004224" y="2376482"/>
-            <a:ext cx="1210588" cy="369332"/>
+            <a:ext cx="697627" cy="369332"/>
           </a:xfrm>
           <a:prstGeom prst="rect">
             <a:avLst/>
@@ -8076,8 +8737,12 @@
                 <a:latin typeface="微软雅黑" panose="020B0503020204020204" pitchFamily="34" charset="-122"/>
                 <a:ea typeface="微软雅黑" panose="020B0503020204020204" pitchFamily="34" charset="-122"/>
               </a:rPr>
-              <a:t>部署架构</a:t>
-            </a:r>
+              <a:t>架构</a:t>
+            </a:r>
+            <a:endParaRPr lang="zh-CN" altLang="en-US" b="1" spc="200" dirty="0">
+              <a:latin typeface="微软雅黑" panose="020B0503020204020204" pitchFamily="34" charset="-122"/>
+              <a:ea typeface="微软雅黑" panose="020B0503020204020204" pitchFamily="34" charset="-122"/>
+            </a:endParaRPr>
           </a:p>
         </p:txBody>
       </p:sp>
@@ -8125,7 +8790,7 @@
         <p:spPr>
           <a:xfrm>
             <a:off x="7004224" y="3244116"/>
-            <a:ext cx="1208985" cy="369332"/>
+            <a:ext cx="697627" cy="369332"/>
           </a:xfrm>
           <a:prstGeom prst="rect">
             <a:avLst/>
@@ -8142,8 +8807,12 @@
                 <a:latin typeface="微软雅黑" panose="020B0503020204020204" pitchFamily="34" charset="-122"/>
                 <a:ea typeface="微软雅黑" panose="020B0503020204020204" pitchFamily="34" charset="-122"/>
               </a:rPr>
-              <a:t>性能测试</a:t>
-            </a:r>
+              <a:t>性能</a:t>
+            </a:r>
+            <a:endParaRPr lang="zh-CN" altLang="en-US" b="1" spc="200" dirty="0">
+              <a:latin typeface="微软雅黑" panose="020B0503020204020204" pitchFamily="34" charset="-122"/>
+              <a:ea typeface="微软雅黑" panose="020B0503020204020204" pitchFamily="34" charset="-122"/>
+            </a:endParaRPr>
           </a:p>
         </p:txBody>
       </p:sp>
@@ -8261,7 +8930,7 @@
           <p:nvPr/>
         </p:nvPicPr>
         <p:blipFill rotWithShape="1">
-          <a:blip r:embed="rId2" cstate="print">
+          <a:blip r:embed="rId1" cstate="print">
             <a:extLst>
               <a:ext uri="{28A0092B-C50C-407E-A947-70E740481C1C}">
                 <a14:useLocalDpi xmlns:a14="http://schemas.microsoft.com/office/drawing/2010/main" val="0"/>
@@ -8363,6 +9032,13 @@
               </a:rPr>
               <a:t>目  录</a:t>
             </a:r>
+            <a:endParaRPr lang="zh-CN" altLang="en-US" sz="4400" b="1" dirty="0">
+              <a:solidFill>
+                <a:schemeClr val="bg1"/>
+              </a:solidFill>
+              <a:latin typeface="微软雅黑" panose="020B0503020204020204" pitchFamily="34" charset="-122"/>
+              <a:ea typeface="微软雅黑" panose="020B0503020204020204" pitchFamily="34" charset="-122"/>
+            </a:endParaRPr>
           </a:p>
         </p:txBody>
       </p:sp>
@@ -8537,6 +9213,13 @@
               </a:rPr>
               <a:t>01</a:t>
             </a:r>
+            <a:endParaRPr lang="en-US" altLang="zh-CN" sz="2800" b="1">
+              <a:solidFill>
+                <a:srgbClr val="0043CF"/>
+              </a:solidFill>
+              <a:latin typeface="微软雅黑" panose="020B0503020204020204" pitchFamily="34" charset="-122"/>
+              <a:ea typeface="微软雅黑" panose="020B0503020204020204" pitchFamily="34" charset="-122"/>
+            </a:endParaRPr>
           </a:p>
         </p:txBody>
       </p:sp>
@@ -8572,6 +9255,13 @@
               </a:rPr>
               <a:t>02</a:t>
             </a:r>
+            <a:endParaRPr lang="en-US" altLang="zh-CN" sz="2800" b="1" dirty="0">
+              <a:solidFill>
+                <a:srgbClr val="0043CF"/>
+              </a:solidFill>
+              <a:latin typeface="微软雅黑" panose="020B0503020204020204" pitchFamily="34" charset="-122"/>
+              <a:ea typeface="微软雅黑" panose="020B0503020204020204" pitchFamily="34" charset="-122"/>
+            </a:endParaRPr>
           </a:p>
         </p:txBody>
       </p:sp>
@@ -8607,6 +9297,312 @@
               </a:rPr>
               <a:t>03</a:t>
             </a:r>
+            <a:endParaRPr lang="en-US" altLang="zh-CN" sz="2800" b="1">
+              <a:solidFill>
+                <a:srgbClr val="0043CF"/>
+              </a:solidFill>
+              <a:latin typeface="微软雅黑" panose="020B0503020204020204" pitchFamily="34" charset="-122"/>
+              <a:ea typeface="微软雅黑" panose="020B0503020204020204" pitchFamily="34" charset="-122"/>
+            </a:endParaRPr>
+          </a:p>
+        </p:txBody>
+      </p:sp>
+    </p:spTree>
+  </p:cSld>
+  <p:clrMapOvr>
+    <a:masterClrMapping/>
+  </p:clrMapOvr>
+</p:sld>
+</file>
+
+<file path=ppt/slides/slide20.xml><?xml version="1.0" encoding="utf-8"?>
+<p:sld xmlns:a="http://schemas.openxmlformats.org/drawingml/2006/main" xmlns:r="http://schemas.openxmlformats.org/officeDocument/2006/relationships" xmlns:p="http://schemas.openxmlformats.org/presentationml/2006/main">
+  <p:cSld>
+    <p:bg>
+      <p:bgPr>
+        <a:solidFill>
+          <a:schemeClr val="bg1"/>
+        </a:solidFill>
+        <a:effectLst/>
+      </p:bgPr>
+    </p:bg>
+    <p:spTree>
+      <p:nvGrpSpPr>
+        <p:cNvPr id="1" name=""/>
+        <p:cNvGrpSpPr/>
+        <p:nvPr/>
+      </p:nvGrpSpPr>
+      <p:grpSpPr>
+        <a:xfrm>
+          <a:off x="0" y="0"/>
+          <a:ext cx="0" cy="0"/>
+          <a:chOff x="0" y="0"/>
+          <a:chExt cx="0" cy="0"/>
+        </a:xfrm>
+      </p:grpSpPr>
+      <p:pic>
+        <p:nvPicPr>
+          <p:cNvPr id="2" name="图片 1"/>
+          <p:cNvPicPr>
+            <a:picLocks noChangeAspect="1"/>
+          </p:cNvPicPr>
+          <p:nvPr/>
+        </p:nvPicPr>
+        <p:blipFill rotWithShape="1">
+          <a:blip r:embed="rId1" cstate="print">
+            <a:extLst>
+              <a:ext uri="{28A0092B-C50C-407E-A947-70E740481C1C}">
+                <a14:useLocalDpi xmlns:a14="http://schemas.microsoft.com/office/drawing/2010/main" val="0"/>
+              </a:ext>
+            </a:extLst>
+          </a:blip>
+          <a:srcRect l="6508" r="4336"/>
+          <a:stretch>
+            <a:fillRect/>
+          </a:stretch>
+        </p:blipFill>
+        <p:spPr>
+          <a:xfrm>
+            <a:off x="-24680" y="0"/>
+            <a:ext cx="12205356" cy="6858000"/>
+          </a:xfrm>
+          <a:prstGeom prst="rect">
+            <a:avLst/>
+          </a:prstGeom>
+          <a:ln>
+            <a:noFill/>
+          </a:ln>
+        </p:spPr>
+      </p:pic>
+      <p:sp>
+        <p:nvSpPr>
+          <p:cNvPr id="11" name="椭圆 10"/>
+          <p:cNvSpPr/>
+          <p:nvPr/>
+        </p:nvSpPr>
+        <p:spPr>
+          <a:xfrm>
+            <a:off x="4259796" y="1448780"/>
+            <a:ext cx="3672408" cy="3672408"/>
+          </a:xfrm>
+          <a:prstGeom prst="ellipse">
+            <a:avLst/>
+          </a:prstGeom>
+          <a:noFill/>
+          <a:ln w="28575">
+            <a:solidFill>
+              <a:schemeClr val="bg1"/>
+            </a:solidFill>
+            <a:prstDash val="sysDot"/>
+          </a:ln>
+        </p:spPr>
+        <p:style>
+          <a:lnRef idx="2">
+            <a:schemeClr val="accent1">
+              <a:shade val="50000"/>
+            </a:schemeClr>
+          </a:lnRef>
+          <a:fillRef idx="1">
+            <a:schemeClr val="accent1"/>
+          </a:fillRef>
+          <a:effectRef idx="0">
+            <a:schemeClr val="accent1"/>
+          </a:effectRef>
+          <a:fontRef idx="minor">
+            <a:schemeClr val="lt1"/>
+          </a:fontRef>
+        </p:style>
+        <p:txBody>
+          <a:bodyPr rtlCol="0" anchor="ctr"/>
+          <a:lstStyle/>
+          <a:p>
+            <a:pPr algn="ctr"/>
+            <a:endParaRPr lang="zh-CN" altLang="en-US">
+              <a:ea typeface="微软雅黑" panose="020B0503020204020204" pitchFamily="34" charset="-122"/>
+            </a:endParaRPr>
+          </a:p>
+        </p:txBody>
+      </p:sp>
+      <p:sp>
+        <p:nvSpPr>
+          <p:cNvPr id="12" name="椭圆 11"/>
+          <p:cNvSpPr/>
+          <p:nvPr/>
+        </p:nvSpPr>
+        <p:spPr>
+          <a:xfrm>
+            <a:off x="4358807" y="1565793"/>
+            <a:ext cx="3438382" cy="3438382"/>
+          </a:xfrm>
+          <a:prstGeom prst="ellipse">
+            <a:avLst/>
+          </a:prstGeom>
+          <a:noFill/>
+          <a:ln>
+            <a:solidFill>
+              <a:schemeClr val="bg1"/>
+            </a:solidFill>
+          </a:ln>
+        </p:spPr>
+        <p:style>
+          <a:lnRef idx="2">
+            <a:schemeClr val="accent1">
+              <a:shade val="50000"/>
+            </a:schemeClr>
+          </a:lnRef>
+          <a:fillRef idx="1">
+            <a:schemeClr val="accent1"/>
+          </a:fillRef>
+          <a:effectRef idx="0">
+            <a:schemeClr val="accent1"/>
+          </a:effectRef>
+          <a:fontRef idx="minor">
+            <a:schemeClr val="lt1"/>
+          </a:fontRef>
+        </p:style>
+        <p:txBody>
+          <a:bodyPr rtlCol="0" anchor="ctr"/>
+          <a:lstStyle/>
+          <a:p>
+            <a:pPr algn="ctr"/>
+            <a:endParaRPr lang="zh-CN" altLang="en-US">
+              <a:ea typeface="微软雅黑" panose="020B0503020204020204" pitchFamily="34" charset="-122"/>
+            </a:endParaRPr>
+          </a:p>
+        </p:txBody>
+      </p:sp>
+      <p:sp>
+        <p:nvSpPr>
+          <p:cNvPr id="13" name="文本框 12"/>
+          <p:cNvSpPr txBox="1"/>
+          <p:nvPr/>
+        </p:nvSpPr>
+        <p:spPr>
+          <a:xfrm>
+            <a:off x="4772561" y="3291170"/>
+            <a:ext cx="2646878" cy="830997"/>
+          </a:xfrm>
+          <a:prstGeom prst="rect">
+            <a:avLst/>
+          </a:prstGeom>
+          <a:noFill/>
+        </p:spPr>
+        <p:txBody>
+          <a:bodyPr wrap="none" rtlCol="0">
+            <a:spAutoFit/>
+          </a:bodyPr>
+          <a:lstStyle/>
+          <a:p>
+            <a:r>
+              <a:rPr lang="zh-CN" altLang="en-US" sz="4800" b="1" dirty="0">
+                <a:solidFill>
+                  <a:schemeClr val="bg1"/>
+                </a:solidFill>
+                <a:latin typeface="微软雅黑" panose="020B0503020204020204" pitchFamily="34" charset="-122"/>
+                <a:ea typeface="微软雅黑" panose="020B0503020204020204" pitchFamily="34" charset="-122"/>
+              </a:rPr>
+              <a:t>谢谢关注</a:t>
+            </a:r>
+            <a:endParaRPr lang="zh-CN" altLang="en-US" sz="4800" b="1" dirty="0">
+              <a:solidFill>
+                <a:schemeClr val="bg1"/>
+              </a:solidFill>
+              <a:latin typeface="微软雅黑" panose="020B0503020204020204" pitchFamily="34" charset="-122"/>
+              <a:ea typeface="微软雅黑" panose="020B0503020204020204" pitchFamily="34" charset="-122"/>
+            </a:endParaRPr>
+          </a:p>
+        </p:txBody>
+      </p:sp>
+      <p:sp>
+        <p:nvSpPr>
+          <p:cNvPr id="14" name="矩形 13"/>
+          <p:cNvSpPr/>
+          <p:nvPr/>
+        </p:nvSpPr>
+        <p:spPr>
+          <a:xfrm>
+            <a:off x="4760169" y="2659559"/>
+            <a:ext cx="2635658" cy="769441"/>
+          </a:xfrm>
+          <a:prstGeom prst="rect">
+            <a:avLst/>
+          </a:prstGeom>
+        </p:spPr>
+        <p:txBody>
+          <a:bodyPr wrap="none">
+            <a:spAutoFit/>
+          </a:bodyPr>
+          <a:lstStyle/>
+          <a:p>
+            <a:r>
+              <a:rPr lang="zh-CN" altLang="en-US" sz="4400" b="1" dirty="0">
+                <a:solidFill>
+                  <a:schemeClr val="bg1"/>
+                </a:solidFill>
+                <a:latin typeface="微软雅黑" panose="020B0503020204020204" pitchFamily="34" charset="-122"/>
+                <a:ea typeface="微软雅黑" panose="020B0503020204020204" pitchFamily="34" charset="-122"/>
+              </a:rPr>
+              <a:t>THANK</a:t>
+            </a:r>
+            <a:r>
+              <a:rPr lang="en-US" altLang="zh-CN" sz="4400" b="1" dirty="0">
+                <a:solidFill>
+                  <a:schemeClr val="bg1"/>
+                </a:solidFill>
+                <a:latin typeface="微软雅黑" panose="020B0503020204020204" pitchFamily="34" charset="-122"/>
+                <a:ea typeface="微软雅黑" panose="020B0503020204020204" pitchFamily="34" charset="-122"/>
+              </a:rPr>
+              <a:t>S</a:t>
+            </a:r>
+            <a:endParaRPr lang="zh-CN" altLang="en-US" sz="4400" b="1" dirty="0">
+              <a:solidFill>
+                <a:schemeClr val="bg1"/>
+              </a:solidFill>
+              <a:latin typeface="微软雅黑" panose="020B0503020204020204" pitchFamily="34" charset="-122"/>
+              <a:ea typeface="微软雅黑" panose="020B0503020204020204" pitchFamily="34" charset="-122"/>
+            </a:endParaRPr>
+          </a:p>
+        </p:txBody>
+      </p:sp>
+      <p:sp>
+        <p:nvSpPr>
+          <p:cNvPr id="15" name="矩形 14"/>
+          <p:cNvSpPr/>
+          <p:nvPr/>
+        </p:nvSpPr>
+        <p:spPr>
+          <a:xfrm>
+            <a:off x="4222389" y="5853021"/>
+            <a:ext cx="3711218" cy="337185"/>
+          </a:xfrm>
+          <a:prstGeom prst="rect">
+            <a:avLst/>
+          </a:prstGeom>
+        </p:spPr>
+        <p:txBody>
+          <a:bodyPr wrap="square">
+            <a:spAutoFit/>
+          </a:bodyPr>
+          <a:lstStyle/>
+          <a:p>
+            <a:pPr algn="ctr"/>
+            <a:r>
+              <a:rPr lang="zh-CN" altLang="en-US" sz="1600" b="1" dirty="0">
+                <a:solidFill>
+                  <a:schemeClr val="bg1"/>
+                </a:solidFill>
+                <a:latin typeface="微软雅黑" panose="020B0503020204020204" pitchFamily="34" charset="-122"/>
+                <a:ea typeface="微软雅黑" panose="020B0503020204020204" pitchFamily="34" charset="-122"/>
+              </a:rPr>
+              <a:t>浙江邦盛科技有限公司</a:t>
+            </a:r>
+            <a:endParaRPr lang="zh-CN" altLang="en-US" sz="1600" b="1" dirty="0">
+              <a:solidFill>
+                <a:schemeClr val="bg1"/>
+              </a:solidFill>
+              <a:latin typeface="微软雅黑" panose="020B0503020204020204" pitchFamily="34" charset="-122"/>
+              <a:ea typeface="微软雅黑" panose="020B0503020204020204" pitchFamily="34" charset="-122"/>
+            </a:endParaRPr>
           </a:p>
         </p:txBody>
       </p:sp>
@@ -8644,7 +9640,7 @@
           <p:nvPr/>
         </p:nvPicPr>
         <p:blipFill>
-          <a:blip r:embed="rId2" cstate="print"/>
+          <a:blip r:embed="rId1" cstate="print"/>
           <a:stretch>
             <a:fillRect/>
           </a:stretch>
@@ -8794,6 +9790,12 @@
               </a:rPr>
               <a:t>ART</a:t>
             </a:r>
+            <a:endParaRPr lang="zh-CN" altLang="en-US" dirty="0">
+              <a:solidFill>
+                <a:schemeClr val="bg1"/>
+              </a:solidFill>
+              <a:ea typeface="微软雅黑" panose="020B0503020204020204" pitchFamily="34" charset="-122"/>
+            </a:endParaRPr>
           </a:p>
         </p:txBody>
       </p:sp>
@@ -8819,7 +9821,7 @@
           <a:lstStyle/>
           <a:p>
             <a:r>
-              <a:rPr lang="en" altLang="zh-CN" sz="3200" b="1" spc="200" dirty="0" err="1">
+              <a:rPr lang="en-GB" altLang="zh-CN" sz="3200" b="1" spc="200" dirty="0" err="1">
                 <a:solidFill>
                   <a:schemeClr val="bg1"/>
                 </a:solidFill>
@@ -8838,6 +9840,13 @@
               </a:rPr>
               <a:t>概述</a:t>
             </a:r>
+            <a:endParaRPr lang="zh-CN" altLang="en-US" sz="3200" b="1" spc="200" dirty="0">
+              <a:solidFill>
+                <a:schemeClr val="bg1"/>
+              </a:solidFill>
+              <a:latin typeface="微软雅黑" panose="020B0503020204020204" pitchFamily="34" charset="-122"/>
+              <a:ea typeface="微软雅黑" panose="020B0503020204020204" pitchFamily="34" charset="-122"/>
+            </a:endParaRPr>
           </a:p>
         </p:txBody>
       </p:sp>
@@ -8908,6 +9917,13 @@
               </a:rPr>
               <a:t>01</a:t>
             </a:r>
+            <a:endParaRPr lang="en-US" altLang="zh-CN" sz="8000">
+              <a:solidFill>
+                <a:schemeClr val="bg1"/>
+              </a:solidFill>
+              <a:latin typeface="微软雅黑" panose="020B0503020204020204" pitchFamily="34" charset="-122"/>
+              <a:ea typeface="微软雅黑" panose="020B0503020204020204" pitchFamily="34" charset="-122"/>
+            </a:endParaRPr>
           </a:p>
         </p:txBody>
       </p:sp>
@@ -8969,18 +9985,20 @@
               </a:rPr>
               <a:t>01</a:t>
             </a:r>
-          </a:p>
-        </p:txBody>
-      </p:sp>
-      <p:sp>
-        <p:nvSpPr>
-          <p:cNvPr id="5" name="文本框 4">
-            <a:extLst>
-              <a:ext uri="{FF2B5EF4-FFF2-40B4-BE49-F238E27FC236}">
-                <a16:creationId xmlns:a16="http://schemas.microsoft.com/office/drawing/2014/main" id="{876831D9-D487-334A-8B9D-8704A34A68EE}"/>
-              </a:ext>
-            </a:extLst>
-          </p:cNvPr>
+            <a:endParaRPr lang="en-US" altLang="zh-CN" b="1" dirty="0">
+              <a:solidFill>
+                <a:schemeClr val="bg1"/>
+              </a:solidFill>
+              <a:latin typeface="微软雅黑" panose="020B0503020204020204" pitchFamily="34" charset="-122"/>
+              <a:ea typeface="微软雅黑" panose="020B0503020204020204" pitchFamily="34" charset="-122"/>
+              <a:sym typeface="+mn-ea"/>
+            </a:endParaRPr>
+          </a:p>
+        </p:txBody>
+      </p:sp>
+      <p:sp>
+        <p:nvSpPr>
+          <p:cNvPr id="5" name="文本框 4"/>
           <p:cNvSpPr txBox="1"/>
           <p:nvPr/>
         </p:nvSpPr>
@@ -9008,18 +10026,13 @@
               <a:rPr kumimoji="1" lang="zh-CN" altLang="en-US" dirty="0"/>
               <a:t>是什么？</a:t>
             </a:r>
-          </a:p>
-        </p:txBody>
-      </p:sp>
-      <p:sp>
-        <p:nvSpPr>
-          <p:cNvPr id="7" name="文本框 6">
-            <a:extLst>
-              <a:ext uri="{FF2B5EF4-FFF2-40B4-BE49-F238E27FC236}">
-                <a16:creationId xmlns:a16="http://schemas.microsoft.com/office/drawing/2014/main" id="{BE4EC117-D9BC-F94A-BD35-1F7231B0A2C4}"/>
-              </a:ext>
-            </a:extLst>
-          </p:cNvPr>
+            <a:endParaRPr kumimoji="1" lang="zh-CN" altLang="en-US" dirty="0"/>
+          </a:p>
+        </p:txBody>
+      </p:sp>
+      <p:sp>
+        <p:nvSpPr>
+          <p:cNvPr id="7" name="文本框 6"/>
           <p:cNvSpPr txBox="1"/>
           <p:nvPr/>
         </p:nvSpPr>
@@ -9068,25 +10081,20 @@
               <a:rPr kumimoji="1" lang="zh-CN" altLang="en-US" sz="1400" dirty="0"/>
               <a:t>的列式存储数据库管理系统</a:t>
             </a:r>
+            <a:endParaRPr kumimoji="1" lang="zh-CN" altLang="en-US" sz="1400" dirty="0"/>
           </a:p>
         </p:txBody>
       </p:sp>
       <p:pic>
         <p:nvPicPr>
-          <p:cNvPr id="8" name="图片 7">
-            <a:extLst>
-              <a:ext uri="{FF2B5EF4-FFF2-40B4-BE49-F238E27FC236}">
-                <a16:creationId xmlns:a16="http://schemas.microsoft.com/office/drawing/2014/main" id="{62A358F5-DCCE-434B-8774-C1B0C8BC9AC5}"/>
-              </a:ext>
-            </a:extLst>
-          </p:cNvPr>
+          <p:cNvPr id="8" name="图片 7"/>
           <p:cNvPicPr>
             <a:picLocks noChangeAspect="1"/>
           </p:cNvPicPr>
           <p:nvPr/>
         </p:nvPicPr>
         <p:blipFill>
-          <a:blip r:embed="rId3"/>
+          <a:blip r:embed="rId1"/>
           <a:stretch>
             <a:fillRect/>
           </a:stretch>
@@ -9103,13 +10111,7 @@
       </p:pic>
       <p:sp>
         <p:nvSpPr>
-          <p:cNvPr id="2" name="文本框 1">
-            <a:extLst>
-              <a:ext uri="{FF2B5EF4-FFF2-40B4-BE49-F238E27FC236}">
-                <a16:creationId xmlns:a16="http://schemas.microsoft.com/office/drawing/2014/main" id="{8618758D-1274-4D94-BFBC-8A53C9897647}"/>
-              </a:ext>
-            </a:extLst>
-          </p:cNvPr>
+          <p:cNvPr id="2" name="文本框 1"/>
           <p:cNvSpPr txBox="1"/>
           <p:nvPr/>
         </p:nvSpPr>
@@ -9285,6 +10287,7 @@
               <a:rPr lang="zh-CN" altLang="en-US" dirty="0"/>
               <a:t>。</a:t>
             </a:r>
+            <a:endParaRPr lang="zh-CN" altLang="en-US" dirty="0"/>
           </a:p>
         </p:txBody>
       </p:sp>
@@ -9296,121 +10299,7 @@
   <p:timing>
     <p:tnLst>
       <p:par>
-        <p:cTn id="1" dur="indefinite" restart="never" nodeType="tmRoot">
-          <p:childTnLst>
-            <p:seq concurrent="1" nextAc="seek">
-              <p:cTn id="2" dur="indefinite" nodeType="mainSeq">
-                <p:childTnLst>
-                  <p:par>
-                    <p:cTn id="3" fill="hold">
-                      <p:stCondLst>
-                        <p:cond delay="indefinite"/>
-                      </p:stCondLst>
-                      <p:childTnLst>
-                        <p:par>
-                          <p:cTn id="4" fill="hold">
-                            <p:stCondLst>
-                              <p:cond delay="0"/>
-                            </p:stCondLst>
-                            <p:childTnLst>
-                              <p:par>
-                                <p:cTn id="5" presetID="2" presetClass="entr" presetSubtype="4" fill="hold" nodeType="clickEffect">
-                                  <p:stCondLst>
-                                    <p:cond delay="0"/>
-                                  </p:stCondLst>
-                                  <p:childTnLst>
-                                    <p:set>
-                                      <p:cBhvr>
-                                        <p:cTn id="6" dur="1" fill="hold">
-                                          <p:stCondLst>
-                                            <p:cond delay="0"/>
-                                          </p:stCondLst>
-                                        </p:cTn>
-                                        <p:tgtEl>
-                                          <p:spTgt spid="8"/>
-                                        </p:tgtEl>
-                                        <p:attrNameLst>
-                                          <p:attrName>style.visibility</p:attrName>
-                                        </p:attrNameLst>
-                                      </p:cBhvr>
-                                      <p:to>
-                                        <p:strVal val="visible"/>
-                                      </p:to>
-                                    </p:set>
-                                    <p:anim calcmode="lin" valueType="num">
-                                      <p:cBhvr additive="base">
-                                        <p:cTn id="7" dur="500" fill="hold"/>
-                                        <p:tgtEl>
-                                          <p:spTgt spid="8"/>
-                                        </p:tgtEl>
-                                        <p:attrNameLst>
-                                          <p:attrName>ppt_x</p:attrName>
-                                        </p:attrNameLst>
-                                      </p:cBhvr>
-                                      <p:tavLst>
-                                        <p:tav tm="0">
-                                          <p:val>
-                                            <p:strVal val="#ppt_x"/>
-                                          </p:val>
-                                        </p:tav>
-                                        <p:tav tm="100000">
-                                          <p:val>
-                                            <p:strVal val="#ppt_x"/>
-                                          </p:val>
-                                        </p:tav>
-                                      </p:tavLst>
-                                    </p:anim>
-                                    <p:anim calcmode="lin" valueType="num">
-                                      <p:cBhvr additive="base">
-                                        <p:cTn id="8" dur="500" fill="hold"/>
-                                        <p:tgtEl>
-                                          <p:spTgt spid="8"/>
-                                        </p:tgtEl>
-                                        <p:attrNameLst>
-                                          <p:attrName>ppt_y</p:attrName>
-                                        </p:attrNameLst>
-                                      </p:cBhvr>
-                                      <p:tavLst>
-                                        <p:tav tm="0">
-                                          <p:val>
-                                            <p:strVal val="1+#ppt_h/2"/>
-                                          </p:val>
-                                        </p:tav>
-                                        <p:tav tm="100000">
-                                          <p:val>
-                                            <p:strVal val="#ppt_y"/>
-                                          </p:val>
-                                        </p:tav>
-                                      </p:tavLst>
-                                    </p:anim>
-                                  </p:childTnLst>
-                                </p:cTn>
-                              </p:par>
-                            </p:childTnLst>
-                          </p:cTn>
-                        </p:par>
-                      </p:childTnLst>
-                    </p:cTn>
-                  </p:par>
-                </p:childTnLst>
-              </p:cTn>
-              <p:prevCondLst>
-                <p:cond evt="onPrev" delay="0">
-                  <p:tgtEl>
-                    <p:sldTgt/>
-                  </p:tgtEl>
-                </p:cond>
-              </p:prevCondLst>
-              <p:nextCondLst>
-                <p:cond evt="onNext" delay="0">
-                  <p:tgtEl>
-                    <p:sldTgt/>
-                  </p:tgtEl>
-                </p:cond>
-              </p:nextCondLst>
-            </p:seq>
-          </p:childTnLst>
-        </p:cTn>
+        <p:cTn id="1" dur="indefinite" restart="never" nodeType="tmRoot"/>
       </p:par>
     </p:tnLst>
   </p:timing>
@@ -9436,13 +10325,7 @@
       </p:grpSpPr>
       <p:sp>
         <p:nvSpPr>
-          <p:cNvPr id="4" name="文本框 3">
-            <a:extLst>
-              <a:ext uri="{FF2B5EF4-FFF2-40B4-BE49-F238E27FC236}">
-                <a16:creationId xmlns:a16="http://schemas.microsoft.com/office/drawing/2014/main" id="{82D3865C-9A98-4B46-A8E4-132C992C0BC9}"/>
-              </a:ext>
-            </a:extLst>
-          </p:cNvPr>
+          <p:cNvPr id="4" name="文本框 3"/>
           <p:cNvSpPr txBox="1"/>
           <p:nvPr/>
         </p:nvSpPr>
@@ -9473,18 +10356,20 @@
               </a:rPr>
               <a:t>02</a:t>
             </a:r>
-          </a:p>
-        </p:txBody>
-      </p:sp>
-      <p:sp>
-        <p:nvSpPr>
-          <p:cNvPr id="5" name="矩形 4">
-            <a:extLst>
-              <a:ext uri="{FF2B5EF4-FFF2-40B4-BE49-F238E27FC236}">
-                <a16:creationId xmlns:a16="http://schemas.microsoft.com/office/drawing/2014/main" id="{894DE119-166A-714F-8FA7-0381C02A658D}"/>
-              </a:ext>
-            </a:extLst>
-          </p:cNvPr>
+            <a:endParaRPr lang="en-US" altLang="zh-CN" b="1" dirty="0">
+              <a:solidFill>
+                <a:schemeClr val="bg1"/>
+              </a:solidFill>
+              <a:latin typeface="微软雅黑" panose="020B0503020204020204" pitchFamily="34" charset="-122"/>
+              <a:ea typeface="微软雅黑" panose="020B0503020204020204" pitchFamily="34" charset="-122"/>
+              <a:sym typeface="+mn-ea"/>
+            </a:endParaRPr>
+          </a:p>
+        </p:txBody>
+      </p:sp>
+      <p:sp>
+        <p:nvSpPr>
+          <p:cNvPr id="5" name="矩形 4"/>
           <p:cNvSpPr/>
           <p:nvPr/>
         </p:nvSpPr>
@@ -9534,13 +10419,7 @@
       </p:sp>
       <p:sp>
         <p:nvSpPr>
-          <p:cNvPr id="2" name="矩形 1">
-            <a:extLst>
-              <a:ext uri="{FF2B5EF4-FFF2-40B4-BE49-F238E27FC236}">
-                <a16:creationId xmlns:a16="http://schemas.microsoft.com/office/drawing/2014/main" id="{312B0495-BDDB-429E-B082-81EF61E01F48}"/>
-              </a:ext>
-            </a:extLst>
-          </p:cNvPr>
+          <p:cNvPr id="2" name="矩形 1"/>
           <p:cNvSpPr/>
           <p:nvPr/>
         </p:nvSpPr>
@@ -9563,7 +10442,7 @@
               <a:lnSpc>
                 <a:spcPct val="150000"/>
               </a:lnSpc>
-              <a:buFont typeface="Arial" panose="020B0604020202020204" pitchFamily="34" charset="0"/>
+              <a:buFont typeface="Arial" panose="020B0604020202090204" pitchFamily="34" charset="0"/>
               <a:buChar char="•"/>
             </a:pPr>
             <a:r>
@@ -9577,7 +10456,7 @@
               <a:lnSpc>
                 <a:spcPct val="150000"/>
               </a:lnSpc>
-              <a:buFont typeface="Arial" panose="020B0604020202020204" pitchFamily="34" charset="0"/>
+              <a:buFont typeface="Arial" panose="020B0604020202090204" pitchFamily="34" charset="0"/>
               <a:buChar char="•"/>
             </a:pPr>
             <a:r>
@@ -9604,13 +10483,14 @@
               <a:rPr lang="en-US" altLang="zh-CN" sz="1600" dirty="0"/>
               <a:t>LZ4</a:t>
             </a:r>
+            <a:endParaRPr lang="en-US" altLang="zh-CN" sz="1600" dirty="0"/>
           </a:p>
           <a:p>
             <a:pPr marL="285750" indent="-285750">
               <a:lnSpc>
                 <a:spcPct val="150000"/>
               </a:lnSpc>
-              <a:buFont typeface="Arial" panose="020B0604020202020204" pitchFamily="34" charset="0"/>
+              <a:buFont typeface="Arial" panose="020B0604020202090204" pitchFamily="34" charset="0"/>
               <a:buChar char="•"/>
             </a:pPr>
             <a:r>
@@ -9624,7 +10504,7 @@
               <a:lnSpc>
                 <a:spcPct val="150000"/>
               </a:lnSpc>
-              <a:buFont typeface="Arial" panose="020B0604020202020204" pitchFamily="34" charset="0"/>
+              <a:buFont typeface="Arial" panose="020B0604020202090204" pitchFamily="34" charset="0"/>
               <a:buChar char="•"/>
             </a:pPr>
             <a:r>
@@ -9638,20 +10518,21 @@
               <a:lnSpc>
                 <a:spcPct val="150000"/>
               </a:lnSpc>
-              <a:buFont typeface="Arial" panose="020B0604020202020204" pitchFamily="34" charset="0"/>
+              <a:buFont typeface="Arial" panose="020B0604020202090204" pitchFamily="34" charset="0"/>
               <a:buChar char="•"/>
             </a:pPr>
             <a:r>
               <a:rPr lang="zh-CN" altLang="en-US" sz="1600" dirty="0"/>
               <a:t>多服务器分布式处理</a:t>
             </a:r>
+            <a:endParaRPr lang="zh-CN" altLang="en-US" sz="1600" dirty="0"/>
           </a:p>
           <a:p>
             <a:pPr marL="285750" indent="-285750">
               <a:lnSpc>
                 <a:spcPct val="150000"/>
               </a:lnSpc>
-              <a:buFont typeface="Arial" panose="020B0604020202020204" pitchFamily="34" charset="0"/>
+              <a:buFont typeface="Arial" panose="020B0604020202090204" pitchFamily="34" charset="0"/>
               <a:buChar char="•"/>
             </a:pPr>
             <a:r>
@@ -9662,13 +10543,14 @@
               <a:rPr lang="en-US" altLang="zh-CN" sz="1600" dirty="0"/>
               <a:t>SQL</a:t>
             </a:r>
+            <a:endParaRPr lang="en-US" altLang="zh-CN" sz="1600" dirty="0"/>
           </a:p>
           <a:p>
             <a:pPr marL="285750" indent="-285750">
               <a:lnSpc>
                 <a:spcPct val="150000"/>
               </a:lnSpc>
-              <a:buFont typeface="Arial" panose="020B0604020202020204" pitchFamily="34" charset="0"/>
+              <a:buFont typeface="Arial" panose="020B0604020202090204" pitchFamily="34" charset="0"/>
               <a:buChar char="•"/>
             </a:pPr>
             <a:r>
@@ -9682,7 +10564,7 @@
               <a:lnSpc>
                 <a:spcPct val="150000"/>
               </a:lnSpc>
-              <a:buFont typeface="Arial" panose="020B0604020202020204" pitchFamily="34" charset="0"/>
+              <a:buFont typeface="Arial" panose="020B0604020202090204" pitchFamily="34" charset="0"/>
               <a:buChar char="•"/>
             </a:pPr>
             <a:r>
@@ -9696,7 +10578,7 @@
               <a:lnSpc>
                 <a:spcPct val="150000"/>
               </a:lnSpc>
-              <a:buFont typeface="Arial" panose="020B0604020202020204" pitchFamily="34" charset="0"/>
+              <a:buFont typeface="Arial" panose="020B0604020202090204" pitchFamily="34" charset="0"/>
               <a:buChar char="•"/>
             </a:pPr>
             <a:r>
@@ -9710,7 +10592,7 @@
               <a:lnSpc>
                 <a:spcPct val="150000"/>
               </a:lnSpc>
-              <a:buFont typeface="Arial" panose="020B0604020202020204" pitchFamily="34" charset="0"/>
+              <a:buFont typeface="Arial" panose="020B0604020202090204" pitchFamily="34" charset="0"/>
               <a:buChar char="•"/>
             </a:pPr>
             <a:r>
@@ -9724,7 +10606,7 @@
               <a:lnSpc>
                 <a:spcPct val="150000"/>
               </a:lnSpc>
-              <a:buFont typeface="Arial" panose="020B0604020202020204" pitchFamily="34" charset="0"/>
+              <a:buFont typeface="Arial" panose="020B0604020202090204" pitchFamily="34" charset="0"/>
               <a:buChar char="•"/>
             </a:pPr>
             <a:r>
@@ -9738,22 +10620,18 @@
               <a:lnSpc>
                 <a:spcPct val="150000"/>
               </a:lnSpc>
-              <a:buFont typeface="Arial" panose="020B0604020202020204" pitchFamily="34" charset="0"/>
+              <a:buFont typeface="Arial" panose="020B0604020202090204" pitchFamily="34" charset="0"/>
               <a:buChar char="•"/>
             </a:pPr>
             <a:r>
               <a:rPr lang="zh-CN" altLang="en-US" sz="1600" dirty="0"/>
               <a:t>支持数据复制和数据完整性</a:t>
             </a:r>
+            <a:endParaRPr lang="zh-CN" altLang="en-US" sz="1600" dirty="0"/>
           </a:p>
         </p:txBody>
       </p:sp>
     </p:spTree>
-    <p:extLst>
-      <p:ext uri="{BB962C8B-B14F-4D97-AF65-F5344CB8AC3E}">
-        <p14:creationId xmlns:p14="http://schemas.microsoft.com/office/powerpoint/2010/main" val="4030777079"/>
-      </p:ext>
-    </p:extLst>
   </p:cSld>
   <p:clrMapOvr>
     <a:masterClrMapping/>
@@ -9780,13 +10658,7 @@
       </p:grpSpPr>
       <p:sp>
         <p:nvSpPr>
-          <p:cNvPr id="4" name="文本框 3">
-            <a:extLst>
-              <a:ext uri="{FF2B5EF4-FFF2-40B4-BE49-F238E27FC236}">
-                <a16:creationId xmlns:a16="http://schemas.microsoft.com/office/drawing/2014/main" id="{82D3865C-9A98-4B46-A8E4-132C992C0BC9}"/>
-              </a:ext>
-            </a:extLst>
-          </p:cNvPr>
+          <p:cNvPr id="4" name="文本框 3"/>
           <p:cNvSpPr txBox="1"/>
           <p:nvPr/>
         </p:nvSpPr>
@@ -9817,18 +10689,20 @@
               </a:rPr>
               <a:t>03</a:t>
             </a:r>
-          </a:p>
-        </p:txBody>
-      </p:sp>
-      <p:sp>
-        <p:nvSpPr>
-          <p:cNvPr id="5" name="矩形 4">
-            <a:extLst>
-              <a:ext uri="{FF2B5EF4-FFF2-40B4-BE49-F238E27FC236}">
-                <a16:creationId xmlns:a16="http://schemas.microsoft.com/office/drawing/2014/main" id="{894DE119-166A-714F-8FA7-0381C02A658D}"/>
-              </a:ext>
-            </a:extLst>
-          </p:cNvPr>
+            <a:endParaRPr lang="en-US" altLang="zh-CN" b="1" dirty="0">
+              <a:solidFill>
+                <a:schemeClr val="bg1"/>
+              </a:solidFill>
+              <a:latin typeface="微软雅黑" panose="020B0503020204020204" pitchFamily="34" charset="-122"/>
+              <a:ea typeface="微软雅黑" panose="020B0503020204020204" pitchFamily="34" charset="-122"/>
+              <a:sym typeface="+mn-ea"/>
+            </a:endParaRPr>
+          </a:p>
+        </p:txBody>
+      </p:sp>
+      <p:sp>
+        <p:nvSpPr>
+          <p:cNvPr id="5" name="矩形 4"/>
           <p:cNvSpPr/>
           <p:nvPr/>
         </p:nvSpPr>
@@ -9867,18 +10741,19 @@
               </a:rPr>
               <a:t>缺点</a:t>
             </a:r>
-          </a:p>
-        </p:txBody>
-      </p:sp>
-      <p:sp>
-        <p:nvSpPr>
-          <p:cNvPr id="2" name="矩形 1">
-            <a:extLst>
-              <a:ext uri="{FF2B5EF4-FFF2-40B4-BE49-F238E27FC236}">
-                <a16:creationId xmlns:a16="http://schemas.microsoft.com/office/drawing/2014/main" id="{312B0495-BDDB-429E-B082-81EF61E01F48}"/>
-              </a:ext>
-            </a:extLst>
-          </p:cNvPr>
+            <a:endParaRPr lang="zh-CN" altLang="en-US" b="0" i="0" dirty="0">
+              <a:solidFill>
+                <a:srgbClr val="000000"/>
+              </a:solidFill>
+              <a:effectLst/>
+              <a:latin typeface="Yandex Sans Display Web"/>
+            </a:endParaRPr>
+          </a:p>
+        </p:txBody>
+      </p:sp>
+      <p:sp>
+        <p:nvSpPr>
+          <p:cNvPr id="2" name="矩形 1"/>
           <p:cNvSpPr/>
           <p:nvPr/>
         </p:nvSpPr>
@@ -9901,7 +10776,7 @@
               <a:lnSpc>
                 <a:spcPct val="150000"/>
               </a:lnSpc>
-              <a:buFont typeface="Arial" panose="020B0604020202020204" pitchFamily="34" charset="0"/>
+              <a:buFont typeface="Arial" panose="020B0604020202090204" pitchFamily="34" charset="0"/>
               <a:buChar char="•"/>
             </a:pPr>
             <a:r>
@@ -9915,7 +10790,7 @@
               <a:lnSpc>
                 <a:spcPct val="150000"/>
               </a:lnSpc>
-              <a:buFont typeface="Arial" panose="020B0604020202020204" pitchFamily="34" charset="0"/>
+              <a:buFont typeface="Arial" panose="020B0604020202090204" pitchFamily="34" charset="0"/>
               <a:buChar char="•"/>
             </a:pPr>
             <a:r>
@@ -9937,7 +10812,7 @@
               <a:lnSpc>
                 <a:spcPct val="150000"/>
               </a:lnSpc>
-              <a:buFont typeface="Arial" panose="020B0604020202020204" pitchFamily="34" charset="0"/>
+              <a:buFont typeface="Arial" panose="020B0604020202090204" pitchFamily="34" charset="0"/>
               <a:buChar char="•"/>
             </a:pPr>
             <a:r>
@@ -9959,7 +10834,7 @@
               <a:lnSpc>
                 <a:spcPct val="150000"/>
               </a:lnSpc>
-              <a:buFont typeface="Arial" panose="020B0604020202020204" pitchFamily="34" charset="0"/>
+              <a:buFont typeface="Arial" panose="020B0604020202090204" pitchFamily="34" charset="0"/>
               <a:buChar char="•"/>
             </a:pPr>
             <a:r>
@@ -9979,11 +10854,6 @@
         </p:txBody>
       </p:sp>
     </p:spTree>
-    <p:extLst>
-      <p:ext uri="{BB962C8B-B14F-4D97-AF65-F5344CB8AC3E}">
-        <p14:creationId xmlns:p14="http://schemas.microsoft.com/office/powerpoint/2010/main" val="1951401875"/>
-      </p:ext>
-    </p:extLst>
   </p:cSld>
   <p:clrMapOvr>
     <a:masterClrMapping/>
@@ -10010,13 +10880,7 @@
       </p:grpSpPr>
       <p:sp>
         <p:nvSpPr>
-          <p:cNvPr id="4" name="文本框 3">
-            <a:extLst>
-              <a:ext uri="{FF2B5EF4-FFF2-40B4-BE49-F238E27FC236}">
-                <a16:creationId xmlns:a16="http://schemas.microsoft.com/office/drawing/2014/main" id="{82D3865C-9A98-4B46-A8E4-132C992C0BC9}"/>
-              </a:ext>
-            </a:extLst>
-          </p:cNvPr>
+          <p:cNvPr id="4" name="文本框 3"/>
           <p:cNvSpPr txBox="1"/>
           <p:nvPr/>
         </p:nvSpPr>
@@ -10047,18 +10911,20 @@
               </a:rPr>
               <a:t>04</a:t>
             </a:r>
-          </a:p>
-        </p:txBody>
-      </p:sp>
-      <p:sp>
-        <p:nvSpPr>
-          <p:cNvPr id="5" name="矩形 4">
-            <a:extLst>
-              <a:ext uri="{FF2B5EF4-FFF2-40B4-BE49-F238E27FC236}">
-                <a16:creationId xmlns:a16="http://schemas.microsoft.com/office/drawing/2014/main" id="{894DE119-166A-714F-8FA7-0381C02A658D}"/>
-              </a:ext>
-            </a:extLst>
-          </p:cNvPr>
+            <a:endParaRPr lang="en-US" altLang="zh-CN" b="1" dirty="0">
+              <a:solidFill>
+                <a:schemeClr val="bg1"/>
+              </a:solidFill>
+              <a:latin typeface="微软雅黑" panose="020B0503020204020204" pitchFamily="34" charset="-122"/>
+              <a:ea typeface="微软雅黑" panose="020B0503020204020204" pitchFamily="34" charset="-122"/>
+              <a:sym typeface="+mn-ea"/>
+            </a:endParaRPr>
+          </a:p>
+        </p:txBody>
+      </p:sp>
+      <p:sp>
+        <p:nvSpPr>
+          <p:cNvPr id="5" name="矩形 4"/>
           <p:cNvSpPr/>
           <p:nvPr/>
         </p:nvSpPr>
@@ -10117,13 +10983,7 @@
       </p:sp>
       <p:sp>
         <p:nvSpPr>
-          <p:cNvPr id="2" name="矩形 1">
-            <a:extLst>
-              <a:ext uri="{FF2B5EF4-FFF2-40B4-BE49-F238E27FC236}">
-                <a16:creationId xmlns:a16="http://schemas.microsoft.com/office/drawing/2014/main" id="{312B0495-BDDB-429E-B082-81EF61E01F48}"/>
-              </a:ext>
-            </a:extLst>
-          </p:cNvPr>
+          <p:cNvPr id="2" name="矩形 1"/>
           <p:cNvSpPr/>
           <p:nvPr/>
         </p:nvSpPr>
@@ -10146,7 +11006,7 @@
               <a:lnSpc>
                 <a:spcPct val="150000"/>
               </a:lnSpc>
-              <a:buFont typeface="Arial" panose="020B0604020202020204" pitchFamily="34" charset="0"/>
+              <a:buFont typeface="Arial" panose="020B0604020202090204" pitchFamily="34" charset="0"/>
               <a:buChar char="•"/>
             </a:pPr>
             <a:r>
@@ -10213,13 +11073,14 @@
               <a:rPr lang="en-US" altLang="zh-CN" sz="1600" dirty="0"/>
               <a:t>UInt64</a:t>
             </a:r>
+            <a:endParaRPr lang="en-US" altLang="zh-CN" sz="1600" dirty="0"/>
           </a:p>
           <a:p>
             <a:pPr marL="285750" indent="-285750">
               <a:lnSpc>
                 <a:spcPct val="150000"/>
               </a:lnSpc>
-              <a:buFont typeface="Arial" panose="020B0604020202020204" pitchFamily="34" charset="0"/>
+              <a:buFont typeface="Arial" panose="020B0604020202090204" pitchFamily="34" charset="0"/>
               <a:buChar char="•"/>
             </a:pPr>
             <a:r>
@@ -10238,13 +11099,14 @@
               <a:rPr lang="en-US" altLang="zh-CN" sz="1600" dirty="0"/>
               <a:t>Float64</a:t>
             </a:r>
+            <a:endParaRPr lang="en-US" altLang="zh-CN" sz="1600" dirty="0"/>
           </a:p>
           <a:p>
             <a:pPr marL="285750" indent="-285750">
               <a:lnSpc>
                 <a:spcPct val="150000"/>
               </a:lnSpc>
-              <a:buFont typeface="Arial" panose="020B0604020202020204" pitchFamily="34" charset="0"/>
+              <a:buFont typeface="Arial" panose="020B0604020202090204" pitchFamily="34" charset="0"/>
               <a:buChar char="•"/>
             </a:pPr>
             <a:r>
@@ -10279,13 +11141,14 @@
               <a:rPr lang="pt-BR" altLang="zh-CN" dirty="0"/>
               <a:t>Decimal128(S)</a:t>
             </a:r>
+            <a:endParaRPr lang="pt-BR" altLang="zh-CN" dirty="0"/>
           </a:p>
           <a:p>
             <a:pPr marL="285750" indent="-285750">
               <a:lnSpc>
                 <a:spcPct val="150000"/>
               </a:lnSpc>
-              <a:buFont typeface="Arial" panose="020B0604020202020204" pitchFamily="34" charset="0"/>
+              <a:buFont typeface="Arial" panose="020B0604020202090204" pitchFamily="34" charset="0"/>
               <a:buChar char="•"/>
             </a:pPr>
             <a:r>
@@ -10308,13 +11171,14 @@
               <a:rPr lang="en-US" altLang="zh-CN" dirty="0"/>
               <a:t>(N)</a:t>
             </a:r>
+            <a:endParaRPr lang="en-US" altLang="zh-CN" dirty="0"/>
           </a:p>
           <a:p>
             <a:pPr marL="285750" indent="-285750">
               <a:lnSpc>
                 <a:spcPct val="150000"/>
               </a:lnSpc>
-              <a:buFont typeface="Arial" panose="020B0604020202020204" pitchFamily="34" charset="0"/>
+              <a:buFont typeface="Arial" panose="020B0604020202090204" pitchFamily="34" charset="0"/>
               <a:buChar char="•"/>
             </a:pPr>
             <a:r>
@@ -10338,11 +11202,6 @@
         </p:txBody>
       </p:sp>
     </p:spTree>
-    <p:extLst>
-      <p:ext uri="{BB962C8B-B14F-4D97-AF65-F5344CB8AC3E}">
-        <p14:creationId xmlns:p14="http://schemas.microsoft.com/office/powerpoint/2010/main" val="497463011"/>
-      </p:ext>
-    </p:extLst>
   </p:cSld>
   <p:clrMapOvr>
     <a:masterClrMapping/>
@@ -10369,13 +11228,7 @@
       </p:grpSpPr>
       <p:sp>
         <p:nvSpPr>
-          <p:cNvPr id="4" name="文本框 3">
-            <a:extLst>
-              <a:ext uri="{FF2B5EF4-FFF2-40B4-BE49-F238E27FC236}">
-                <a16:creationId xmlns:a16="http://schemas.microsoft.com/office/drawing/2014/main" id="{82D3865C-9A98-4B46-A8E4-132C992C0BC9}"/>
-              </a:ext>
-            </a:extLst>
-          </p:cNvPr>
+          <p:cNvPr id="4" name="文本框 3"/>
           <p:cNvSpPr txBox="1"/>
           <p:nvPr/>
         </p:nvSpPr>
@@ -10406,18 +11259,20 @@
               </a:rPr>
               <a:t>05</a:t>
             </a:r>
-          </a:p>
-        </p:txBody>
-      </p:sp>
-      <p:sp>
-        <p:nvSpPr>
-          <p:cNvPr id="5" name="矩形 4">
-            <a:extLst>
-              <a:ext uri="{FF2B5EF4-FFF2-40B4-BE49-F238E27FC236}">
-                <a16:creationId xmlns:a16="http://schemas.microsoft.com/office/drawing/2014/main" id="{894DE119-166A-714F-8FA7-0381C02A658D}"/>
-              </a:ext>
-            </a:extLst>
-          </p:cNvPr>
+            <a:endParaRPr lang="en-US" altLang="zh-CN" b="1" dirty="0">
+              <a:solidFill>
+                <a:schemeClr val="bg1"/>
+              </a:solidFill>
+              <a:latin typeface="微软雅黑" panose="020B0503020204020204" pitchFamily="34" charset="-122"/>
+              <a:ea typeface="微软雅黑" panose="020B0503020204020204" pitchFamily="34" charset="-122"/>
+              <a:sym typeface="+mn-ea"/>
+            </a:endParaRPr>
+          </a:p>
+        </p:txBody>
+      </p:sp>
+      <p:sp>
+        <p:nvSpPr>
+          <p:cNvPr id="5" name="矩形 4"/>
           <p:cNvSpPr/>
           <p:nvPr/>
         </p:nvSpPr>
@@ -10456,13 +11311,7 @@
       </p:sp>
       <p:sp>
         <p:nvSpPr>
-          <p:cNvPr id="2" name="矩形 1">
-            <a:extLst>
-              <a:ext uri="{FF2B5EF4-FFF2-40B4-BE49-F238E27FC236}">
-                <a16:creationId xmlns:a16="http://schemas.microsoft.com/office/drawing/2014/main" id="{312B0495-BDDB-429E-B082-81EF61E01F48}"/>
-              </a:ext>
-            </a:extLst>
-          </p:cNvPr>
+          <p:cNvPr id="2" name="矩形 1"/>
           <p:cNvSpPr/>
           <p:nvPr/>
         </p:nvSpPr>
@@ -10542,6 +11391,7 @@
               <a:rPr lang="zh-CN" altLang="en-US" dirty="0"/>
               <a:t>查询，</a:t>
             </a:r>
+            <a:endParaRPr lang="zh-CN" altLang="en-US" dirty="0"/>
           </a:p>
           <a:p>
             <a:pPr>
@@ -10555,20 +11405,14 @@
       </p:sp>
       <p:sp>
         <p:nvSpPr>
-          <p:cNvPr id="14" name="文本框 13">
-            <a:extLst>
-              <a:ext uri="{FF2B5EF4-FFF2-40B4-BE49-F238E27FC236}">
-                <a16:creationId xmlns:a16="http://schemas.microsoft.com/office/drawing/2014/main" id="{328E04A6-D215-4723-AFEB-8E82D25566F2}"/>
-              </a:ext>
-            </a:extLst>
-          </p:cNvPr>
+          <p:cNvPr id="14" name="文本框 13"/>
           <p:cNvSpPr txBox="1"/>
           <p:nvPr/>
         </p:nvSpPr>
         <p:spPr>
           <a:xfrm>
-            <a:off x="1144855" y="2782669"/>
-            <a:ext cx="6264696" cy="646331"/>
+            <a:off x="696545" y="2812514"/>
+            <a:ext cx="6264696" cy="922020"/>
           </a:xfrm>
           <a:prstGeom prst="rect">
             <a:avLst/>
@@ -10591,13 +11435,7 @@
             </a:r>
             <a:r>
               <a:rPr lang="en-US" altLang="zh-CN" dirty="0"/>
-              <a:t> [ON CLUSTER cluster]</a:t>
-            </a:r>
-          </a:p>
-          <a:p>
-            <a:r>
-              <a:rPr lang="en-US" altLang="zh-CN" dirty="0"/>
-              <a:t>ENGINE = MySQL('</a:t>
+              <a:t> [ON CLUSTER cluster] ENGINE = MySQL('</a:t>
             </a:r>
             <a:r>
               <a:rPr lang="en-US" altLang="zh-CN" dirty="0" err="1"/>
@@ -10613,20 +11451,14 @@
       </p:sp>
       <p:pic>
         <p:nvPicPr>
-          <p:cNvPr id="15" name="图片 14">
-            <a:extLst>
-              <a:ext uri="{FF2B5EF4-FFF2-40B4-BE49-F238E27FC236}">
-                <a16:creationId xmlns:a16="http://schemas.microsoft.com/office/drawing/2014/main" id="{E57E2497-23E2-4CEB-B005-5454F8CD9A07}"/>
-              </a:ext>
-            </a:extLst>
-          </p:cNvPr>
+          <p:cNvPr id="15" name="图片 14"/>
           <p:cNvPicPr>
             <a:picLocks noChangeAspect="1"/>
           </p:cNvPicPr>
           <p:nvPr/>
         </p:nvPicPr>
         <p:blipFill>
-          <a:blip r:embed="rId3"/>
+          <a:blip r:embed="rId1"/>
           <a:stretch>
             <a:fillRect/>
           </a:stretch>
@@ -10642,11 +11474,6 @@
         </p:spPr>
       </p:pic>
     </p:spTree>
-    <p:extLst>
-      <p:ext uri="{BB962C8B-B14F-4D97-AF65-F5344CB8AC3E}">
-        <p14:creationId xmlns:p14="http://schemas.microsoft.com/office/powerpoint/2010/main" val="1724773368"/>
-      </p:ext>
-    </p:extLst>
   </p:cSld>
   <p:clrMapOvr>
     <a:masterClrMapping/>
@@ -10794,13 +11621,7 @@
       </p:grpSpPr>
       <p:sp>
         <p:nvSpPr>
-          <p:cNvPr id="4" name="文本框 3">
-            <a:extLst>
-              <a:ext uri="{FF2B5EF4-FFF2-40B4-BE49-F238E27FC236}">
-                <a16:creationId xmlns:a16="http://schemas.microsoft.com/office/drawing/2014/main" id="{82D3865C-9A98-4B46-A8E4-132C992C0BC9}"/>
-              </a:ext>
-            </a:extLst>
-          </p:cNvPr>
+          <p:cNvPr id="4" name="文本框 3"/>
           <p:cNvSpPr txBox="1"/>
           <p:nvPr/>
         </p:nvSpPr>
@@ -10831,18 +11652,20 @@
               </a:rPr>
               <a:t>06</a:t>
             </a:r>
-          </a:p>
-        </p:txBody>
-      </p:sp>
-      <p:sp>
-        <p:nvSpPr>
-          <p:cNvPr id="5" name="矩形 4">
-            <a:extLst>
-              <a:ext uri="{FF2B5EF4-FFF2-40B4-BE49-F238E27FC236}">
-                <a16:creationId xmlns:a16="http://schemas.microsoft.com/office/drawing/2014/main" id="{894DE119-166A-714F-8FA7-0381C02A658D}"/>
-              </a:ext>
-            </a:extLst>
-          </p:cNvPr>
+            <a:endParaRPr lang="en-US" altLang="zh-CN" b="1" dirty="0">
+              <a:solidFill>
+                <a:schemeClr val="bg1"/>
+              </a:solidFill>
+              <a:latin typeface="微软雅黑" panose="020B0503020204020204" pitchFamily="34" charset="-122"/>
+              <a:ea typeface="微软雅黑" panose="020B0503020204020204" pitchFamily="34" charset="-122"/>
+              <a:sym typeface="+mn-ea"/>
+            </a:endParaRPr>
+          </a:p>
+        </p:txBody>
+      </p:sp>
+      <p:sp>
+        <p:nvSpPr>
+          <p:cNvPr id="5" name="矩形 4"/>
           <p:cNvSpPr/>
           <p:nvPr/>
         </p:nvSpPr>
@@ -10881,13 +11704,7 @@
       </p:sp>
       <p:sp>
         <p:nvSpPr>
-          <p:cNvPr id="2" name="矩形 1">
-            <a:extLst>
-              <a:ext uri="{FF2B5EF4-FFF2-40B4-BE49-F238E27FC236}">
-                <a16:creationId xmlns:a16="http://schemas.microsoft.com/office/drawing/2014/main" id="{312B0495-BDDB-429E-B082-81EF61E01F48}"/>
-              </a:ext>
-            </a:extLst>
-          </p:cNvPr>
+          <p:cNvPr id="2" name="矩形 1"/>
           <p:cNvSpPr/>
           <p:nvPr/>
         </p:nvSpPr>
@@ -10938,7 +11755,7 @@
               <a:lnSpc>
                 <a:spcPct val="150000"/>
               </a:lnSpc>
-              <a:buFont typeface="Arial" panose="020B0604020202020204" pitchFamily="34" charset="0"/>
+              <a:buFont typeface="Arial" panose="020B0604020202090204" pitchFamily="34" charset="0"/>
               <a:buChar char="•"/>
             </a:pPr>
             <a:r>
@@ -10964,7 +11781,7 @@
               <a:lnSpc>
                 <a:spcPct val="150000"/>
               </a:lnSpc>
-              <a:buFont typeface="Arial" panose="020B0604020202020204" pitchFamily="34" charset="0"/>
+              <a:buFont typeface="Arial" panose="020B0604020202090204" pitchFamily="34" charset="0"/>
               <a:buChar char="•"/>
             </a:pPr>
             <a:r>
@@ -10982,7 +11799,7 @@
               <a:lnSpc>
                 <a:spcPct val="150000"/>
               </a:lnSpc>
-              <a:buFont typeface="Arial" panose="020B0604020202020204" pitchFamily="34" charset="0"/>
+              <a:buFont typeface="Arial" panose="020B0604020202090204" pitchFamily="34" charset="0"/>
               <a:buChar char="•"/>
             </a:pPr>
             <a:r>
@@ -11025,13 +11842,14 @@
               <a:rPr lang="en-US" altLang="zh-CN" dirty="0"/>
               <a:t>HDFS</a:t>
             </a:r>
+            <a:endParaRPr lang="en-US" altLang="zh-CN" dirty="0"/>
           </a:p>
           <a:p>
             <a:pPr marL="285750" indent="-285750">
               <a:lnSpc>
                 <a:spcPct val="150000"/>
               </a:lnSpc>
-              <a:buFont typeface="Arial" panose="020B0604020202020204" pitchFamily="34" charset="0"/>
+              <a:buFont typeface="Arial" panose="020B0604020202090204" pitchFamily="34" charset="0"/>
               <a:buChar char="•"/>
             </a:pPr>
             <a:r>
@@ -11068,20 +11886,14 @@
       </p:sp>
       <p:pic>
         <p:nvPicPr>
-          <p:cNvPr id="3" name="图片 2">
-            <a:extLst>
-              <a:ext uri="{FF2B5EF4-FFF2-40B4-BE49-F238E27FC236}">
-                <a16:creationId xmlns:a16="http://schemas.microsoft.com/office/drawing/2014/main" id="{9AB2B96C-EBDA-4925-91FA-90B1C6817FF3}"/>
-              </a:ext>
-            </a:extLst>
-          </p:cNvPr>
+          <p:cNvPr id="3" name="图片 2"/>
           <p:cNvPicPr>
             <a:picLocks noChangeAspect="1"/>
           </p:cNvPicPr>
           <p:nvPr/>
         </p:nvPicPr>
         <p:blipFill>
-          <a:blip r:embed="rId3"/>
+          <a:blip r:embed="rId1"/>
           <a:stretch>
             <a:fillRect/>
           </a:stretch>
@@ -11097,11 +11909,6 @@
         </p:spPr>
       </p:pic>
     </p:spTree>
-    <p:extLst>
-      <p:ext uri="{BB962C8B-B14F-4D97-AF65-F5344CB8AC3E}">
-        <p14:creationId xmlns:p14="http://schemas.microsoft.com/office/powerpoint/2010/main" val="84242798"/>
-      </p:ext>
-    </p:extLst>
   </p:cSld>
   <p:clrMapOvr>
     <a:masterClrMapping/>
@@ -11236,12 +12043,6 @@
     </p:tnLst>
   </p:timing>
 </p:sld>
-</file>
-
-<file path=ppt/tags/tag1.xml><?xml version="1.0" encoding="utf-8"?>
-<p:tagLst xmlns:a="http://schemas.openxmlformats.org/drawingml/2006/main" xmlns:r="http://schemas.openxmlformats.org/officeDocument/2006/relationships" xmlns:p="http://schemas.openxmlformats.org/presentationml/2006/main">
-  <p:tag name="KSO_WM_DOC_GUID" val="{56378bf3-c612-4d1f-b779-855a2f9dd82f}"/>
-</p:tagLst>
 </file>
 
 <file path=ppt/theme/theme1.xml><?xml version="1.0" encoding="utf-8"?>
@@ -11495,8 +12296,6 @@
       </a:bgFillStyleLst>
     </a:fmtScheme>
   </a:themeElements>
-  <a:objectDefaults/>
-  <a:extraClrSchemeLst/>
   <a:extLst>
     <a:ext uri="{05A4C25C-085E-4340-85A3-A5531E510DB2}">
       <thm15:themeFamily xmlns:thm15="http://schemas.microsoft.com/office/thememl/2012/main" name="Office Theme" id="{62F939B6-93AF-4DB8-9C6B-D6C7DFDC589F}" vid="{4A3C46E8-61CC-4603-A589-7422A47A8E4A}"/>
@@ -11756,8 +12555,6 @@
       </a:bgFillStyleLst>
     </a:fmtScheme>
   </a:themeElements>
-  <a:objectDefaults/>
-  <a:extraClrSchemeLst/>
   <a:extLst>
     <a:ext uri="{05A4C25C-085E-4340-85A3-A5531E510DB2}">
       <thm15:themeFamily xmlns:thm15="http://schemas.microsoft.com/office/thememl/2012/main" name="Office Theme" id="{62F939B6-93AF-4DB8-9C6B-D6C7DFDC589F}" vid="{4A3C46E8-61CC-4603-A589-7422A47A8E4A}"/>
